--- a/UG_results_mac.pptx
+++ b/UG_results_mac.pptx
@@ -140,7 +140,7 @@
 </file>
 
 <file path=ppt/charts/chart1.xml><?xml version="1.0" encoding="utf-8"?>
-<c:chartSpace xmlns:c="http://schemas.openxmlformats.org/drawingml/2006/chart" xmlns:a="http://schemas.openxmlformats.org/drawingml/2006/main" xmlns:r="http://schemas.openxmlformats.org/officeDocument/2006/relationships">
+<c:chartSpace xmlns:c="http://schemas.openxmlformats.org/drawingml/2006/chart" xmlns:a="http://schemas.openxmlformats.org/drawingml/2006/main" xmlns:r="http://schemas.openxmlformats.org/officeDocument/2006/relationships" xmlns:c16r2="http://schemas.microsoft.com/office/drawing/2015/06/chart">
   <c:date1904 val="0"/>
   <c:lang val="en-US"/>
   <c:roundedCorners val="0"/>
@@ -284,18 +284,18 @@
                   <c:v>0.131972789115646</c:v>
                 </c:pt>
                 <c:pt idx="1">
-                  <c:v>0.868027210884354</c:v>
+                  <c:v>0.86802721088435397</c:v>
                 </c:pt>
                 <c:pt idx="2">
-                  <c:v>0.432134758665371</c:v>
+                  <c:v>0.43213475866537099</c:v>
                 </c:pt>
                 <c:pt idx="3">
-                  <c:v>0.567865241334629</c:v>
+                  <c:v>0.56786524133462901</c:v>
                 </c:pt>
               </c:numCache>
             </c:numRef>
           </c:val>
-          <c:extLst xmlns:c16r2="http://schemas.microsoft.com/office/drawing/2015/06/chart">
+          <c:extLst>
             <c:ext xmlns:c16="http://schemas.microsoft.com/office/drawing/2014/chart" uri="{C3380CC4-5D6E-409C-BE32-E72D297353CC}">
               <c16:uniqueId val="{00000000-1180-43FE-BC69-2FE7FA3F0AA8}"/>
             </c:ext>
@@ -365,18 +365,18 @@
                   <c:v>0.114583333333333</c:v>
                 </c:pt>
                 <c:pt idx="1">
-                  <c:v>0.885416666666666</c:v>
+                  <c:v>0.88541666666666596</c:v>
                 </c:pt>
                 <c:pt idx="2">
-                  <c:v>0.39781746031746</c:v>
+                  <c:v>0.39781746031746001</c:v>
                 </c:pt>
                 <c:pt idx="3">
-                  <c:v>0.60218253968254</c:v>
+                  <c:v>0.60218253968253999</c:v>
                 </c:pt>
               </c:numCache>
             </c:numRef>
           </c:val>
-          <c:extLst xmlns:c16r2="http://schemas.microsoft.com/office/drawing/2015/06/chart">
+          <c:extLst>
             <c:ext xmlns:c16="http://schemas.microsoft.com/office/drawing/2014/chart" uri="{C3380CC4-5D6E-409C-BE32-E72D297353CC}">
               <c16:uniqueId val="{00000001-1180-43FE-BC69-2FE7FA3F0AA8}"/>
             </c:ext>
@@ -443,21 +443,21 @@
                 <c:formatCode>General</c:formatCode>
                 <c:ptCount val="4"/>
                 <c:pt idx="0">
-                  <c:v>0.0978260869565217</c:v>
+                  <c:v>9.7826086956521702E-2</c:v>
                 </c:pt>
                 <c:pt idx="1">
-                  <c:v>0.902173913043478</c:v>
+                  <c:v>0.90217391304347805</c:v>
                 </c:pt>
                 <c:pt idx="2">
-                  <c:v>0.31055900621118</c:v>
+                  <c:v>0.31055900621117999</c:v>
                 </c:pt>
                 <c:pt idx="3">
-                  <c:v>0.68944099378882</c:v>
+                  <c:v>0.68944099378881996</c:v>
                 </c:pt>
               </c:numCache>
             </c:numRef>
           </c:val>
-          <c:extLst xmlns:c16r2="http://schemas.microsoft.com/office/drawing/2015/06/chart">
+          <c:extLst>
             <c:ext xmlns:c16="http://schemas.microsoft.com/office/drawing/2014/chart" uri="{C3380CC4-5D6E-409C-BE32-E72D297353CC}">
               <c16:uniqueId val="{00000002-1180-43FE-BC69-2FE7FA3F0AA8}"/>
             </c:ext>
@@ -524,21 +524,21 @@
                 <c:formatCode>General</c:formatCode>
                 <c:ptCount val="4"/>
                 <c:pt idx="0">
-                  <c:v>0.0831168831168831</c:v>
+                  <c:v>8.3116883116883103E-2</c:v>
                 </c:pt>
                 <c:pt idx="1">
-                  <c:v>0.916883116883117</c:v>
+                  <c:v>0.91688311688311697</c:v>
                 </c:pt>
                 <c:pt idx="2">
-                  <c:v>0.368583797155226</c:v>
+                  <c:v>0.36858379715522599</c:v>
                 </c:pt>
                 <c:pt idx="3">
-                  <c:v>0.631416202844774</c:v>
+                  <c:v>0.63141620284477395</c:v>
                 </c:pt>
               </c:numCache>
             </c:numRef>
           </c:val>
-          <c:extLst xmlns:c16r2="http://schemas.microsoft.com/office/drawing/2015/06/chart">
+          <c:extLst>
             <c:ext xmlns:c16="http://schemas.microsoft.com/office/drawing/2014/chart" uri="{C3380CC4-5D6E-409C-BE32-E72D297353CC}">
               <c16:uniqueId val="{00000003-1180-43FE-BC69-2FE7FA3F0AA8}"/>
             </c:ext>
@@ -731,7 +731,7 @@
 </file>
 
 <file path=ppt/charts/chart10.xml><?xml version="1.0" encoding="utf-8"?>
-<c:chartSpace xmlns:c="http://schemas.openxmlformats.org/drawingml/2006/chart" xmlns:a="http://schemas.openxmlformats.org/drawingml/2006/main" xmlns:r="http://schemas.openxmlformats.org/officeDocument/2006/relationships">
+<c:chartSpace xmlns:c="http://schemas.openxmlformats.org/drawingml/2006/chart" xmlns:a="http://schemas.openxmlformats.org/drawingml/2006/main" xmlns:r="http://schemas.openxmlformats.org/officeDocument/2006/relationships" xmlns:c16r2="http://schemas.microsoft.com/office/drawing/2015/06/chart">
   <c:date1904 val="0"/>
   <c:lang val="en-US"/>
   <c:roundedCorners val="0"/>
@@ -775,7 +775,6 @@
           </a:p>
         </c:rich>
       </c:tx>
-      <c:layout/>
       <c:overlay val="0"/>
       <c:spPr>
         <a:noFill/>
@@ -884,23 +883,28 @@
                 <c:formatCode>General</c:formatCode>
                 <c:ptCount val="5"/>
                 <c:pt idx="0">
-                  <c:v>1.0</c:v>
+                  <c:v>1</c:v>
                 </c:pt>
                 <c:pt idx="1">
-                  <c:v>0.901960784313725</c:v>
+                  <c:v>0.90196078431372495</c:v>
                 </c:pt>
                 <c:pt idx="2">
-                  <c:v>0.781512605042017</c:v>
+                  <c:v>0.78151260504201703</c:v>
                 </c:pt>
                 <c:pt idx="3">
-                  <c:v>0.588235294117647</c:v>
+                  <c:v>0.58823529411764697</c:v>
                 </c:pt>
                 <c:pt idx="4">
-                  <c:v>0.302521008403361</c:v>
+                  <c:v>0.30252100840336099</c:v>
                 </c:pt>
               </c:numCache>
             </c:numRef>
           </c:val>
+          <c:extLst>
+            <c:ext xmlns:c16="http://schemas.microsoft.com/office/drawing/2014/chart" uri="{C3380CC4-5D6E-409C-BE32-E72D297353CC}">
+              <c16:uniqueId val="{00000000-9244-442D-ADDA-C89AC91A6A39}"/>
+            </c:ext>
+          </c:extLst>
         </c:ser>
         <c:ser>
           <c:idx val="1"/>
@@ -974,23 +978,28 @@
                 <c:formatCode>General</c:formatCode>
                 <c:ptCount val="5"/>
                 <c:pt idx="0">
-                  <c:v>1.0</c:v>
+                  <c:v>1</c:v>
                 </c:pt>
                 <c:pt idx="1">
-                  <c:v>0.947368421052631</c:v>
+                  <c:v>0.94736842105263097</c:v>
                 </c:pt>
                 <c:pt idx="2">
-                  <c:v>0.857142857142857</c:v>
+                  <c:v>0.85714285714285698</c:v>
                 </c:pt>
                 <c:pt idx="3">
-                  <c:v>0.541353383458647</c:v>
+                  <c:v>0.54135338345864703</c:v>
                 </c:pt>
                 <c:pt idx="4">
-                  <c:v>0.37593984962406</c:v>
+                  <c:v>0.37593984962406002</c:v>
                 </c:pt>
               </c:numCache>
             </c:numRef>
           </c:val>
+          <c:extLst>
+            <c:ext xmlns:c16="http://schemas.microsoft.com/office/drawing/2014/chart" uri="{C3380CC4-5D6E-409C-BE32-E72D297353CC}">
+              <c16:uniqueId val="{00000001-9244-442D-ADDA-C89AC91A6A39}"/>
+            </c:ext>
+          </c:extLst>
         </c:ser>
         <c:ser>
           <c:idx val="2"/>
@@ -1064,23 +1073,28 @@
                 <c:formatCode>General</c:formatCode>
                 <c:ptCount val="5"/>
                 <c:pt idx="0">
-                  <c:v>0.979166666666667</c:v>
+                  <c:v>0.97916666666666696</c:v>
                 </c:pt>
                 <c:pt idx="1">
-                  <c:v>0.944444444444444</c:v>
+                  <c:v>0.94444444444444398</c:v>
                 </c:pt>
                 <c:pt idx="2">
-                  <c:v>0.809523809523809</c:v>
+                  <c:v>0.80952380952380898</c:v>
                 </c:pt>
                 <c:pt idx="3">
-                  <c:v>0.553571428571429</c:v>
+                  <c:v>0.55357142857142905</c:v>
                 </c:pt>
                 <c:pt idx="4">
-                  <c:v>0.339285714285714</c:v>
+                  <c:v>0.33928571428571402</c:v>
                 </c:pt>
               </c:numCache>
             </c:numRef>
           </c:val>
+          <c:extLst>
+            <c:ext xmlns:c16="http://schemas.microsoft.com/office/drawing/2014/chart" uri="{C3380CC4-5D6E-409C-BE32-E72D297353CC}">
+              <c16:uniqueId val="{00000002-9244-442D-ADDA-C89AC91A6A39}"/>
+            </c:ext>
+          </c:extLst>
         </c:ser>
         <c:ser>
           <c:idx val="3"/>
@@ -1154,23 +1168,28 @@
                 <c:formatCode>General</c:formatCode>
                 <c:ptCount val="5"/>
                 <c:pt idx="0">
-                  <c:v>0.978260869565217</c:v>
+                  <c:v>0.97826086956521696</c:v>
                 </c:pt>
                 <c:pt idx="1">
-                  <c:v>0.971014492753623</c:v>
+                  <c:v>0.97101449275362295</c:v>
                 </c:pt>
                 <c:pt idx="2">
-                  <c:v>0.869565217391304</c:v>
+                  <c:v>0.86956521739130399</c:v>
                 </c:pt>
                 <c:pt idx="3">
-                  <c:v>0.714285714285714</c:v>
+                  <c:v>0.71428571428571397</c:v>
                 </c:pt>
                 <c:pt idx="4">
-                  <c:v>0.521739130434783</c:v>
+                  <c:v>0.52173913043478304</c:v>
                 </c:pt>
               </c:numCache>
             </c:numRef>
           </c:val>
+          <c:extLst>
+            <c:ext xmlns:c16="http://schemas.microsoft.com/office/drawing/2014/chart" uri="{C3380CC4-5D6E-409C-BE32-E72D297353CC}">
+              <c16:uniqueId val="{00000003-9244-442D-ADDA-C89AC91A6A39}"/>
+            </c:ext>
+          </c:extLst>
         </c:ser>
         <c:ser>
           <c:idx val="4"/>
@@ -1244,23 +1263,28 @@
                 <c:formatCode>General</c:formatCode>
                 <c:ptCount val="5"/>
                 <c:pt idx="0">
-                  <c:v>1.0</c:v>
+                  <c:v>1</c:v>
                 </c:pt>
                 <c:pt idx="1">
-                  <c:v>0.983333333333333</c:v>
+                  <c:v>0.98333333333333295</c:v>
                 </c:pt>
                 <c:pt idx="2">
-                  <c:v>0.935714285714286</c:v>
+                  <c:v>0.93571428571428605</c:v>
                 </c:pt>
                 <c:pt idx="3">
-                  <c:v>0.578571428571429</c:v>
+                  <c:v>0.57857142857142896</c:v>
                 </c:pt>
                 <c:pt idx="4">
-                  <c:v>0.285714285714286</c:v>
+                  <c:v>0.28571428571428598</c:v>
                 </c:pt>
               </c:numCache>
             </c:numRef>
           </c:val>
+          <c:extLst>
+            <c:ext xmlns:c16="http://schemas.microsoft.com/office/drawing/2014/chart" uri="{C3380CC4-5D6E-409C-BE32-E72D297353CC}">
+              <c16:uniqueId val="{00000004-9244-442D-ADDA-C89AC91A6A39}"/>
+            </c:ext>
+          </c:extLst>
         </c:ser>
         <c:dLbls>
           <c:showLegendKey val="0"/>
@@ -1302,14 +1326,12 @@
                   </a:defRPr>
                 </a:pPr>
                 <a:r>
-                  <a:rPr lang="en-US" dirty="0" smtClean="0"/>
+                  <a:rPr lang="en-US" dirty="0"/>
                   <a:t>Player/opponent </a:t>
                 </a:r>
-                <a:endParaRPr lang="en-US" dirty="0"/>
               </a:p>
             </c:rich>
           </c:tx>
-          <c:layout/>
           <c:overlay val="0"/>
           <c:spPr>
             <a:noFill/>
@@ -1387,7 +1409,7 @@
         <c:axId val="1359303728"/>
         <c:scaling>
           <c:orientation val="minMax"/>
-          <c:max val="1.0"/>
+          <c:max val="1"/>
         </c:scaling>
         <c:delete val="0"/>
         <c:axPos val="l"/>
@@ -1432,7 +1454,6 @@
               </a:p>
             </c:rich>
           </c:tx>
-          <c:layout/>
           <c:overlay val="0"/>
           <c:spPr>
             <a:noFill/>
@@ -1462,6 +1483,7 @@
             </a:p>
           </c:txPr>
         </c:title>
+        <c:numFmt formatCode="General" sourceLinked="1"/>
         <c:majorTickMark val="none"/>
         <c:minorTickMark val="none"/>
         <c:tickLblPos val="nextTo"/>
@@ -1506,7 +1528,6 @@
     </c:plotArea>
     <c:legend>
       <c:legendPos val="b"/>
-      <c:layout/>
       <c:overlay val="0"/>
       <c:spPr>
         <a:noFill/>
@@ -1564,7 +1585,7 @@
 </file>
 
 <file path=ppt/charts/chart11.xml><?xml version="1.0" encoding="utf-8"?>
-<c:chartSpace xmlns:c="http://schemas.openxmlformats.org/drawingml/2006/chart" xmlns:a="http://schemas.openxmlformats.org/drawingml/2006/main" xmlns:r="http://schemas.openxmlformats.org/officeDocument/2006/relationships">
+<c:chartSpace xmlns:c="http://schemas.openxmlformats.org/drawingml/2006/chart" xmlns:a="http://schemas.openxmlformats.org/drawingml/2006/main" xmlns:r="http://schemas.openxmlformats.org/officeDocument/2006/relationships" xmlns:c16r2="http://schemas.microsoft.com/office/drawing/2015/06/chart">
   <c:date1904 val="0"/>
   <c:lang val="en-US"/>
   <c:roundedCorners val="0"/>
@@ -1620,7 +1641,6 @@
           </a:p>
         </c:rich>
       </c:tx>
-      <c:layout/>
       <c:overlay val="0"/>
       <c:spPr>
         <a:noFill/>
@@ -1729,23 +1749,28 @@
                 <c:formatCode>General</c:formatCode>
                 <c:ptCount val="5"/>
                 <c:pt idx="0">
-                  <c:v>1.0</c:v>
+                  <c:v>1</c:v>
                 </c:pt>
                 <c:pt idx="1">
                   <c:v>0.92156862745098</c:v>
                 </c:pt>
                 <c:pt idx="2">
-                  <c:v>0.890756302521008</c:v>
+                  <c:v>0.89075630252100801</c:v>
                 </c:pt>
                 <c:pt idx="3">
-                  <c:v>0.831932773109244</c:v>
+                  <c:v>0.83193277310924396</c:v>
                 </c:pt>
                 <c:pt idx="4">
-                  <c:v>0.739495798319328</c:v>
+                  <c:v>0.73949579831932799</c:v>
                 </c:pt>
               </c:numCache>
             </c:numRef>
           </c:val>
+          <c:extLst>
+            <c:ext xmlns:c16="http://schemas.microsoft.com/office/drawing/2014/chart" uri="{C3380CC4-5D6E-409C-BE32-E72D297353CC}">
+              <c16:uniqueId val="{00000000-42BC-4EF6-8DB7-021712C01981}"/>
+            </c:ext>
+          </c:extLst>
         </c:ser>
         <c:ser>
           <c:idx val="1"/>
@@ -1819,23 +1844,28 @@
                 <c:formatCode>General</c:formatCode>
                 <c:ptCount val="5"/>
                 <c:pt idx="0">
-                  <c:v>0.947368421052631</c:v>
+                  <c:v>0.94736842105263097</c:v>
                 </c:pt>
                 <c:pt idx="1">
-                  <c:v>0.87719298245614</c:v>
+                  <c:v>0.87719298245613997</c:v>
                 </c:pt>
                 <c:pt idx="2">
-                  <c:v>0.81203007518797</c:v>
+                  <c:v>0.81203007518796999</c:v>
                 </c:pt>
                 <c:pt idx="3">
                   <c:v>0.766917293233083</c:v>
                 </c:pt>
                 <c:pt idx="4">
-                  <c:v>0.691729323308271</c:v>
+                  <c:v>0.69172932330827097</c:v>
                 </c:pt>
               </c:numCache>
             </c:numRef>
           </c:val>
+          <c:extLst>
+            <c:ext xmlns:c16="http://schemas.microsoft.com/office/drawing/2014/chart" uri="{C3380CC4-5D6E-409C-BE32-E72D297353CC}">
+              <c16:uniqueId val="{00000001-42BC-4EF6-8DB7-021712C01981}"/>
+            </c:ext>
+          </c:extLst>
         </c:ser>
         <c:ser>
           <c:idx val="2"/>
@@ -1909,23 +1939,28 @@
                 <c:formatCode>General</c:formatCode>
                 <c:ptCount val="5"/>
                 <c:pt idx="0">
-                  <c:v>0.916666666666667</c:v>
+                  <c:v>0.91666666666666696</c:v>
                 </c:pt>
                 <c:pt idx="1">
-                  <c:v>0.958333333333333</c:v>
+                  <c:v>0.95833333333333304</c:v>
                 </c:pt>
                 <c:pt idx="2">
-                  <c:v>0.94047619047619</c:v>
+                  <c:v>0.94047619047619002</c:v>
                 </c:pt>
                 <c:pt idx="3">
-                  <c:v>0.869047619047619</c:v>
+                  <c:v>0.86904761904761896</c:v>
                 </c:pt>
                 <c:pt idx="4">
-                  <c:v>0.809523809523809</c:v>
+                  <c:v>0.80952380952380898</c:v>
                 </c:pt>
               </c:numCache>
             </c:numRef>
           </c:val>
+          <c:extLst>
+            <c:ext xmlns:c16="http://schemas.microsoft.com/office/drawing/2014/chart" uri="{C3380CC4-5D6E-409C-BE32-E72D297353CC}">
+              <c16:uniqueId val="{00000002-42BC-4EF6-8DB7-021712C01981}"/>
+            </c:ext>
+          </c:extLst>
         </c:ser>
         <c:ser>
           <c:idx val="3"/>
@@ -2002,20 +2037,25 @@
                   <c:v>0.934782608695652</c:v>
                 </c:pt>
                 <c:pt idx="1">
-                  <c:v>0.942028985507246</c:v>
+                  <c:v>0.94202898550724601</c:v>
                 </c:pt>
                 <c:pt idx="2">
-                  <c:v>0.913043478260869</c:v>
+                  <c:v>0.91304347826086896</c:v>
                 </c:pt>
                 <c:pt idx="3">
-                  <c:v>0.801242236024845</c:v>
+                  <c:v>0.80124223602484501</c:v>
                 </c:pt>
                 <c:pt idx="4">
-                  <c:v>0.763975155279503</c:v>
+                  <c:v>0.76397515527950299</c:v>
                 </c:pt>
               </c:numCache>
             </c:numRef>
           </c:val>
+          <c:extLst>
+            <c:ext xmlns:c16="http://schemas.microsoft.com/office/drawing/2014/chart" uri="{C3380CC4-5D6E-409C-BE32-E72D297353CC}">
+              <c16:uniqueId val="{00000003-42BC-4EF6-8DB7-021712C01981}"/>
+            </c:ext>
+          </c:extLst>
         </c:ser>
         <c:ser>
           <c:idx val="4"/>
@@ -2089,23 +2129,28 @@
                 <c:formatCode>General</c:formatCode>
                 <c:ptCount val="5"/>
                 <c:pt idx="0">
-                  <c:v>0.975</c:v>
+                  <c:v>0.97499999999999998</c:v>
                 </c:pt>
                 <c:pt idx="1">
-                  <c:v>1.0</c:v>
+                  <c:v>1</c:v>
                 </c:pt>
                 <c:pt idx="2">
-                  <c:v>0.992857142857143</c:v>
+                  <c:v>0.99285714285714299</c:v>
                 </c:pt>
                 <c:pt idx="3">
                   <c:v>0.878571428571429</c:v>
                 </c:pt>
                 <c:pt idx="4">
-                  <c:v>0.835714285714286</c:v>
+                  <c:v>0.83571428571428596</c:v>
                 </c:pt>
               </c:numCache>
             </c:numRef>
           </c:val>
+          <c:extLst>
+            <c:ext xmlns:c16="http://schemas.microsoft.com/office/drawing/2014/chart" uri="{C3380CC4-5D6E-409C-BE32-E72D297353CC}">
+              <c16:uniqueId val="{00000004-42BC-4EF6-8DB7-021712C01981}"/>
+            </c:ext>
+          </c:extLst>
         </c:ser>
         <c:dLbls>
           <c:showLegendKey val="0"/>
@@ -2147,14 +2192,13 @@
                   </a:defRPr>
                 </a:pPr>
                 <a:r>
-                  <a:rPr lang="en-CA" altLang="zh-CN" dirty="0" smtClean="0"/>
+                  <a:rPr lang="en-CA" altLang="zh-CN" dirty="0"/>
                   <a:t>Player/opponent</a:t>
                 </a:r>
                 <a:endParaRPr lang="en-US" dirty="0"/>
               </a:p>
             </c:rich>
           </c:tx>
-          <c:layout/>
           <c:overlay val="0"/>
           <c:spPr>
             <a:noFill/>
@@ -2232,7 +2276,7 @@
         <c:axId val="1359251488"/>
         <c:scaling>
           <c:orientation val="minMax"/>
-          <c:max val="1.0"/>
+          <c:max val="1"/>
         </c:scaling>
         <c:delete val="0"/>
         <c:axPos val="l"/>
@@ -2285,7 +2329,6 @@
               </a:p>
             </c:rich>
           </c:tx>
-          <c:layout/>
           <c:overlay val="0"/>
           <c:spPr>
             <a:noFill/>
@@ -2315,6 +2358,7 @@
             </a:p>
           </c:txPr>
         </c:title>
+        <c:numFmt formatCode="General" sourceLinked="1"/>
         <c:majorTickMark val="none"/>
         <c:minorTickMark val="none"/>
         <c:tickLblPos val="nextTo"/>
@@ -2359,7 +2403,6 @@
     </c:plotArea>
     <c:legend>
       <c:legendPos val="b"/>
-      <c:layout/>
       <c:overlay val="0"/>
       <c:spPr>
         <a:noFill/>
@@ -2417,7 +2460,7 @@
 </file>
 
 <file path=ppt/charts/chart12.xml><?xml version="1.0" encoding="utf-8"?>
-<c:chartSpace xmlns:c="http://schemas.openxmlformats.org/drawingml/2006/chart" xmlns:a="http://schemas.openxmlformats.org/drawingml/2006/main" xmlns:r="http://schemas.openxmlformats.org/officeDocument/2006/relationships">
+<c:chartSpace xmlns:c="http://schemas.openxmlformats.org/drawingml/2006/chart" xmlns:a="http://schemas.openxmlformats.org/drawingml/2006/main" xmlns:r="http://schemas.openxmlformats.org/officeDocument/2006/relationships" xmlns:c16r2="http://schemas.microsoft.com/office/drawing/2015/06/chart">
   <c:date1904 val="0"/>
   <c:lang val="en-US"/>
   <c:roundedCorners val="0"/>
@@ -2465,7 +2508,6 @@
           </a:p>
         </c:rich>
       </c:tx>
-      <c:layout/>
       <c:overlay val="0"/>
       <c:spPr>
         <a:noFill/>
@@ -2574,23 +2616,28 @@
                 <c:formatCode>General</c:formatCode>
                 <c:ptCount val="5"/>
                 <c:pt idx="0">
-                  <c:v>0.647058823529412</c:v>
+                  <c:v>0.64705882352941202</c:v>
                 </c:pt>
                 <c:pt idx="1">
-                  <c:v>0.529411764705882</c:v>
+                  <c:v>0.52941176470588203</c:v>
                 </c:pt>
                 <c:pt idx="2">
-                  <c:v>0.470588235294118</c:v>
+                  <c:v>0.47058823529411797</c:v>
                 </c:pt>
                 <c:pt idx="3">
-                  <c:v>0.336134453781513</c:v>
+                  <c:v>0.33613445378151302</c:v>
                 </c:pt>
                 <c:pt idx="4">
-                  <c:v>0.168067226890756</c:v>
+                  <c:v>0.16806722689075601</c:v>
                 </c:pt>
               </c:numCache>
             </c:numRef>
           </c:val>
+          <c:extLst>
+            <c:ext xmlns:c16="http://schemas.microsoft.com/office/drawing/2014/chart" uri="{C3380CC4-5D6E-409C-BE32-E72D297353CC}">
+              <c16:uniqueId val="{00000000-27E2-43A6-8EB1-961E311CB094}"/>
+            </c:ext>
+          </c:extLst>
         </c:ser>
         <c:ser>
           <c:idx val="1"/>
@@ -2664,16 +2711,16 @@
                 <c:formatCode>General</c:formatCode>
                 <c:ptCount val="5"/>
                 <c:pt idx="0">
-                  <c:v>0.789473684210526</c:v>
+                  <c:v>0.78947368421052599</c:v>
                 </c:pt>
                 <c:pt idx="1">
-                  <c:v>0.631578947368421</c:v>
+                  <c:v>0.63157894736842102</c:v>
                 </c:pt>
                 <c:pt idx="2">
-                  <c:v>0.481203007518797</c:v>
+                  <c:v>0.48120300751879702</c:v>
                 </c:pt>
                 <c:pt idx="3">
-                  <c:v>0.308270676691729</c:v>
+                  <c:v>0.30827067669172897</c:v>
                 </c:pt>
                 <c:pt idx="4">
                   <c:v>0.233082706766917</c:v>
@@ -2681,6 +2728,11 @@
               </c:numCache>
             </c:numRef>
           </c:val>
+          <c:extLst>
+            <c:ext xmlns:c16="http://schemas.microsoft.com/office/drawing/2014/chart" uri="{C3380CC4-5D6E-409C-BE32-E72D297353CC}">
+              <c16:uniqueId val="{00000001-27E2-43A6-8EB1-961E311CB094}"/>
+            </c:ext>
+          </c:extLst>
         </c:ser>
         <c:ser>
           <c:idx val="2"/>
@@ -2754,23 +2806,28 @@
                 <c:formatCode>General</c:formatCode>
                 <c:ptCount val="5"/>
                 <c:pt idx="0">
-                  <c:v>0.666666666666667</c:v>
+                  <c:v>0.66666666666666696</c:v>
                 </c:pt>
                 <c:pt idx="1">
-                  <c:v>0.694444444444444</c:v>
+                  <c:v>0.69444444444444398</c:v>
                 </c:pt>
                 <c:pt idx="2">
-                  <c:v>0.529761904761905</c:v>
+                  <c:v>0.52976190476190499</c:v>
                 </c:pt>
                 <c:pt idx="3">
-                  <c:v>0.410714285714286</c:v>
+                  <c:v>0.41071428571428598</c:v>
                 </c:pt>
                 <c:pt idx="4">
-                  <c:v>0.261904761904762</c:v>
+                  <c:v>0.26190476190476197</c:v>
                 </c:pt>
               </c:numCache>
             </c:numRef>
           </c:val>
+          <c:extLst>
+            <c:ext xmlns:c16="http://schemas.microsoft.com/office/drawing/2014/chart" uri="{C3380CC4-5D6E-409C-BE32-E72D297353CC}">
+              <c16:uniqueId val="{00000002-27E2-43A6-8EB1-961E311CB094}"/>
+            </c:ext>
+          </c:extLst>
         </c:ser>
         <c:ser>
           <c:idx val="3"/>
@@ -2844,23 +2901,28 @@
                 <c:formatCode>General</c:formatCode>
                 <c:ptCount val="5"/>
                 <c:pt idx="0">
-                  <c:v>0.847826086956522</c:v>
+                  <c:v>0.84782608695652195</c:v>
                 </c:pt>
                 <c:pt idx="1">
-                  <c:v>0.63768115942029</c:v>
+                  <c:v>0.63768115942029002</c:v>
                 </c:pt>
                 <c:pt idx="2">
-                  <c:v>0.590062111801242</c:v>
+                  <c:v>0.59006211180124202</c:v>
                 </c:pt>
                 <c:pt idx="3">
-                  <c:v>0.571428571428571</c:v>
+                  <c:v>0.57142857142857095</c:v>
                 </c:pt>
                 <c:pt idx="4">
-                  <c:v>0.422360248447205</c:v>
+                  <c:v>0.42236024844720499</c:v>
                 </c:pt>
               </c:numCache>
             </c:numRef>
           </c:val>
+          <c:extLst>
+            <c:ext xmlns:c16="http://schemas.microsoft.com/office/drawing/2014/chart" uri="{C3380CC4-5D6E-409C-BE32-E72D297353CC}">
+              <c16:uniqueId val="{00000003-27E2-43A6-8EB1-961E311CB094}"/>
+            </c:ext>
+          </c:extLst>
         </c:ser>
         <c:ser>
           <c:idx val="4"/>
@@ -2940,17 +3002,22 @@
                   <c:v>0.7</c:v>
                 </c:pt>
                 <c:pt idx="2">
-                  <c:v>0.528571428571429</c:v>
+                  <c:v>0.52857142857142903</c:v>
                 </c:pt>
                 <c:pt idx="3">
-                  <c:v>0.357142857142857</c:v>
+                  <c:v>0.35714285714285698</c:v>
                 </c:pt>
                 <c:pt idx="4">
-                  <c:v>0.357142857142857</c:v>
+                  <c:v>0.35714285714285698</c:v>
                 </c:pt>
               </c:numCache>
             </c:numRef>
           </c:val>
+          <c:extLst>
+            <c:ext xmlns:c16="http://schemas.microsoft.com/office/drawing/2014/chart" uri="{C3380CC4-5D6E-409C-BE32-E72D297353CC}">
+              <c16:uniqueId val="{00000004-27E2-43A6-8EB1-961E311CB094}"/>
+            </c:ext>
+          </c:extLst>
         </c:ser>
         <c:dLbls>
           <c:showLegendKey val="0"/>
@@ -2992,14 +3059,13 @@
                   </a:defRPr>
                 </a:pPr>
                 <a:r>
-                  <a:rPr lang="en-CA" altLang="zh-CN" dirty="0" smtClean="0"/>
+                  <a:rPr lang="en-CA" altLang="zh-CN" dirty="0"/>
                   <a:t>Player/opponent</a:t>
                 </a:r>
                 <a:endParaRPr lang="en-US" dirty="0"/>
               </a:p>
             </c:rich>
           </c:tx>
-          <c:layout/>
           <c:overlay val="0"/>
           <c:spPr>
             <a:noFill/>
@@ -3129,7 +3195,6 @@
               </a:p>
             </c:rich>
           </c:tx>
-          <c:layout/>
           <c:overlay val="0"/>
           <c:spPr>
             <a:noFill/>
@@ -3204,7 +3269,6 @@
     </c:plotArea>
     <c:legend>
       <c:legendPos val="b"/>
-      <c:layout/>
       <c:overlay val="0"/>
       <c:spPr>
         <a:noFill/>
@@ -3262,7 +3326,7 @@
 </file>
 
 <file path=ppt/charts/chart13.xml><?xml version="1.0" encoding="utf-8"?>
-<c:chartSpace xmlns:c="http://schemas.openxmlformats.org/drawingml/2006/chart" xmlns:a="http://schemas.openxmlformats.org/drawingml/2006/main" xmlns:r="http://schemas.openxmlformats.org/officeDocument/2006/relationships">
+<c:chartSpace xmlns:c="http://schemas.openxmlformats.org/drawingml/2006/chart" xmlns:a="http://schemas.openxmlformats.org/drawingml/2006/main" xmlns:r="http://schemas.openxmlformats.org/officeDocument/2006/relationships" xmlns:c16r2="http://schemas.microsoft.com/office/drawing/2015/06/chart">
   <c:date1904 val="0"/>
   <c:lang val="en-US"/>
   <c:roundedCorners val="0"/>
@@ -3306,7 +3370,6 @@
           </a:p>
         </c:rich>
       </c:tx>
-      <c:layout/>
       <c:overlay val="0"/>
       <c:spPr>
         <a:noFill/>
@@ -3392,34 +3455,34 @@
                 <c:formatCode>General</c:formatCode>
                 <c:ptCount val="10"/>
                 <c:pt idx="0">
-                  <c:v>2.0</c:v>
+                  <c:v>2</c:v>
                 </c:pt>
                 <c:pt idx="1">
-                  <c:v>4.0</c:v>
+                  <c:v>4</c:v>
                 </c:pt>
                 <c:pt idx="2">
-                  <c:v>7.0</c:v>
+                  <c:v>7</c:v>
                 </c:pt>
                 <c:pt idx="3">
-                  <c:v>8.0</c:v>
+                  <c:v>8</c:v>
                 </c:pt>
                 <c:pt idx="4">
-                  <c:v>9.0</c:v>
+                  <c:v>9</c:v>
                 </c:pt>
                 <c:pt idx="5">
-                  <c:v>11.0</c:v>
+                  <c:v>11</c:v>
                 </c:pt>
                 <c:pt idx="6">
-                  <c:v>12.0</c:v>
+                  <c:v>12</c:v>
                 </c:pt>
                 <c:pt idx="7">
-                  <c:v>14.0</c:v>
+                  <c:v>14</c:v>
                 </c:pt>
                 <c:pt idx="8">
-                  <c:v>16.0</c:v>
+                  <c:v>16</c:v>
                 </c:pt>
                 <c:pt idx="9">
-                  <c:v>18.0</c:v>
+                  <c:v>18</c:v>
                 </c:pt>
               </c:numCache>
             </c:numRef>
@@ -3431,38 +3494,43 @@
                 <c:formatCode>General</c:formatCode>
                 <c:ptCount val="10"/>
                 <c:pt idx="0">
-                  <c:v>0.764705882352941</c:v>
+                  <c:v>0.76470588235294101</c:v>
                 </c:pt>
                 <c:pt idx="1">
-                  <c:v>0.735294117647059</c:v>
+                  <c:v>0.73529411764705899</c:v>
                 </c:pt>
                 <c:pt idx="2">
-                  <c:v>0.843137254901961</c:v>
+                  <c:v>0.84313725490196101</c:v>
                 </c:pt>
                 <c:pt idx="3">
-                  <c:v>0.852941176470588</c:v>
+                  <c:v>0.85294117647058798</c:v>
                 </c:pt>
                 <c:pt idx="4">
-                  <c:v>0.517647058823529</c:v>
+                  <c:v>0.51764705882352902</c:v>
                 </c:pt>
                 <c:pt idx="5">
-                  <c:v>0.794117647058823</c:v>
+                  <c:v>0.79411764705882304</c:v>
                 </c:pt>
                 <c:pt idx="6">
-                  <c:v>0.470588235294118</c:v>
+                  <c:v>0.47058823529411797</c:v>
                 </c:pt>
                 <c:pt idx="7">
-                  <c:v>0.764705882352941</c:v>
+                  <c:v>0.76470588235294101</c:v>
                 </c:pt>
                 <c:pt idx="8">
-                  <c:v>0.617647058823529</c:v>
+                  <c:v>0.61764705882352899</c:v>
                 </c:pt>
                 <c:pt idx="9">
-                  <c:v>0.338235294117647</c:v>
+                  <c:v>0.33823529411764702</c:v>
                 </c:pt>
               </c:numCache>
             </c:numRef>
           </c:val>
+          <c:extLst>
+            <c:ext xmlns:c16="http://schemas.microsoft.com/office/drawing/2014/chart" uri="{C3380CC4-5D6E-409C-BE32-E72D297353CC}">
+              <c16:uniqueId val="{00000000-2AF5-4763-A935-3F2CEC4A1C1E}"/>
+            </c:ext>
+          </c:extLst>
         </c:ser>
         <c:ser>
           <c:idx val="1"/>
@@ -3513,34 +3581,34 @@
                 <c:formatCode>General</c:formatCode>
                 <c:ptCount val="10"/>
                 <c:pt idx="0">
-                  <c:v>2.0</c:v>
+                  <c:v>2</c:v>
                 </c:pt>
                 <c:pt idx="1">
-                  <c:v>4.0</c:v>
+                  <c:v>4</c:v>
                 </c:pt>
                 <c:pt idx="2">
-                  <c:v>7.0</c:v>
+                  <c:v>7</c:v>
                 </c:pt>
                 <c:pt idx="3">
-                  <c:v>8.0</c:v>
+                  <c:v>8</c:v>
                 </c:pt>
                 <c:pt idx="4">
-                  <c:v>9.0</c:v>
+                  <c:v>9</c:v>
                 </c:pt>
                 <c:pt idx="5">
-                  <c:v>11.0</c:v>
+                  <c:v>11</c:v>
                 </c:pt>
                 <c:pt idx="6">
-                  <c:v>12.0</c:v>
+                  <c:v>12</c:v>
                 </c:pt>
                 <c:pt idx="7">
-                  <c:v>14.0</c:v>
+                  <c:v>14</c:v>
                 </c:pt>
                 <c:pt idx="8">
-                  <c:v>16.0</c:v>
+                  <c:v>16</c:v>
                 </c:pt>
                 <c:pt idx="9">
-                  <c:v>18.0</c:v>
+                  <c:v>18</c:v>
                 </c:pt>
               </c:numCache>
             </c:numRef>
@@ -3552,28 +3620,28 @@
                 <c:formatCode>General</c:formatCode>
                 <c:ptCount val="10"/>
                 <c:pt idx="0">
-                  <c:v>0.947368421052631</c:v>
+                  <c:v>0.94736842105263097</c:v>
                 </c:pt>
                 <c:pt idx="1">
                   <c:v>0.75</c:v>
                 </c:pt>
                 <c:pt idx="2">
-                  <c:v>0.87719298245614</c:v>
+                  <c:v>0.87719298245613997</c:v>
                 </c:pt>
                 <c:pt idx="3">
-                  <c:v>0.763157894736842</c:v>
+                  <c:v>0.76315789473684204</c:v>
                 </c:pt>
                 <c:pt idx="4">
-                  <c:v>0.621052631578947</c:v>
+                  <c:v>0.62105263157894697</c:v>
                 </c:pt>
                 <c:pt idx="5">
-                  <c:v>0.842105263157895</c:v>
+                  <c:v>0.84210526315789502</c:v>
                 </c:pt>
                 <c:pt idx="6">
-                  <c:v>0.552631578947368</c:v>
+                  <c:v>0.55263157894736803</c:v>
                 </c:pt>
                 <c:pt idx="7">
-                  <c:v>0.842105263157895</c:v>
+                  <c:v>0.84210526315789502</c:v>
                 </c:pt>
                 <c:pt idx="8">
                   <c:v>0.5</c:v>
@@ -3584,6 +3652,11 @@
               </c:numCache>
             </c:numRef>
           </c:val>
+          <c:extLst>
+            <c:ext xmlns:c16="http://schemas.microsoft.com/office/drawing/2014/chart" uri="{C3380CC4-5D6E-409C-BE32-E72D297353CC}">
+              <c16:uniqueId val="{00000001-2AF5-4763-A935-3F2CEC4A1C1E}"/>
+            </c:ext>
+          </c:extLst>
         </c:ser>
         <c:ser>
           <c:idx val="2"/>
@@ -3634,34 +3707,34 @@
                 <c:formatCode>General</c:formatCode>
                 <c:ptCount val="10"/>
                 <c:pt idx="0">
-                  <c:v>2.0</c:v>
+                  <c:v>2</c:v>
                 </c:pt>
                 <c:pt idx="1">
-                  <c:v>4.0</c:v>
+                  <c:v>4</c:v>
                 </c:pt>
                 <c:pt idx="2">
-                  <c:v>7.0</c:v>
+                  <c:v>7</c:v>
                 </c:pt>
                 <c:pt idx="3">
-                  <c:v>8.0</c:v>
+                  <c:v>8</c:v>
                 </c:pt>
                 <c:pt idx="4">
-                  <c:v>9.0</c:v>
+                  <c:v>9</c:v>
                 </c:pt>
                 <c:pt idx="5">
-                  <c:v>11.0</c:v>
+                  <c:v>11</c:v>
                 </c:pt>
                 <c:pt idx="6">
-                  <c:v>12.0</c:v>
+                  <c:v>12</c:v>
                 </c:pt>
                 <c:pt idx="7">
-                  <c:v>14.0</c:v>
+                  <c:v>14</c:v>
                 </c:pt>
                 <c:pt idx="8">
-                  <c:v>16.0</c:v>
+                  <c:v>16</c:v>
                 </c:pt>
                 <c:pt idx="9">
-                  <c:v>18.0</c:v>
+                  <c:v>18</c:v>
                 </c:pt>
               </c:numCache>
             </c:numRef>
@@ -3673,38 +3746,43 @@
                 <c:formatCode>General</c:formatCode>
                 <c:ptCount val="10"/>
                 <c:pt idx="0">
-                  <c:v>1.0</c:v>
+                  <c:v>1</c:v>
                 </c:pt>
                 <c:pt idx="1">
-                  <c:v>0.739583333333333</c:v>
+                  <c:v>0.73958333333333304</c:v>
                 </c:pt>
                 <c:pt idx="2">
-                  <c:v>0.819444444444444</c:v>
+                  <c:v>0.81944444444444398</c:v>
                 </c:pt>
                 <c:pt idx="3">
-                  <c:v>0.729166666666667</c:v>
+                  <c:v>0.72916666666666696</c:v>
                 </c:pt>
                 <c:pt idx="4">
-                  <c:v>0.558333333333333</c:v>
+                  <c:v>0.55833333333333302</c:v>
                 </c:pt>
                 <c:pt idx="5">
                   <c:v>0.8125</c:v>
                 </c:pt>
                 <c:pt idx="6">
-                  <c:v>0.541666666666667</c:v>
+                  <c:v>0.54166666666666696</c:v>
                 </c:pt>
                 <c:pt idx="7">
-                  <c:v>0.833333333333333</c:v>
+                  <c:v>0.83333333333333304</c:v>
                 </c:pt>
                 <c:pt idx="8">
-                  <c:v>0.583333333333333</c:v>
+                  <c:v>0.58333333333333304</c:v>
                 </c:pt>
                 <c:pt idx="9">
-                  <c:v>0.333333333333333</c:v>
+                  <c:v>0.33333333333333298</c:v>
                 </c:pt>
               </c:numCache>
             </c:numRef>
           </c:val>
+          <c:extLst>
+            <c:ext xmlns:c16="http://schemas.microsoft.com/office/drawing/2014/chart" uri="{C3380CC4-5D6E-409C-BE32-E72D297353CC}">
+              <c16:uniqueId val="{00000002-2AF5-4763-A935-3F2CEC4A1C1E}"/>
+            </c:ext>
+          </c:extLst>
         </c:ser>
         <c:ser>
           <c:idx val="3"/>
@@ -3755,34 +3833,34 @@
                 <c:formatCode>General</c:formatCode>
                 <c:ptCount val="10"/>
                 <c:pt idx="0">
-                  <c:v>2.0</c:v>
+                  <c:v>2</c:v>
                 </c:pt>
                 <c:pt idx="1">
-                  <c:v>4.0</c:v>
+                  <c:v>4</c:v>
                 </c:pt>
                 <c:pt idx="2">
-                  <c:v>7.0</c:v>
+                  <c:v>7</c:v>
                 </c:pt>
                 <c:pt idx="3">
-                  <c:v>8.0</c:v>
+                  <c:v>8</c:v>
                 </c:pt>
                 <c:pt idx="4">
-                  <c:v>9.0</c:v>
+                  <c:v>9</c:v>
                 </c:pt>
                 <c:pt idx="5">
-                  <c:v>11.0</c:v>
+                  <c:v>11</c:v>
                 </c:pt>
                 <c:pt idx="6">
-                  <c:v>12.0</c:v>
+                  <c:v>12</c:v>
                 </c:pt>
                 <c:pt idx="7">
-                  <c:v>14.0</c:v>
+                  <c:v>14</c:v>
                 </c:pt>
                 <c:pt idx="8">
-                  <c:v>16.0</c:v>
+                  <c:v>16</c:v>
                 </c:pt>
                 <c:pt idx="9">
-                  <c:v>18.0</c:v>
+                  <c:v>18</c:v>
                 </c:pt>
               </c:numCache>
             </c:numRef>
@@ -3794,31 +3872,31 @@
                 <c:formatCode>General</c:formatCode>
                 <c:ptCount val="10"/>
                 <c:pt idx="0">
-                  <c:v>0.956521739130435</c:v>
+                  <c:v>0.95652173913043503</c:v>
                 </c:pt>
                 <c:pt idx="1">
-                  <c:v>0.793478260869565</c:v>
+                  <c:v>0.79347826086956497</c:v>
                 </c:pt>
                 <c:pt idx="2">
-                  <c:v>0.898550724637681</c:v>
+                  <c:v>0.89855072463768104</c:v>
                 </c:pt>
                 <c:pt idx="3">
-                  <c:v>0.847826086956522</c:v>
+                  <c:v>0.84782608695652195</c:v>
                 </c:pt>
                 <c:pt idx="4">
-                  <c:v>0.695652173913043</c:v>
+                  <c:v>0.69565217391304301</c:v>
                 </c:pt>
                 <c:pt idx="5">
-                  <c:v>0.869565217391304</c:v>
+                  <c:v>0.86956521739130399</c:v>
                 </c:pt>
                 <c:pt idx="6">
-                  <c:v>0.739130434782609</c:v>
+                  <c:v>0.73913043478260898</c:v>
                 </c:pt>
                 <c:pt idx="7">
-                  <c:v>0.913043478260869</c:v>
+                  <c:v>0.91304347826086896</c:v>
                 </c:pt>
                 <c:pt idx="8">
-                  <c:v>0.739130434782609</c:v>
+                  <c:v>0.73913043478260898</c:v>
                 </c:pt>
                 <c:pt idx="9">
                   <c:v>0.5</c:v>
@@ -3826,6 +3904,11 @@
               </c:numCache>
             </c:numRef>
           </c:val>
+          <c:extLst>
+            <c:ext xmlns:c16="http://schemas.microsoft.com/office/drawing/2014/chart" uri="{C3380CC4-5D6E-409C-BE32-E72D297353CC}">
+              <c16:uniqueId val="{00000003-2AF5-4763-A935-3F2CEC4A1C1E}"/>
+            </c:ext>
+          </c:extLst>
         </c:ser>
         <c:ser>
           <c:idx val="4"/>
@@ -3876,34 +3959,34 @@
                 <c:formatCode>General</c:formatCode>
                 <c:ptCount val="10"/>
                 <c:pt idx="0">
-                  <c:v>2.0</c:v>
+                  <c:v>2</c:v>
                 </c:pt>
                 <c:pt idx="1">
-                  <c:v>4.0</c:v>
+                  <c:v>4</c:v>
                 </c:pt>
                 <c:pt idx="2">
-                  <c:v>7.0</c:v>
+                  <c:v>7</c:v>
                 </c:pt>
                 <c:pt idx="3">
-                  <c:v>8.0</c:v>
+                  <c:v>8</c:v>
                 </c:pt>
                 <c:pt idx="4">
-                  <c:v>9.0</c:v>
+                  <c:v>9</c:v>
                 </c:pt>
                 <c:pt idx="5">
-                  <c:v>11.0</c:v>
+                  <c:v>11</c:v>
                 </c:pt>
                 <c:pt idx="6">
-                  <c:v>12.0</c:v>
+                  <c:v>12</c:v>
                 </c:pt>
                 <c:pt idx="7">
-                  <c:v>14.0</c:v>
+                  <c:v>14</c:v>
                 </c:pt>
                 <c:pt idx="8">
-                  <c:v>16.0</c:v>
+                  <c:v>16</c:v>
                 </c:pt>
                 <c:pt idx="9">
-                  <c:v>18.0</c:v>
+                  <c:v>18</c:v>
                 </c:pt>
               </c:numCache>
             </c:numRef>
@@ -3918,22 +4001,22 @@
                   <c:v>0.95</c:v>
                 </c:pt>
                 <c:pt idx="1">
-                  <c:v>0.775</c:v>
+                  <c:v>0.77500000000000002</c:v>
                 </c:pt>
                 <c:pt idx="2">
-                  <c:v>0.933333333333333</c:v>
+                  <c:v>0.93333333333333302</c:v>
                 </c:pt>
                 <c:pt idx="3">
                   <c:v>0.8</c:v>
                 </c:pt>
                 <c:pt idx="4">
-                  <c:v>0.57</c:v>
+                  <c:v>0.56999999999999995</c:v>
                 </c:pt>
                 <c:pt idx="5">
-                  <c:v>0.975</c:v>
+                  <c:v>0.97499999999999998</c:v>
                 </c:pt>
                 <c:pt idx="6">
-                  <c:v>0.525</c:v>
+                  <c:v>0.52500000000000002</c:v>
                 </c:pt>
                 <c:pt idx="7">
                   <c:v>0.95</c:v>
@@ -3942,11 +4025,16 @@
                   <c:v>0.6</c:v>
                 </c:pt>
                 <c:pt idx="9">
-                  <c:v>0.275</c:v>
+                  <c:v>0.27500000000000002</c:v>
                 </c:pt>
               </c:numCache>
             </c:numRef>
           </c:val>
+          <c:extLst>
+            <c:ext xmlns:c16="http://schemas.microsoft.com/office/drawing/2014/chart" uri="{C3380CC4-5D6E-409C-BE32-E72D297353CC}">
+              <c16:uniqueId val="{00000004-2AF5-4763-A935-3F2CEC4A1C1E}"/>
+            </c:ext>
+          </c:extLst>
         </c:ser>
         <c:dLbls>
           <c:showLegendKey val="0"/>
@@ -3999,7 +4087,6 @@
               </a:p>
             </c:rich>
           </c:tx>
-          <c:layout/>
           <c:overlay val="0"/>
           <c:spPr>
             <a:noFill/>
@@ -4077,7 +4164,7 @@
         <c:axId val="1395692400"/>
         <c:scaling>
           <c:orientation val="minMax"/>
-          <c:max val="1.0"/>
+          <c:max val="1"/>
         </c:scaling>
         <c:delete val="0"/>
         <c:axPos val="l"/>
@@ -4126,7 +4213,6 @@
               </a:p>
             </c:rich>
           </c:tx>
-          <c:layout/>
           <c:overlay val="0"/>
           <c:spPr>
             <a:noFill/>
@@ -4156,6 +4242,7 @@
             </a:p>
           </c:txPr>
         </c:title>
+        <c:numFmt formatCode="General" sourceLinked="1"/>
         <c:majorTickMark val="none"/>
         <c:minorTickMark val="none"/>
         <c:tickLblPos val="nextTo"/>
@@ -4200,7 +4287,6 @@
     </c:plotArea>
     <c:legend>
       <c:legendPos val="b"/>
-      <c:layout/>
       <c:overlay val="0"/>
       <c:spPr>
         <a:noFill/>
@@ -4258,7 +4344,7 @@
 </file>
 
 <file path=ppt/charts/chart14.xml><?xml version="1.0" encoding="utf-8"?>
-<c:chartSpace xmlns:c="http://schemas.openxmlformats.org/drawingml/2006/chart" xmlns:a="http://schemas.openxmlformats.org/drawingml/2006/main" xmlns:r="http://schemas.openxmlformats.org/officeDocument/2006/relationships">
+<c:chartSpace xmlns:c="http://schemas.openxmlformats.org/drawingml/2006/chart" xmlns:a="http://schemas.openxmlformats.org/drawingml/2006/main" xmlns:r="http://schemas.openxmlformats.org/officeDocument/2006/relationships" xmlns:c16r2="http://schemas.microsoft.com/office/drawing/2015/06/chart">
   <c:date1904 val="0"/>
   <c:lang val="en-US"/>
   <c:roundedCorners val="0"/>
@@ -4302,7 +4388,6 @@
           </a:p>
         </c:rich>
       </c:tx>
-      <c:layout/>
       <c:overlay val="0"/>
       <c:spPr>
         <a:noFill/>
@@ -4388,34 +4473,34 @@
                 <c:formatCode>General</c:formatCode>
                 <c:ptCount val="10"/>
                 <c:pt idx="0">
-                  <c:v>4.0</c:v>
+                  <c:v>4</c:v>
                 </c:pt>
                 <c:pt idx="1">
-                  <c:v>7.0</c:v>
+                  <c:v>7</c:v>
                 </c:pt>
                 <c:pt idx="2">
-                  <c:v>8.0</c:v>
+                  <c:v>8</c:v>
                 </c:pt>
                 <c:pt idx="3">
-                  <c:v>9.0</c:v>
+                  <c:v>9</c:v>
                 </c:pt>
                 <c:pt idx="4">
-                  <c:v>10.0</c:v>
+                  <c:v>10</c:v>
                 </c:pt>
                 <c:pt idx="5">
-                  <c:v>11.0</c:v>
+                  <c:v>11</c:v>
                 </c:pt>
                 <c:pt idx="6">
-                  <c:v>12.0</c:v>
+                  <c:v>12</c:v>
                 </c:pt>
                 <c:pt idx="7">
-                  <c:v>14.0</c:v>
+                  <c:v>14</c:v>
                 </c:pt>
                 <c:pt idx="8">
-                  <c:v>16.0</c:v>
+                  <c:v>16</c:v>
                 </c:pt>
                 <c:pt idx="9">
-                  <c:v>18.0</c:v>
+                  <c:v>18</c:v>
                 </c:pt>
               </c:numCache>
             </c:numRef>
@@ -4427,38 +4512,43 @@
                 <c:formatCode>General</c:formatCode>
                 <c:ptCount val="10"/>
                 <c:pt idx="0">
-                  <c:v>0.823529411764706</c:v>
+                  <c:v>0.82352941176470595</c:v>
                 </c:pt>
                 <c:pt idx="1">
-                  <c:v>1.0</c:v>
+                  <c:v>1</c:v>
                 </c:pt>
                 <c:pt idx="2">
-                  <c:v>0.843137254901961</c:v>
+                  <c:v>0.84313725490196101</c:v>
                 </c:pt>
                 <c:pt idx="3">
-                  <c:v>0.803921568627451</c:v>
+                  <c:v>0.80392156862745101</c:v>
                 </c:pt>
                 <c:pt idx="4">
-                  <c:v>1.0</c:v>
+                  <c:v>1</c:v>
                 </c:pt>
                 <c:pt idx="5">
-                  <c:v>0.823529411764706</c:v>
+                  <c:v>0.82352941176470595</c:v>
                 </c:pt>
                 <c:pt idx="6">
-                  <c:v>0.882352941176471</c:v>
+                  <c:v>0.88235294117647101</c:v>
                 </c:pt>
                 <c:pt idx="7">
-                  <c:v>0.970588235294118</c:v>
+                  <c:v>0.97058823529411797</c:v>
                 </c:pt>
                 <c:pt idx="8">
-                  <c:v>0.882352941176471</c:v>
+                  <c:v>0.88235294117647101</c:v>
                 </c:pt>
                 <c:pt idx="9">
-                  <c:v>0.647058823529412</c:v>
+                  <c:v>0.64705882352941202</c:v>
                 </c:pt>
               </c:numCache>
             </c:numRef>
           </c:val>
+          <c:extLst>
+            <c:ext xmlns:c16="http://schemas.microsoft.com/office/drawing/2014/chart" uri="{C3380CC4-5D6E-409C-BE32-E72D297353CC}">
+              <c16:uniqueId val="{00000000-B3D3-42B6-92D1-637F5FDD1D63}"/>
+            </c:ext>
+          </c:extLst>
         </c:ser>
         <c:ser>
           <c:idx val="2"/>
@@ -4509,34 +4599,34 @@
                 <c:formatCode>General</c:formatCode>
                 <c:ptCount val="10"/>
                 <c:pt idx="0">
-                  <c:v>4.0</c:v>
+                  <c:v>4</c:v>
                 </c:pt>
                 <c:pt idx="1">
-                  <c:v>7.0</c:v>
+                  <c:v>7</c:v>
                 </c:pt>
                 <c:pt idx="2">
-                  <c:v>8.0</c:v>
+                  <c:v>8</c:v>
                 </c:pt>
                 <c:pt idx="3">
-                  <c:v>9.0</c:v>
+                  <c:v>9</c:v>
                 </c:pt>
                 <c:pt idx="4">
-                  <c:v>10.0</c:v>
+                  <c:v>10</c:v>
                 </c:pt>
                 <c:pt idx="5">
-                  <c:v>11.0</c:v>
+                  <c:v>11</c:v>
                 </c:pt>
                 <c:pt idx="6">
-                  <c:v>12.0</c:v>
+                  <c:v>12</c:v>
                 </c:pt>
                 <c:pt idx="7">
-                  <c:v>14.0</c:v>
+                  <c:v>14</c:v>
                 </c:pt>
                 <c:pt idx="8">
-                  <c:v>16.0</c:v>
+                  <c:v>16</c:v>
                 </c:pt>
                 <c:pt idx="9">
-                  <c:v>18.0</c:v>
+                  <c:v>18</c:v>
                 </c:pt>
               </c:numCache>
             </c:numRef>
@@ -4548,38 +4638,43 @@
                 <c:formatCode>General</c:formatCode>
                 <c:ptCount val="10"/>
                 <c:pt idx="0">
-                  <c:v>0.798245614035088</c:v>
+                  <c:v>0.79824561403508798</c:v>
                 </c:pt>
                 <c:pt idx="1">
-                  <c:v>0.736842105263158</c:v>
+                  <c:v>0.73684210526315796</c:v>
                 </c:pt>
                 <c:pt idx="2">
-                  <c:v>0.824561403508772</c:v>
+                  <c:v>0.82456140350877205</c:v>
                 </c:pt>
                 <c:pt idx="3">
-                  <c:v>0.701754385964912</c:v>
+                  <c:v>0.70175438596491202</c:v>
                 </c:pt>
                 <c:pt idx="4">
-                  <c:v>0.921052631578947</c:v>
+                  <c:v>0.92105263157894701</c:v>
                 </c:pt>
                 <c:pt idx="5">
-                  <c:v>0.842105263157895</c:v>
+                  <c:v>0.84210526315789502</c:v>
                 </c:pt>
                 <c:pt idx="6">
-                  <c:v>0.789473684210526</c:v>
+                  <c:v>0.78947368421052599</c:v>
                 </c:pt>
                 <c:pt idx="7">
-                  <c:v>0.81578947368421</c:v>
+                  <c:v>0.81578947368420995</c:v>
                 </c:pt>
                 <c:pt idx="8">
-                  <c:v>0.789473684210526</c:v>
+                  <c:v>0.78947368421052599</c:v>
                 </c:pt>
                 <c:pt idx="9">
-                  <c:v>0.763157894736842</c:v>
+                  <c:v>0.76315789473684204</c:v>
                 </c:pt>
               </c:numCache>
             </c:numRef>
           </c:val>
+          <c:extLst>
+            <c:ext xmlns:c16="http://schemas.microsoft.com/office/drawing/2014/chart" uri="{C3380CC4-5D6E-409C-BE32-E72D297353CC}">
+              <c16:uniqueId val="{00000001-B3D3-42B6-92D1-637F5FDD1D63}"/>
+            </c:ext>
+          </c:extLst>
         </c:ser>
         <c:ser>
           <c:idx val="3"/>
@@ -4630,34 +4725,34 @@
                 <c:formatCode>General</c:formatCode>
                 <c:ptCount val="10"/>
                 <c:pt idx="0">
-                  <c:v>4.0</c:v>
+                  <c:v>4</c:v>
                 </c:pt>
                 <c:pt idx="1">
-                  <c:v>7.0</c:v>
+                  <c:v>7</c:v>
                 </c:pt>
                 <c:pt idx="2">
-                  <c:v>8.0</c:v>
+                  <c:v>8</c:v>
                 </c:pt>
                 <c:pt idx="3">
-                  <c:v>9.0</c:v>
+                  <c:v>9</c:v>
                 </c:pt>
                 <c:pt idx="4">
-                  <c:v>10.0</c:v>
+                  <c:v>10</c:v>
                 </c:pt>
                 <c:pt idx="5">
-                  <c:v>11.0</c:v>
+                  <c:v>11</c:v>
                 </c:pt>
                 <c:pt idx="6">
-                  <c:v>12.0</c:v>
+                  <c:v>12</c:v>
                 </c:pt>
                 <c:pt idx="7">
-                  <c:v>14.0</c:v>
+                  <c:v>14</c:v>
                 </c:pt>
                 <c:pt idx="8">
-                  <c:v>16.0</c:v>
+                  <c:v>16</c:v>
                 </c:pt>
                 <c:pt idx="9">
-                  <c:v>18.0</c:v>
+                  <c:v>18</c:v>
                 </c:pt>
               </c:numCache>
             </c:numRef>
@@ -4669,38 +4764,43 @@
                 <c:formatCode>General</c:formatCode>
                 <c:ptCount val="10"/>
                 <c:pt idx="0">
-                  <c:v>0.951388888888889</c:v>
+                  <c:v>0.95138888888888895</c:v>
                 </c:pt>
                 <c:pt idx="1">
                   <c:v>0.875</c:v>
                 </c:pt>
                 <c:pt idx="2">
-                  <c:v>0.861111111111111</c:v>
+                  <c:v>0.86111111111111105</c:v>
                 </c:pt>
                 <c:pt idx="3">
-                  <c:v>0.826388888888889</c:v>
+                  <c:v>0.82638888888888895</c:v>
                 </c:pt>
                 <c:pt idx="4">
-                  <c:v>0.979166666666667</c:v>
+                  <c:v>0.97916666666666696</c:v>
                 </c:pt>
                 <c:pt idx="5">
-                  <c:v>0.958333333333333</c:v>
+                  <c:v>0.95833333333333304</c:v>
                 </c:pt>
                 <c:pt idx="6">
-                  <c:v>0.833333333333333</c:v>
+                  <c:v>0.83333333333333304</c:v>
                 </c:pt>
                 <c:pt idx="7">
                   <c:v>0.875</c:v>
                 </c:pt>
                 <c:pt idx="8">
-                  <c:v>0.916666666666667</c:v>
+                  <c:v>0.91666666666666696</c:v>
                 </c:pt>
                 <c:pt idx="9">
-                  <c:v>0.833333333333333</c:v>
+                  <c:v>0.83333333333333304</c:v>
                 </c:pt>
               </c:numCache>
             </c:numRef>
           </c:val>
+          <c:extLst>
+            <c:ext xmlns:c16="http://schemas.microsoft.com/office/drawing/2014/chart" uri="{C3380CC4-5D6E-409C-BE32-E72D297353CC}">
+              <c16:uniqueId val="{00000002-B3D3-42B6-92D1-637F5FDD1D63}"/>
+            </c:ext>
+          </c:extLst>
         </c:ser>
         <c:ser>
           <c:idx val="4"/>
@@ -4751,34 +4851,34 @@
                 <c:formatCode>General</c:formatCode>
                 <c:ptCount val="10"/>
                 <c:pt idx="0">
-                  <c:v>4.0</c:v>
+                  <c:v>4</c:v>
                 </c:pt>
                 <c:pt idx="1">
-                  <c:v>7.0</c:v>
+                  <c:v>7</c:v>
                 </c:pt>
                 <c:pt idx="2">
-                  <c:v>8.0</c:v>
+                  <c:v>8</c:v>
                 </c:pt>
                 <c:pt idx="3">
-                  <c:v>9.0</c:v>
+                  <c:v>9</c:v>
                 </c:pt>
                 <c:pt idx="4">
-                  <c:v>10.0</c:v>
+                  <c:v>10</c:v>
                 </c:pt>
                 <c:pt idx="5">
-                  <c:v>11.0</c:v>
+                  <c:v>11</c:v>
                 </c:pt>
                 <c:pt idx="6">
-                  <c:v>12.0</c:v>
+                  <c:v>12</c:v>
                 </c:pt>
                 <c:pt idx="7">
-                  <c:v>14.0</c:v>
+                  <c:v>14</c:v>
                 </c:pt>
                 <c:pt idx="8">
-                  <c:v>16.0</c:v>
+                  <c:v>16</c:v>
                 </c:pt>
                 <c:pt idx="9">
-                  <c:v>18.0</c:v>
+                  <c:v>18</c:v>
                 </c:pt>
               </c:numCache>
             </c:numRef>
@@ -4790,38 +4890,43 @@
                 <c:formatCode>General</c:formatCode>
                 <c:ptCount val="10"/>
                 <c:pt idx="0">
-                  <c:v>0.884057971014493</c:v>
+                  <c:v>0.88405797101449302</c:v>
                 </c:pt>
                 <c:pt idx="1">
-                  <c:v>0.913043478260869</c:v>
+                  <c:v>0.91304347826086896</c:v>
                 </c:pt>
                 <c:pt idx="2">
-                  <c:v>0.884057971014493</c:v>
+                  <c:v>0.88405797101449302</c:v>
                 </c:pt>
                 <c:pt idx="3">
-                  <c:v>0.797101449275362</c:v>
+                  <c:v>0.79710144927536197</c:v>
                 </c:pt>
                 <c:pt idx="4">
                   <c:v>0.934782608695652</c:v>
                 </c:pt>
                 <c:pt idx="5">
-                  <c:v>0.869565217391304</c:v>
+                  <c:v>0.86956521739130399</c:v>
                 </c:pt>
                 <c:pt idx="6">
-                  <c:v>0.760869565217391</c:v>
+                  <c:v>0.76086956521739102</c:v>
                 </c:pt>
                 <c:pt idx="7">
                   <c:v>0.934782608695652</c:v>
                 </c:pt>
                 <c:pt idx="8">
-                  <c:v>0.739130434782609</c:v>
+                  <c:v>0.73913043478260898</c:v>
                 </c:pt>
                 <c:pt idx="9">
-                  <c:v>0.760869565217391</c:v>
+                  <c:v>0.76086956521739102</c:v>
                 </c:pt>
               </c:numCache>
             </c:numRef>
           </c:val>
+          <c:extLst>
+            <c:ext xmlns:c16="http://schemas.microsoft.com/office/drawing/2014/chart" uri="{C3380CC4-5D6E-409C-BE32-E72D297353CC}">
+              <c16:uniqueId val="{00000003-B3D3-42B6-92D1-637F5FDD1D63}"/>
+            </c:ext>
+          </c:extLst>
         </c:ser>
         <c:ser>
           <c:idx val="5"/>
@@ -4872,34 +4977,34 @@
                 <c:formatCode>General</c:formatCode>
                 <c:ptCount val="10"/>
                 <c:pt idx="0">
-                  <c:v>4.0</c:v>
+                  <c:v>4</c:v>
                 </c:pt>
                 <c:pt idx="1">
-                  <c:v>7.0</c:v>
+                  <c:v>7</c:v>
                 </c:pt>
                 <c:pt idx="2">
-                  <c:v>8.0</c:v>
+                  <c:v>8</c:v>
                 </c:pt>
                 <c:pt idx="3">
-                  <c:v>9.0</c:v>
+                  <c:v>9</c:v>
                 </c:pt>
                 <c:pt idx="4">
-                  <c:v>10.0</c:v>
+                  <c:v>10</c:v>
                 </c:pt>
                 <c:pt idx="5">
-                  <c:v>11.0</c:v>
+                  <c:v>11</c:v>
                 </c:pt>
                 <c:pt idx="6">
-                  <c:v>12.0</c:v>
+                  <c:v>12</c:v>
                 </c:pt>
                 <c:pt idx="7">
-                  <c:v>14.0</c:v>
+                  <c:v>14</c:v>
                 </c:pt>
                 <c:pt idx="8">
-                  <c:v>16.0</c:v>
+                  <c:v>16</c:v>
                 </c:pt>
                 <c:pt idx="9">
-                  <c:v>18.0</c:v>
+                  <c:v>18</c:v>
                 </c:pt>
               </c:numCache>
             </c:numRef>
@@ -4911,28 +5016,28 @@
                 <c:formatCode>General</c:formatCode>
                 <c:ptCount val="10"/>
                 <c:pt idx="0">
-                  <c:v>0.975</c:v>
+                  <c:v>0.97499999999999998</c:v>
                 </c:pt>
                 <c:pt idx="1">
-                  <c:v>1.0</c:v>
+                  <c:v>1</c:v>
                 </c:pt>
                 <c:pt idx="2">
-                  <c:v>0.883333333333333</c:v>
+                  <c:v>0.88333333333333297</c:v>
                 </c:pt>
                 <c:pt idx="3">
                   <c:v>0.85</c:v>
                 </c:pt>
                 <c:pt idx="4">
-                  <c:v>0.975</c:v>
+                  <c:v>0.97499999999999998</c:v>
                 </c:pt>
                 <c:pt idx="5">
-                  <c:v>1.0</c:v>
+                  <c:v>1</c:v>
                 </c:pt>
                 <c:pt idx="6">
                   <c:v>0.875</c:v>
                 </c:pt>
                 <c:pt idx="7">
-                  <c:v>1.0</c:v>
+                  <c:v>1</c:v>
                 </c:pt>
                 <c:pt idx="8">
                   <c:v>0.85</c:v>
@@ -4943,6 +5048,11 @@
               </c:numCache>
             </c:numRef>
           </c:val>
+          <c:extLst>
+            <c:ext xmlns:c16="http://schemas.microsoft.com/office/drawing/2014/chart" uri="{C3380CC4-5D6E-409C-BE32-E72D297353CC}">
+              <c16:uniqueId val="{00000004-B3D3-42B6-92D1-637F5FDD1D63}"/>
+            </c:ext>
+          </c:extLst>
         </c:ser>
         <c:dLbls>
           <c:showLegendKey val="0"/>
@@ -4995,7 +5105,6 @@
               </a:p>
             </c:rich>
           </c:tx>
-          <c:layout/>
           <c:overlay val="0"/>
           <c:spPr>
             <a:noFill/>
@@ -5073,7 +5182,7 @@
         <c:axId val="1397458784"/>
         <c:scaling>
           <c:orientation val="minMax"/>
-          <c:max val="1.0"/>
+          <c:max val="1"/>
         </c:scaling>
         <c:delete val="0"/>
         <c:axPos val="l"/>
@@ -5122,7 +5231,6 @@
               </a:p>
             </c:rich>
           </c:tx>
-          <c:layout/>
           <c:overlay val="0"/>
           <c:spPr>
             <a:noFill/>
@@ -5152,6 +5260,7 @@
             </a:p>
           </c:txPr>
         </c:title>
+        <c:numFmt formatCode="General" sourceLinked="1"/>
         <c:majorTickMark val="none"/>
         <c:minorTickMark val="none"/>
         <c:tickLblPos val="nextTo"/>
@@ -5196,7 +5305,6 @@
     </c:plotArea>
     <c:legend>
       <c:legendPos val="b"/>
-      <c:layout/>
       <c:overlay val="0"/>
       <c:spPr>
         <a:noFill/>
@@ -5254,7 +5362,7 @@
 </file>
 
 <file path=ppt/charts/chart15.xml><?xml version="1.0" encoding="utf-8"?>
-<c:chartSpace xmlns:c="http://schemas.openxmlformats.org/drawingml/2006/chart" xmlns:a="http://schemas.openxmlformats.org/drawingml/2006/main" xmlns:r="http://schemas.openxmlformats.org/officeDocument/2006/relationships">
+<c:chartSpace xmlns:c="http://schemas.openxmlformats.org/drawingml/2006/chart" xmlns:a="http://schemas.openxmlformats.org/drawingml/2006/main" xmlns:r="http://schemas.openxmlformats.org/officeDocument/2006/relationships" xmlns:c16r2="http://schemas.microsoft.com/office/drawing/2015/06/chart">
   <c:date1904 val="0"/>
   <c:lang val="en-US"/>
   <c:roundedCorners val="0"/>
@@ -5302,8 +5410,8 @@
         <c:manualLayout>
           <c:xMode val="edge"/>
           <c:yMode val="edge"/>
-          <c:x val="0.207520778652668"/>
-          <c:y val="0.037037037037037"/>
+          <c:x val="0.20752077865266799"/>
+          <c:y val="3.7037037037037E-2"/>
         </c:manualLayout>
       </c:layout>
       <c:overlay val="0"/>
@@ -5391,35 +5499,40 @@
                 <c:formatCode>General</c:formatCode>
                 <c:ptCount val="9"/>
                 <c:pt idx="0">
-                  <c:v>0.431372549019608</c:v>
+                  <c:v>0.43137254901960798</c:v>
                 </c:pt>
                 <c:pt idx="1">
-                  <c:v>0.764705882352941</c:v>
+                  <c:v>0.76470588235294101</c:v>
                 </c:pt>
                 <c:pt idx="2">
-                  <c:v>0.411764705882353</c:v>
+                  <c:v>0.41176470588235298</c:v>
                 </c:pt>
                 <c:pt idx="3">
-                  <c:v>0.264705882352941</c:v>
+                  <c:v>0.26470588235294101</c:v>
                 </c:pt>
                 <c:pt idx="4">
-                  <c:v>0.34640522875817</c:v>
+                  <c:v>0.34640522875816998</c:v>
                 </c:pt>
                 <c:pt idx="5">
-                  <c:v>0.470588235294118</c:v>
+                  <c:v>0.47058823529411797</c:v>
                 </c:pt>
                 <c:pt idx="6">
-                  <c:v>0.411764705882353</c:v>
+                  <c:v>0.41176470588235298</c:v>
                 </c:pt>
                 <c:pt idx="7">
                   <c:v>0.441176470588235</c:v>
                 </c:pt>
                 <c:pt idx="8">
-                  <c:v>0.196078431372549</c:v>
+                  <c:v>0.19607843137254899</c:v>
                 </c:pt>
               </c:numCache>
             </c:numRef>
           </c:val>
+          <c:extLst>
+            <c:ext xmlns:c16="http://schemas.microsoft.com/office/drawing/2014/chart" uri="{C3380CC4-5D6E-409C-BE32-E72D297353CC}">
+              <c16:uniqueId val="{00000000-91CE-476A-9766-2626582078DC}"/>
+            </c:ext>
+          </c:extLst>
         </c:ser>
         <c:ser>
           <c:idx val="1"/>
@@ -5470,35 +5583,40 @@
                 <c:formatCode>General</c:formatCode>
                 <c:ptCount val="9"/>
                 <c:pt idx="0">
-                  <c:v>0.508771929824561</c:v>
+                  <c:v>0.50877192982456099</c:v>
                 </c:pt>
                 <c:pt idx="1">
-                  <c:v>0.894736842105263</c:v>
+                  <c:v>0.89473684210526305</c:v>
                 </c:pt>
                 <c:pt idx="2">
                   <c:v>0.394736842105263</c:v>
                 </c:pt>
                 <c:pt idx="3">
-                  <c:v>0.236842105263158</c:v>
+                  <c:v>0.23684210526315799</c:v>
                 </c:pt>
                 <c:pt idx="4">
                   <c:v>0.391812865497076</c:v>
                 </c:pt>
                 <c:pt idx="5">
-                  <c:v>0.578947368421053</c:v>
+                  <c:v>0.57894736842105299</c:v>
                 </c:pt>
                 <c:pt idx="6">
-                  <c:v>0.473684210526316</c:v>
+                  <c:v>0.47368421052631599</c:v>
                 </c:pt>
                 <c:pt idx="7">
-                  <c:v>0.368421052631579</c:v>
+                  <c:v>0.36842105263157898</c:v>
                 </c:pt>
                 <c:pt idx="8">
-                  <c:v>0.228070175438596</c:v>
+                  <c:v>0.22807017543859601</c:v>
                 </c:pt>
               </c:numCache>
             </c:numRef>
           </c:val>
+          <c:extLst>
+            <c:ext xmlns:c16="http://schemas.microsoft.com/office/drawing/2014/chart" uri="{C3380CC4-5D6E-409C-BE32-E72D297353CC}">
+              <c16:uniqueId val="{00000001-91CE-476A-9766-2626582078DC}"/>
+            </c:ext>
+          </c:extLst>
         </c:ser>
         <c:ser>
           <c:idx val="2"/>
@@ -5549,35 +5667,40 @@
                 <c:formatCode>General</c:formatCode>
                 <c:ptCount val="9"/>
                 <c:pt idx="0">
-                  <c:v>0.597222222222222</c:v>
+                  <c:v>0.59722222222222199</c:v>
                 </c:pt>
                 <c:pt idx="1">
-                  <c:v>0.708333333333333</c:v>
+                  <c:v>0.70833333333333304</c:v>
                 </c:pt>
                 <c:pt idx="2">
-                  <c:v>0.520833333333333</c:v>
+                  <c:v>0.52083333333333304</c:v>
                 </c:pt>
                 <c:pt idx="3">
-                  <c:v>0.291666666666667</c:v>
+                  <c:v>0.29166666666666702</c:v>
                 </c:pt>
                 <c:pt idx="4">
-                  <c:v>0.416666666666667</c:v>
+                  <c:v>0.41666666666666702</c:v>
                 </c:pt>
                 <c:pt idx="5">
                   <c:v>0.625</c:v>
                 </c:pt>
                 <c:pt idx="6">
-                  <c:v>0.569444444444444</c:v>
+                  <c:v>0.56944444444444398</c:v>
                 </c:pt>
                 <c:pt idx="7">
-                  <c:v>0.479166666666667</c:v>
+                  <c:v>0.47916666666666702</c:v>
                 </c:pt>
                 <c:pt idx="8">
-                  <c:v>0.222222222222222</c:v>
+                  <c:v>0.22222222222222199</c:v>
                 </c:pt>
               </c:numCache>
             </c:numRef>
           </c:val>
+          <c:extLst>
+            <c:ext xmlns:c16="http://schemas.microsoft.com/office/drawing/2014/chart" uri="{C3380CC4-5D6E-409C-BE32-E72D297353CC}">
+              <c16:uniqueId val="{00000002-91CE-476A-9766-2626582078DC}"/>
+            </c:ext>
+          </c:extLst>
         </c:ser>
         <c:ser>
           <c:idx val="3"/>
@@ -5631,25 +5754,25 @@
                   <c:v>0.623188405797101</c:v>
                 </c:pt>
                 <c:pt idx="1">
-                  <c:v>0.826086956521739</c:v>
+                  <c:v>0.82608695652173902</c:v>
                 </c:pt>
                 <c:pt idx="2">
-                  <c:v>0.58695652173913</c:v>
+                  <c:v>0.58695652173913004</c:v>
                 </c:pt>
                 <c:pt idx="3">
-                  <c:v>0.478260869565217</c:v>
+                  <c:v>0.47826086956521702</c:v>
                 </c:pt>
                 <c:pt idx="4">
-                  <c:v>0.531400966183575</c:v>
+                  <c:v>0.53140096618357502</c:v>
                 </c:pt>
                 <c:pt idx="5">
-                  <c:v>0.695652173913043</c:v>
+                  <c:v>0.69565217391304301</c:v>
                 </c:pt>
                 <c:pt idx="6">
                   <c:v>0.623188405797101</c:v>
                 </c:pt>
                 <c:pt idx="7">
-                  <c:v>0.695652173913043</c:v>
+                  <c:v>0.69565217391304301</c:v>
                 </c:pt>
                 <c:pt idx="8">
                   <c:v>0.376811594202899</c:v>
@@ -5657,6 +5780,11 @@
               </c:numCache>
             </c:numRef>
           </c:val>
+          <c:extLst>
+            <c:ext xmlns:c16="http://schemas.microsoft.com/office/drawing/2014/chart" uri="{C3380CC4-5D6E-409C-BE32-E72D297353CC}">
+              <c16:uniqueId val="{00000003-91CE-476A-9766-2626582078DC}"/>
+            </c:ext>
+          </c:extLst>
         </c:ser>
         <c:ser>
           <c:idx val="4"/>
@@ -5707,19 +5835,19 @@
                 <c:formatCode>General</c:formatCode>
                 <c:ptCount val="9"/>
                 <c:pt idx="0">
-                  <c:v>0.533333333333333</c:v>
+                  <c:v>0.53333333333333299</c:v>
                 </c:pt>
                 <c:pt idx="1">
                   <c:v>0.75</c:v>
                 </c:pt>
                 <c:pt idx="2">
-                  <c:v>0.525</c:v>
+                  <c:v>0.52500000000000002</c:v>
                 </c:pt>
                 <c:pt idx="3">
-                  <c:v>0.325</c:v>
+                  <c:v>0.32500000000000001</c:v>
                 </c:pt>
                 <c:pt idx="4">
-                  <c:v>0.455555555555555</c:v>
+                  <c:v>0.45555555555555499</c:v>
                 </c:pt>
                 <c:pt idx="5">
                   <c:v>0.6</c:v>
@@ -5728,14 +5856,19 @@
                   <c:v>0.45</c:v>
                 </c:pt>
                 <c:pt idx="7">
-                  <c:v>0.525</c:v>
+                  <c:v>0.52500000000000002</c:v>
                 </c:pt>
                 <c:pt idx="8">
-                  <c:v>0.316666666666667</c:v>
+                  <c:v>0.31666666666666698</c:v>
                 </c:pt>
               </c:numCache>
             </c:numRef>
           </c:val>
+          <c:extLst>
+            <c:ext xmlns:c16="http://schemas.microsoft.com/office/drawing/2014/chart" uri="{C3380CC4-5D6E-409C-BE32-E72D297353CC}">
+              <c16:uniqueId val="{00000004-91CE-476A-9766-2626582078DC}"/>
+            </c:ext>
+          </c:extLst>
         </c:ser>
         <c:dLbls>
           <c:showLegendKey val="0"/>
@@ -5783,7 +5916,6 @@
               </a:p>
             </c:rich>
           </c:tx>
-          <c:layout/>
           <c:overlay val="0"/>
           <c:spPr>
             <a:noFill/>
@@ -5861,7 +5993,7 @@
         <c:axId val="1360348880"/>
         <c:scaling>
           <c:orientation val="minMax"/>
-          <c:max val="1.0"/>
+          <c:max val="1"/>
         </c:scaling>
         <c:delete val="0"/>
         <c:axPos val="l"/>
@@ -5905,7 +6037,6 @@
               </a:p>
             </c:rich>
           </c:tx>
-          <c:layout/>
           <c:overlay val="0"/>
           <c:spPr>
             <a:noFill/>
@@ -5935,6 +6066,7 @@
             </a:p>
           </c:txPr>
         </c:title>
+        <c:numFmt formatCode="General" sourceLinked="1"/>
         <c:majorTickMark val="none"/>
         <c:minorTickMark val="none"/>
         <c:tickLblPos val="nextTo"/>
@@ -5979,7 +6111,6 @@
     </c:plotArea>
     <c:legend>
       <c:legendPos val="b"/>
-      <c:layout/>
       <c:overlay val="0"/>
       <c:spPr>
         <a:noFill/>
@@ -6037,7 +6168,7 @@
 </file>
 
 <file path=ppt/charts/chart16.xml><?xml version="1.0" encoding="utf-8"?>
-<c:chartSpace xmlns:c="http://schemas.openxmlformats.org/drawingml/2006/chart" xmlns:a="http://schemas.openxmlformats.org/drawingml/2006/main" xmlns:r="http://schemas.openxmlformats.org/officeDocument/2006/relationships">
+<c:chartSpace xmlns:c="http://schemas.openxmlformats.org/drawingml/2006/chart" xmlns:a="http://schemas.openxmlformats.org/drawingml/2006/main" xmlns:r="http://schemas.openxmlformats.org/officeDocument/2006/relationships" xmlns:c16r2="http://schemas.microsoft.com/office/drawing/2015/06/chart">
   <c:date1904 val="0"/>
   <c:lang val="en-US"/>
   <c:roundedCorners val="0"/>
@@ -6093,7 +6224,6 @@
           </a:p>
         </c:rich>
       </c:tx>
-      <c:layout/>
       <c:overlay val="0"/>
       <c:spPr>
         <a:noFill/>
@@ -6202,23 +6332,28 @@
                 <c:formatCode>General</c:formatCode>
                 <c:ptCount val="5"/>
                 <c:pt idx="0">
-                  <c:v>0.979166666666667</c:v>
+                  <c:v>0.97916666666666696</c:v>
                 </c:pt>
                 <c:pt idx="1">
-                  <c:v>0.944444444444444</c:v>
+                  <c:v>0.94444444444444398</c:v>
                 </c:pt>
                 <c:pt idx="2">
-                  <c:v>0.809523809523809</c:v>
+                  <c:v>0.80952380952380898</c:v>
                 </c:pt>
                 <c:pt idx="3">
-                  <c:v>0.553571428571429</c:v>
+                  <c:v>0.55357142857142905</c:v>
                 </c:pt>
                 <c:pt idx="4">
-                  <c:v>0.339285714285714</c:v>
+                  <c:v>0.33928571428571402</c:v>
                 </c:pt>
               </c:numCache>
             </c:numRef>
           </c:val>
+          <c:extLst>
+            <c:ext xmlns:c16="http://schemas.microsoft.com/office/drawing/2014/chart" uri="{C3380CC4-5D6E-409C-BE32-E72D297353CC}">
+              <c16:uniqueId val="{00000000-D489-4F62-AC02-994104FFDDE8}"/>
+            </c:ext>
+          </c:extLst>
         </c:ser>
         <c:ser>
           <c:idx val="1"/>
@@ -6292,23 +6427,28 @@
                 <c:formatCode>General</c:formatCode>
                 <c:ptCount val="5"/>
                 <c:pt idx="0">
-                  <c:v>0.916666666666667</c:v>
+                  <c:v>0.91666666666666696</c:v>
                 </c:pt>
                 <c:pt idx="1">
-                  <c:v>0.958333333333333</c:v>
+                  <c:v>0.95833333333333304</c:v>
                 </c:pt>
                 <c:pt idx="2">
-                  <c:v>0.94047619047619</c:v>
+                  <c:v>0.94047619047619002</c:v>
                 </c:pt>
                 <c:pt idx="3">
-                  <c:v>0.869047619047619</c:v>
+                  <c:v>0.86904761904761896</c:v>
                 </c:pt>
                 <c:pt idx="4">
-                  <c:v>0.809523809523809</c:v>
+                  <c:v>0.80952380952380898</c:v>
                 </c:pt>
               </c:numCache>
             </c:numRef>
           </c:val>
+          <c:extLst>
+            <c:ext xmlns:c16="http://schemas.microsoft.com/office/drawing/2014/chart" uri="{C3380CC4-5D6E-409C-BE32-E72D297353CC}">
+              <c16:uniqueId val="{00000001-D489-4F62-AC02-994104FFDDE8}"/>
+            </c:ext>
+          </c:extLst>
         </c:ser>
         <c:ser>
           <c:idx val="2"/>
@@ -6382,23 +6522,28 @@
                 <c:formatCode>General</c:formatCode>
                 <c:ptCount val="5"/>
                 <c:pt idx="0">
-                  <c:v>0.666666666666667</c:v>
+                  <c:v>0.66666666666666696</c:v>
                 </c:pt>
                 <c:pt idx="1">
-                  <c:v>0.694444444444444</c:v>
+                  <c:v>0.69444444444444398</c:v>
                 </c:pt>
                 <c:pt idx="2">
-                  <c:v>0.529761904761905</c:v>
+                  <c:v>0.52976190476190499</c:v>
                 </c:pt>
                 <c:pt idx="3">
-                  <c:v>0.410714285714286</c:v>
+                  <c:v>0.41071428571428598</c:v>
                 </c:pt>
                 <c:pt idx="4">
-                  <c:v>0.261904761904762</c:v>
+                  <c:v>0.26190476190476197</c:v>
                 </c:pt>
               </c:numCache>
             </c:numRef>
           </c:val>
+          <c:extLst>
+            <c:ext xmlns:c16="http://schemas.microsoft.com/office/drawing/2014/chart" uri="{C3380CC4-5D6E-409C-BE32-E72D297353CC}">
+              <c16:uniqueId val="{00000002-D489-4F62-AC02-994104FFDDE8}"/>
+            </c:ext>
+          </c:extLst>
         </c:ser>
         <c:dLbls>
           <c:showLegendKey val="0"/>
@@ -6455,7 +6600,6 @@
               </a:p>
             </c:rich>
           </c:tx>
-          <c:layout/>
           <c:overlay val="0"/>
           <c:spPr>
             <a:noFill/>
@@ -6533,7 +6677,7 @@
         <c:axId val="1359191216"/>
         <c:scaling>
           <c:orientation val="minMax"/>
-          <c:max val="1.0"/>
+          <c:max val="1"/>
         </c:scaling>
         <c:delete val="0"/>
         <c:axPos val="l"/>
@@ -6590,8 +6734,8 @@
             <c:manualLayout>
               <c:xMode val="edge"/>
               <c:yMode val="edge"/>
-              <c:x val="0.0361111111111111"/>
-              <c:y val="0.316693277923593"/>
+              <c:x val="3.6111111111111101E-2"/>
+              <c:y val="0.31669327792359298"/>
             </c:manualLayout>
           </c:layout>
           <c:overlay val="0"/>
@@ -6668,7 +6812,6 @@
     </c:plotArea>
     <c:legend>
       <c:legendPos val="b"/>
-      <c:layout/>
       <c:overlay val="0"/>
       <c:spPr>
         <a:noFill/>
@@ -6726,7 +6869,7 @@
 </file>
 
 <file path=ppt/charts/chart17.xml><?xml version="1.0" encoding="utf-8"?>
-<c:chartSpace xmlns:c="http://schemas.openxmlformats.org/drawingml/2006/chart" xmlns:a="http://schemas.openxmlformats.org/drawingml/2006/main" xmlns:r="http://schemas.openxmlformats.org/officeDocument/2006/relationships">
+<c:chartSpace xmlns:c="http://schemas.openxmlformats.org/drawingml/2006/chart" xmlns:a="http://schemas.openxmlformats.org/drawingml/2006/main" xmlns:r="http://schemas.openxmlformats.org/officeDocument/2006/relationships" xmlns:c16r2="http://schemas.microsoft.com/office/drawing/2015/06/chart">
   <c:date1904 val="0"/>
   <c:lang val="en-US"/>
   <c:roundedCorners val="0"/>
@@ -6798,7 +6941,6 @@
           </a:p>
         </c:rich>
       </c:tx>
-      <c:layout/>
       <c:overlay val="0"/>
       <c:spPr>
         <a:noFill/>
@@ -6884,7 +7026,7 @@
                 <c:formatCode>General</c:formatCode>
                 <c:ptCount val="10"/>
                 <c:pt idx="0">
-                  <c:v>0.534722222222222</c:v>
+                  <c:v>0.53472222222222199</c:v>
                 </c:pt>
                 <c:pt idx="1">
                   <c:v>0.4375</c:v>
@@ -6893,23 +7035,28 @@
                   <c:v>0.65625</c:v>
                 </c:pt>
                 <c:pt idx="3">
-                  <c:v>0.652777777777778</c:v>
+                  <c:v>0.65277777777777801</c:v>
                 </c:pt>
                 <c:pt idx="4">
                   <c:v>0.875</c:v>
                 </c:pt>
                 <c:pt idx="5">
-                  <c:v>0.833333333333333</c:v>
+                  <c:v>0.83333333333333304</c:v>
                 </c:pt>
                 <c:pt idx="7">
-                  <c:v>1.0</c:v>
+                  <c:v>1</c:v>
                 </c:pt>
                 <c:pt idx="8">
-                  <c:v>0.958333333333333</c:v>
+                  <c:v>0.95833333333333304</c:v>
                 </c:pt>
               </c:numCache>
             </c:numRef>
           </c:val>
+          <c:extLst>
+            <c:ext xmlns:c16="http://schemas.microsoft.com/office/drawing/2014/chart" uri="{C3380CC4-5D6E-409C-BE32-E72D297353CC}">
+              <c16:uniqueId val="{00000000-981E-4DBC-A940-9B8114F05A00}"/>
+            </c:ext>
+          </c:extLst>
         </c:ser>
         <c:ser>
           <c:idx val="1"/>
@@ -6960,35 +7107,40 @@
                 <c:formatCode>General</c:formatCode>
                 <c:ptCount val="10"/>
                 <c:pt idx="0">
-                  <c:v>0.821428571428571</c:v>
+                  <c:v>0.82142857142857095</c:v>
                 </c:pt>
                 <c:pt idx="1">
-                  <c:v>0.916666666666667</c:v>
+                  <c:v>0.91666666666666696</c:v>
                 </c:pt>
                 <c:pt idx="2">
                   <c:v>0.875</c:v>
                 </c:pt>
                 <c:pt idx="3">
-                  <c:v>0.916666666666667</c:v>
+                  <c:v>0.91666666666666696</c:v>
                 </c:pt>
                 <c:pt idx="4">
-                  <c:v>0.958333333333333</c:v>
+                  <c:v>0.95833333333333304</c:v>
                 </c:pt>
                 <c:pt idx="5">
-                  <c:v>0.902777777777778</c:v>
+                  <c:v>0.90277777777777801</c:v>
                 </c:pt>
                 <c:pt idx="6">
-                  <c:v>0.958333333333333</c:v>
+                  <c:v>0.95833333333333304</c:v>
                 </c:pt>
                 <c:pt idx="7">
-                  <c:v>0.833333333333333</c:v>
+                  <c:v>0.83333333333333304</c:v>
                 </c:pt>
                 <c:pt idx="9">
-                  <c:v>1.0</c:v>
+                  <c:v>1</c:v>
                 </c:pt>
               </c:numCache>
             </c:numRef>
           </c:val>
+          <c:extLst>
+            <c:ext xmlns:c16="http://schemas.microsoft.com/office/drawing/2014/chart" uri="{C3380CC4-5D6E-409C-BE32-E72D297353CC}">
+              <c16:uniqueId val="{00000001-981E-4DBC-A940-9B8114F05A00}"/>
+            </c:ext>
+          </c:extLst>
         </c:ser>
         <c:ser>
           <c:idx val="2"/>
@@ -7039,25 +7191,25 @@
                 <c:formatCode>General</c:formatCode>
                 <c:ptCount val="10"/>
                 <c:pt idx="0">
-                  <c:v>0.291666666666667</c:v>
+                  <c:v>0.29166666666666702</c:v>
                 </c:pt>
                 <c:pt idx="1">
-                  <c:v>0.326388888888889</c:v>
+                  <c:v>0.32638888888888901</c:v>
                 </c:pt>
                 <c:pt idx="2">
-                  <c:v>0.575</c:v>
+                  <c:v>0.57499999999999996</c:v>
                 </c:pt>
                 <c:pt idx="3">
-                  <c:v>0.458333333333333</c:v>
+                  <c:v>0.45833333333333298</c:v>
                 </c:pt>
                 <c:pt idx="4">
-                  <c:v>0.666666666666667</c:v>
+                  <c:v>0.66666666666666696</c:v>
                 </c:pt>
                 <c:pt idx="5">
                   <c:v>0.625</c:v>
                 </c:pt>
                 <c:pt idx="7">
-                  <c:v>0.666666666666667</c:v>
+                  <c:v>0.66666666666666696</c:v>
                 </c:pt>
                 <c:pt idx="8">
                   <c:v>0.625</c:v>
@@ -7065,6 +7217,11 @@
               </c:numCache>
             </c:numRef>
           </c:val>
+          <c:extLst>
+            <c:ext xmlns:c16="http://schemas.microsoft.com/office/drawing/2014/chart" uri="{C3380CC4-5D6E-409C-BE32-E72D297353CC}">
+              <c16:uniqueId val="{00000002-981E-4DBC-A940-9B8114F05A00}"/>
+            </c:ext>
+          </c:extLst>
         </c:ser>
         <c:dLbls>
           <c:showLegendKey val="0"/>
@@ -7129,7 +7286,6 @@
               </a:p>
             </c:rich>
           </c:tx>
-          <c:layout/>
           <c:overlay val="0"/>
           <c:spPr>
             <a:noFill/>
@@ -7206,7 +7362,7 @@
         <c:axId val="1361676800"/>
         <c:scaling>
           <c:orientation val="minMax"/>
-          <c:max val="1.0"/>
+          <c:max val="1"/>
         </c:scaling>
         <c:delete val="0"/>
         <c:axPos val="l"/>
@@ -7259,7 +7415,6 @@
               </a:p>
             </c:rich>
           </c:tx>
-          <c:layout/>
           <c:overlay val="0"/>
           <c:spPr>
             <a:noFill/>
@@ -7289,6 +7444,7 @@
             </a:p>
           </c:txPr>
         </c:title>
+        <c:numFmt formatCode="General" sourceLinked="1"/>
         <c:majorTickMark val="none"/>
         <c:minorTickMark val="none"/>
         <c:tickLblPos val="nextTo"/>
@@ -7333,7 +7489,6 @@
     </c:plotArea>
     <c:legend>
       <c:legendPos val="b"/>
-      <c:layout/>
       <c:overlay val="0"/>
       <c:spPr>
         <a:noFill/>
@@ -7391,7 +7546,7 @@
 </file>
 
 <file path=ppt/charts/chart18.xml><?xml version="1.0" encoding="utf-8"?>
-<c:chartSpace xmlns:c="http://schemas.openxmlformats.org/drawingml/2006/chart" xmlns:a="http://schemas.openxmlformats.org/drawingml/2006/main" xmlns:r="http://schemas.openxmlformats.org/officeDocument/2006/relationships">
+<c:chartSpace xmlns:c="http://schemas.openxmlformats.org/drawingml/2006/chart" xmlns:a="http://schemas.openxmlformats.org/drawingml/2006/main" xmlns:r="http://schemas.openxmlformats.org/officeDocument/2006/relationships" xmlns:c16r2="http://schemas.microsoft.com/office/drawing/2015/06/chart">
   <c:date1904 val="0"/>
   <c:lang val="en-US"/>
   <c:roundedCorners val="0"/>
@@ -7447,7 +7602,6 @@
           </a:p>
         </c:rich>
       </c:tx>
-      <c:layout/>
       <c:overlay val="0"/>
       <c:spPr>
         <a:noFill/>
@@ -7547,7 +7701,7 @@
                 <c:formatCode>General</c:formatCode>
                 <c:ptCount val="2"/>
                 <c:pt idx="0">
-                  <c:v>0.958333333333333</c:v>
+                  <c:v>0.95833333333333304</c:v>
                 </c:pt>
                 <c:pt idx="1">
                   <c:v>0.567460317460317</c:v>
@@ -7555,6 +7709,11 @@
               </c:numCache>
             </c:numRef>
           </c:val>
+          <c:extLst>
+            <c:ext xmlns:c16="http://schemas.microsoft.com/office/drawing/2014/chart" uri="{C3380CC4-5D6E-409C-BE32-E72D297353CC}">
+              <c16:uniqueId val="{00000000-A614-4162-91C7-5D406EC6AF58}"/>
+            </c:ext>
+          </c:extLst>
         </c:ser>
         <c:ser>
           <c:idx val="1"/>
@@ -7619,14 +7778,19 @@
                 <c:formatCode>General</c:formatCode>
                 <c:ptCount val="2"/>
                 <c:pt idx="0">
-                  <c:v>0.941666666666667</c:v>
+                  <c:v>0.94166666666666698</c:v>
                 </c:pt>
                 <c:pt idx="1">
-                  <c:v>0.873015873015873</c:v>
+                  <c:v>0.87301587301587302</c:v>
                 </c:pt>
               </c:numCache>
             </c:numRef>
           </c:val>
+          <c:extLst>
+            <c:ext xmlns:c16="http://schemas.microsoft.com/office/drawing/2014/chart" uri="{C3380CC4-5D6E-409C-BE32-E72D297353CC}">
+              <c16:uniqueId val="{00000001-A614-4162-91C7-5D406EC6AF58}"/>
+            </c:ext>
+          </c:extLst>
         </c:ser>
         <c:ser>
           <c:idx val="2"/>
@@ -7691,14 +7855,19 @@
                 <c:formatCode>General</c:formatCode>
                 <c:ptCount val="2"/>
                 <c:pt idx="0">
-                  <c:v>0.683333333333333</c:v>
+                  <c:v>0.68333333333333302</c:v>
                 </c:pt>
                 <c:pt idx="1">
-                  <c:v>0.400793650793651</c:v>
+                  <c:v>0.40079365079365098</c:v>
                 </c:pt>
               </c:numCache>
             </c:numRef>
           </c:val>
+          <c:extLst>
+            <c:ext xmlns:c16="http://schemas.microsoft.com/office/drawing/2014/chart" uri="{C3380CC4-5D6E-409C-BE32-E72D297353CC}">
+              <c16:uniqueId val="{00000002-A614-4162-91C7-5D406EC6AF58}"/>
+            </c:ext>
+          </c:extLst>
         </c:ser>
         <c:dLbls>
           <c:showLegendKey val="0"/>
@@ -7768,7 +7937,7 @@
         <c:axId val="1361520720"/>
         <c:scaling>
           <c:orientation val="minMax"/>
-          <c:max val="1.0"/>
+          <c:max val="1"/>
         </c:scaling>
         <c:delete val="0"/>
         <c:axPos val="l"/>
@@ -7813,7 +7982,6 @@
               </a:p>
             </c:rich>
           </c:tx>
-          <c:layout/>
           <c:overlay val="0"/>
           <c:spPr>
             <a:noFill/>
@@ -7843,6 +8011,7 @@
             </a:p>
           </c:txPr>
         </c:title>
+        <c:numFmt formatCode="General" sourceLinked="1"/>
         <c:majorTickMark val="none"/>
         <c:minorTickMark val="none"/>
         <c:tickLblPos val="nextTo"/>
@@ -7887,7 +8056,6 @@
     </c:plotArea>
     <c:legend>
       <c:legendPos val="b"/>
-      <c:layout/>
       <c:overlay val="0"/>
       <c:spPr>
         <a:noFill/>
@@ -7945,7 +8113,7 @@
 </file>
 
 <file path=ppt/charts/chart2.xml><?xml version="1.0" encoding="utf-8"?>
-<c:chartSpace xmlns:c="http://schemas.openxmlformats.org/drawingml/2006/chart" xmlns:a="http://schemas.openxmlformats.org/drawingml/2006/main" xmlns:r="http://schemas.openxmlformats.org/officeDocument/2006/relationships">
+<c:chartSpace xmlns:c="http://schemas.openxmlformats.org/drawingml/2006/chart" xmlns:a="http://schemas.openxmlformats.org/drawingml/2006/main" xmlns:r="http://schemas.openxmlformats.org/officeDocument/2006/relationships" xmlns:c16r2="http://schemas.microsoft.com/office/drawing/2015/06/chart">
   <c:date1904 val="0"/>
   <c:lang val="en-US"/>
   <c:roundedCorners val="0"/>
@@ -8086,21 +8254,21 @@
                 <c:formatCode>General</c:formatCode>
                 <c:ptCount val="4"/>
                 <c:pt idx="0">
-                  <c:v>0.147058823529412</c:v>
+                  <c:v>0.14705882352941199</c:v>
                 </c:pt>
                 <c:pt idx="1">
-                  <c:v>0.852941176470588</c:v>
+                  <c:v>0.85294117647058798</c:v>
                 </c:pt>
                 <c:pt idx="2">
                   <c:v>0.434873949579832</c:v>
                 </c:pt>
                 <c:pt idx="3">
-                  <c:v>0.565126050420168</c:v>
+                  <c:v>0.56512605042016795</c:v>
                 </c:pt>
               </c:numCache>
             </c:numRef>
           </c:val>
-          <c:extLst xmlns:c16r2="http://schemas.microsoft.com/office/drawing/2015/06/chart">
+          <c:extLst>
             <c:ext xmlns:c16="http://schemas.microsoft.com/office/drawing/2014/chart" uri="{C3380CC4-5D6E-409C-BE32-E72D297353CC}">
               <c16:uniqueId val="{00000000-88E7-4674-AD93-7AF82EF98F73}"/>
             </c:ext>
@@ -8167,21 +8335,21 @@
                 <c:formatCode>General</c:formatCode>
                 <c:ptCount val="4"/>
                 <c:pt idx="0">
-                  <c:v>0.118987341772152</c:v>
+                  <c:v>0.11898734177215201</c:v>
                 </c:pt>
                 <c:pt idx="1">
-                  <c:v>0.881012658227848</c:v>
+                  <c:v>0.88101265822784802</c:v>
                 </c:pt>
                 <c:pt idx="2">
-                  <c:v>0.429776974080772</c:v>
+                  <c:v>0.42977697408077198</c:v>
                 </c:pt>
                 <c:pt idx="3">
-                  <c:v>0.570223025919228</c:v>
+                  <c:v>0.57022302591922802</c:v>
                 </c:pt>
               </c:numCache>
             </c:numRef>
           </c:val>
-          <c:extLst xmlns:c16r2="http://schemas.microsoft.com/office/drawing/2015/06/chart">
+          <c:extLst>
             <c:ext xmlns:c16="http://schemas.microsoft.com/office/drawing/2014/chart" uri="{C3380CC4-5D6E-409C-BE32-E72D297353CC}">
               <c16:uniqueId val="{00000001-88E7-4674-AD93-7AF82EF98F73}"/>
             </c:ext>
@@ -8251,18 +8419,18 @@
                   <c:v>0.114583333333333</c:v>
                 </c:pt>
                 <c:pt idx="1">
-                  <c:v>0.885416666666666</c:v>
+                  <c:v>0.88541666666666596</c:v>
                 </c:pt>
                 <c:pt idx="2">
-                  <c:v>0.39781746031746</c:v>
+                  <c:v>0.39781746031746001</c:v>
                 </c:pt>
                 <c:pt idx="3">
-                  <c:v>0.602182539682539</c:v>
+                  <c:v>0.60218253968253899</c:v>
                 </c:pt>
               </c:numCache>
             </c:numRef>
           </c:val>
-          <c:extLst xmlns:c16r2="http://schemas.microsoft.com/office/drawing/2015/06/chart">
+          <c:extLst>
             <c:ext xmlns:c16="http://schemas.microsoft.com/office/drawing/2014/chart" uri="{C3380CC4-5D6E-409C-BE32-E72D297353CC}">
               <c16:uniqueId val="{00000002-88E7-4674-AD93-7AF82EF98F73}"/>
             </c:ext>
@@ -8329,21 +8497,21 @@
                 <c:formatCode>General</c:formatCode>
                 <c:ptCount val="4"/>
                 <c:pt idx="0">
-                  <c:v>0.0978260869565217</c:v>
+                  <c:v>9.7826086956521702E-2</c:v>
                 </c:pt>
                 <c:pt idx="1">
-                  <c:v>0.902173913043478</c:v>
+                  <c:v>0.90217391304347805</c:v>
                 </c:pt>
                 <c:pt idx="2">
-                  <c:v>0.31055900621118</c:v>
+                  <c:v>0.31055900621117999</c:v>
                 </c:pt>
                 <c:pt idx="3">
-                  <c:v>0.68944099378882</c:v>
+                  <c:v>0.68944099378881996</c:v>
                 </c:pt>
               </c:numCache>
             </c:numRef>
           </c:val>
-          <c:extLst xmlns:c16r2="http://schemas.microsoft.com/office/drawing/2015/06/chart">
+          <c:extLst>
             <c:ext xmlns:c16="http://schemas.microsoft.com/office/drawing/2014/chart" uri="{C3380CC4-5D6E-409C-BE32-E72D297353CC}">
               <c16:uniqueId val="{00000003-88E7-4674-AD93-7AF82EF98F73}"/>
             </c:ext>
@@ -8410,21 +8578,21 @@
                 <c:formatCode>General</c:formatCode>
                 <c:ptCount val="4"/>
                 <c:pt idx="0">
-                  <c:v>0.0831168831168831</c:v>
+                  <c:v>8.3116883116883103E-2</c:v>
                 </c:pt>
                 <c:pt idx="1">
-                  <c:v>0.916883116883117</c:v>
+                  <c:v>0.91688311688311697</c:v>
                 </c:pt>
                 <c:pt idx="2">
-                  <c:v>0.368583797155226</c:v>
+                  <c:v>0.36858379715522599</c:v>
                 </c:pt>
                 <c:pt idx="3">
-                  <c:v>0.631416202844774</c:v>
+                  <c:v>0.63141620284477395</c:v>
                 </c:pt>
               </c:numCache>
             </c:numRef>
           </c:val>
-          <c:extLst xmlns:c16r2="http://schemas.microsoft.com/office/drawing/2015/06/chart">
+          <c:extLst>
             <c:ext xmlns:c16="http://schemas.microsoft.com/office/drawing/2014/chart" uri="{C3380CC4-5D6E-409C-BE32-E72D297353CC}">
               <c16:uniqueId val="{00000004-88E7-4674-AD93-7AF82EF98F73}"/>
             </c:ext>
@@ -8617,7 +8785,7 @@
 </file>
 
 <file path=ppt/charts/chart3.xml><?xml version="1.0" encoding="utf-8"?>
-<c:chartSpace xmlns:c="http://schemas.openxmlformats.org/drawingml/2006/chart" xmlns:a="http://schemas.openxmlformats.org/drawingml/2006/main" xmlns:r="http://schemas.openxmlformats.org/officeDocument/2006/relationships">
+<c:chartSpace xmlns:c="http://schemas.openxmlformats.org/drawingml/2006/chart" xmlns:a="http://schemas.openxmlformats.org/drawingml/2006/main" xmlns:r="http://schemas.openxmlformats.org/officeDocument/2006/relationships" xmlns:c16r2="http://schemas.microsoft.com/office/drawing/2015/06/chart">
   <c:date1904 val="0"/>
   <c:lang val="en-US"/>
   <c:roundedCorners val="0"/>
@@ -8784,33 +8952,33 @@
                 <c:formatCode>General</c:formatCode>
                 <c:ptCount val="8"/>
                 <c:pt idx="0">
-                  <c:v>0.0722222222222222</c:v>
+                  <c:v>7.2222222222222202E-2</c:v>
                 </c:pt>
                 <c:pt idx="1">
-                  <c:v>0.927777777777778</c:v>
+                  <c:v>0.92777777777777803</c:v>
                 </c:pt>
                 <c:pt idx="2">
-                  <c:v>0.361111111111111</c:v>
+                  <c:v>0.36111111111111099</c:v>
                 </c:pt>
                 <c:pt idx="3">
-                  <c:v>0.638888888888889</c:v>
+                  <c:v>0.63888888888888895</c:v>
                 </c:pt>
                 <c:pt idx="4">
-                  <c:v>0.212962962962963</c:v>
+                  <c:v>0.21296296296296299</c:v>
                 </c:pt>
                 <c:pt idx="5">
-                  <c:v>0.787037037037037</c:v>
+                  <c:v>0.78703703703703698</c:v>
                 </c:pt>
                 <c:pt idx="6">
-                  <c:v>0.666666666666667</c:v>
+                  <c:v>0.66666666666666696</c:v>
                 </c:pt>
                 <c:pt idx="7">
-                  <c:v>0.333333333333333</c:v>
+                  <c:v>0.33333333333333298</c:v>
                 </c:pt>
               </c:numCache>
             </c:numRef>
           </c:val>
-          <c:extLst xmlns:c16r2="http://schemas.microsoft.com/office/drawing/2015/06/chart">
+          <c:extLst>
             <c:ext xmlns:c16="http://schemas.microsoft.com/office/drawing/2014/chart" uri="{C3380CC4-5D6E-409C-BE32-E72D297353CC}">
               <c16:uniqueId val="{00000000-58E0-4FAE-95E6-B7504652BD8B}"/>
             </c:ext>
@@ -8903,33 +9071,33 @@
                 <c:formatCode>General</c:formatCode>
                 <c:ptCount val="8"/>
                 <c:pt idx="0">
-                  <c:v>0.0583333333333333</c:v>
+                  <c:v>5.83333333333333E-2</c:v>
                 </c:pt>
                 <c:pt idx="1">
-                  <c:v>0.941666666666667</c:v>
+                  <c:v>0.94166666666666698</c:v>
                 </c:pt>
                 <c:pt idx="2">
-                  <c:v>0.316666666666667</c:v>
+                  <c:v>0.31666666666666698</c:v>
                 </c:pt>
                 <c:pt idx="3">
-                  <c:v>0.683333333333333</c:v>
+                  <c:v>0.68333333333333302</c:v>
                 </c:pt>
                 <c:pt idx="4">
                   <c:v>0.126984126984127</c:v>
                 </c:pt>
                 <c:pt idx="5">
-                  <c:v>0.873015873015873</c:v>
+                  <c:v>0.87301587301587302</c:v>
                 </c:pt>
                 <c:pt idx="6">
-                  <c:v>0.599206349206349</c:v>
+                  <c:v>0.59920634920634896</c:v>
                 </c:pt>
                 <c:pt idx="7">
-                  <c:v>0.400793650793651</c:v>
+                  <c:v>0.40079365079365098</c:v>
                 </c:pt>
               </c:numCache>
             </c:numRef>
           </c:val>
-          <c:extLst xmlns:c16r2="http://schemas.microsoft.com/office/drawing/2015/06/chart">
+          <c:extLst>
             <c:ext xmlns:c16="http://schemas.microsoft.com/office/drawing/2014/chart" uri="{C3380CC4-5D6E-409C-BE32-E72D297353CC}">
               <c16:uniqueId val="{00000001-58E0-4FAE-95E6-B7504652BD8B}"/>
             </c:ext>
@@ -9022,33 +9190,33 @@
                 <c:formatCode>General</c:formatCode>
                 <c:ptCount val="8"/>
                 <c:pt idx="0">
-                  <c:v>0.0608695652173913</c:v>
+                  <c:v>6.08695652173913E-2</c:v>
                 </c:pt>
                 <c:pt idx="1">
-                  <c:v>0.939130434782609</c:v>
+                  <c:v>0.93913043478260905</c:v>
                 </c:pt>
                 <c:pt idx="2">
-                  <c:v>0.278260869565217</c:v>
+                  <c:v>0.27826086956521701</c:v>
                 </c:pt>
                 <c:pt idx="3">
-                  <c:v>0.721739130434783</c:v>
+                  <c:v>0.72173913043478299</c:v>
                 </c:pt>
                 <c:pt idx="4">
                   <c:v>0.173913043478261</c:v>
                 </c:pt>
                 <c:pt idx="5">
-                  <c:v>0.826086956521739</c:v>
+                  <c:v>0.82608695652173902</c:v>
                 </c:pt>
                 <c:pt idx="6">
-                  <c:v>0.472049689440994</c:v>
+                  <c:v>0.47204968944099401</c:v>
                 </c:pt>
                 <c:pt idx="7">
-                  <c:v>0.527950310559006</c:v>
+                  <c:v>0.52795031055900599</c:v>
                 </c:pt>
               </c:numCache>
             </c:numRef>
           </c:val>
-          <c:extLst xmlns:c16r2="http://schemas.microsoft.com/office/drawing/2015/06/chart">
+          <c:extLst>
             <c:ext xmlns:c16="http://schemas.microsoft.com/office/drawing/2014/chart" uri="{C3380CC4-5D6E-409C-BE32-E72D297353CC}">
               <c16:uniqueId val="{00000002-58E0-4FAE-95E6-B7504652BD8B}"/>
             </c:ext>
@@ -9153,21 +9321,21 @@
                   <c:v>0.68</c:v>
                 </c:pt>
                 <c:pt idx="4">
-                  <c:v>0.0976190476190476</c:v>
+                  <c:v>9.7619047619047605E-2</c:v>
                 </c:pt>
                 <c:pt idx="5">
-                  <c:v>0.902380952380952</c:v>
+                  <c:v>0.90238095238095195</c:v>
                 </c:pt>
                 <c:pt idx="6">
-                  <c:v>0.585714285714286</c:v>
+                  <c:v>0.58571428571428596</c:v>
                 </c:pt>
                 <c:pt idx="7">
-                  <c:v>0.414285714285714</c:v>
+                  <c:v>0.41428571428571398</c:v>
                 </c:pt>
               </c:numCache>
             </c:numRef>
           </c:val>
-          <c:extLst xmlns:c16r2="http://schemas.microsoft.com/office/drawing/2015/06/chart">
+          <c:extLst>
             <c:ext xmlns:c16="http://schemas.microsoft.com/office/drawing/2014/chart" uri="{C3380CC4-5D6E-409C-BE32-E72D297353CC}">
               <c16:uniqueId val="{00000003-58E0-4FAE-95E6-B7504652BD8B}"/>
             </c:ext>
@@ -9241,7 +9409,7 @@
         <c:axId val="1365205104"/>
         <c:scaling>
           <c:orientation val="minMax"/>
-          <c:max val="1.0"/>
+          <c:max val="1"/>
         </c:scaling>
         <c:delete val="0"/>
         <c:axPos val="l"/>
@@ -9361,7 +9529,7 @@
 </file>
 
 <file path=ppt/charts/chart4.xml><?xml version="1.0" encoding="utf-8"?>
-<c:chartSpace xmlns:c="http://schemas.openxmlformats.org/drawingml/2006/chart" xmlns:a="http://schemas.openxmlformats.org/drawingml/2006/main" xmlns:r="http://schemas.openxmlformats.org/officeDocument/2006/relationships">
+<c:chartSpace xmlns:c="http://schemas.openxmlformats.org/drawingml/2006/chart" xmlns:a="http://schemas.openxmlformats.org/drawingml/2006/main" xmlns:r="http://schemas.openxmlformats.org/officeDocument/2006/relationships" xmlns:c16r2="http://schemas.microsoft.com/office/drawing/2015/06/chart">
   <c:date1904 val="0"/>
   <c:lang val="en-US"/>
   <c:roundedCorners val="0"/>
@@ -9524,33 +9692,33 @@
                 <c:formatCode>General</c:formatCode>
                 <c:ptCount val="8"/>
                 <c:pt idx="0">
-                  <c:v>0.0470588235294118</c:v>
+                  <c:v>4.7058823529411799E-2</c:v>
                 </c:pt>
                 <c:pt idx="1">
-                  <c:v>0.952941176470588</c:v>
+                  <c:v>0.95294117647058796</c:v>
                 </c:pt>
                 <c:pt idx="2">
-                  <c:v>0.423529411764706</c:v>
+                  <c:v>0.42352941176470599</c:v>
                 </c:pt>
                 <c:pt idx="3">
-                  <c:v>0.576470588235294</c:v>
+                  <c:v>0.57647058823529396</c:v>
                 </c:pt>
                 <c:pt idx="4">
                   <c:v>0.179271708683473</c:v>
                 </c:pt>
                 <c:pt idx="5">
-                  <c:v>0.820728291316527</c:v>
+                  <c:v>0.82072829131652703</c:v>
                 </c:pt>
                 <c:pt idx="6">
-                  <c:v>0.675070028011204</c:v>
+                  <c:v>0.67507002801120397</c:v>
                 </c:pt>
                 <c:pt idx="7">
-                  <c:v>0.324929971988795</c:v>
+                  <c:v>0.32492997198879497</c:v>
                 </c:pt>
               </c:numCache>
             </c:numRef>
           </c:val>
-          <c:extLst xmlns:c16r2="http://schemas.microsoft.com/office/drawing/2015/06/chart">
+          <c:extLst>
             <c:ext xmlns:c16="http://schemas.microsoft.com/office/drawing/2014/chart" uri="{C3380CC4-5D6E-409C-BE32-E72D297353CC}">
               <c16:uniqueId val="{00000000-E037-4CA3-BD16-2E0FC88ABE81}"/>
             </c:ext>
@@ -9643,33 +9811,33 @@
                 <c:formatCode>General</c:formatCode>
                 <c:ptCount val="8"/>
                 <c:pt idx="0">
-                  <c:v>0.0947368421052631</c:v>
+                  <c:v>9.4736842105263105E-2</c:v>
                 </c:pt>
                 <c:pt idx="1">
-                  <c:v>0.905263157894737</c:v>
+                  <c:v>0.90526315789473699</c:v>
                 </c:pt>
                 <c:pt idx="2">
-                  <c:v>0.305263157894737</c:v>
+                  <c:v>0.30526315789473701</c:v>
                 </c:pt>
                 <c:pt idx="3">
-                  <c:v>0.694736842105263</c:v>
+                  <c:v>0.69473684210526299</c:v>
                 </c:pt>
                 <c:pt idx="4">
-                  <c:v>0.243107769423559</c:v>
+                  <c:v>0.24310776942355899</c:v>
                 </c:pt>
                 <c:pt idx="5">
-                  <c:v>0.756892230576441</c:v>
+                  <c:v>0.75689223057644095</c:v>
                 </c:pt>
                 <c:pt idx="6">
-                  <c:v>0.659147869674185</c:v>
+                  <c:v>0.65914786967418504</c:v>
                 </c:pt>
                 <c:pt idx="7">
-                  <c:v>0.340852130325814</c:v>
+                  <c:v>0.34085213032581402</c:v>
                 </c:pt>
               </c:numCache>
             </c:numRef>
           </c:val>
-          <c:extLst xmlns:c16r2="http://schemas.microsoft.com/office/drawing/2015/06/chart">
+          <c:extLst>
             <c:ext xmlns:c16="http://schemas.microsoft.com/office/drawing/2014/chart" uri="{C3380CC4-5D6E-409C-BE32-E72D297353CC}">
               <c16:uniqueId val="{00000001-E037-4CA3-BD16-2E0FC88ABE81}"/>
             </c:ext>
@@ -9762,33 +9930,33 @@
                 <c:formatCode>General</c:formatCode>
                 <c:ptCount val="8"/>
                 <c:pt idx="0">
-                  <c:v>0.0583333333333333</c:v>
+                  <c:v>5.83333333333333E-2</c:v>
                 </c:pt>
                 <c:pt idx="1">
-                  <c:v>0.941666666666667</c:v>
+                  <c:v>0.94166666666666698</c:v>
                 </c:pt>
                 <c:pt idx="2">
-                  <c:v>0.316666666666667</c:v>
+                  <c:v>0.31666666666666698</c:v>
                 </c:pt>
                 <c:pt idx="3">
-                  <c:v>0.683333333333333</c:v>
+                  <c:v>0.68333333333333302</c:v>
                 </c:pt>
                 <c:pt idx="4">
                   <c:v>0.126984126984127</c:v>
                 </c:pt>
                 <c:pt idx="5">
-                  <c:v>0.873015873015873</c:v>
+                  <c:v>0.87301587301587302</c:v>
                 </c:pt>
                 <c:pt idx="6">
-                  <c:v>0.599206349206349</c:v>
+                  <c:v>0.59920634920634896</c:v>
                 </c:pt>
                 <c:pt idx="7">
-                  <c:v>0.400793650793651</c:v>
+                  <c:v>0.40079365079365098</c:v>
                 </c:pt>
               </c:numCache>
             </c:numRef>
           </c:val>
-          <c:extLst xmlns:c16r2="http://schemas.microsoft.com/office/drawing/2015/06/chart">
+          <c:extLst>
             <c:ext xmlns:c16="http://schemas.microsoft.com/office/drawing/2014/chart" uri="{C3380CC4-5D6E-409C-BE32-E72D297353CC}">
               <c16:uniqueId val="{00000002-E037-4CA3-BD16-2E0FC88ABE81}"/>
             </c:ext>
@@ -9881,33 +10049,33 @@
                 <c:formatCode>General</c:formatCode>
                 <c:ptCount val="8"/>
                 <c:pt idx="0">
-                  <c:v>0.0608695652173913</c:v>
+                  <c:v>6.08695652173913E-2</c:v>
                 </c:pt>
                 <c:pt idx="1">
-                  <c:v>0.939130434782609</c:v>
+                  <c:v>0.93913043478260905</c:v>
                 </c:pt>
                 <c:pt idx="2">
-                  <c:v>0.278260869565217</c:v>
+                  <c:v>0.27826086956521701</c:v>
                 </c:pt>
                 <c:pt idx="3">
-                  <c:v>0.721739130434783</c:v>
+                  <c:v>0.72173913043478299</c:v>
                 </c:pt>
                 <c:pt idx="4">
                   <c:v>0.173913043478261</c:v>
                 </c:pt>
                 <c:pt idx="5">
-                  <c:v>0.826086956521739</c:v>
+                  <c:v>0.82608695652173902</c:v>
                 </c:pt>
                 <c:pt idx="6">
-                  <c:v>0.472049689440994</c:v>
+                  <c:v>0.47204968944099401</c:v>
                 </c:pt>
                 <c:pt idx="7">
-                  <c:v>0.527950310559006</c:v>
+                  <c:v>0.52795031055900599</c:v>
                 </c:pt>
               </c:numCache>
             </c:numRef>
           </c:val>
-          <c:extLst xmlns:c16r2="http://schemas.microsoft.com/office/drawing/2015/06/chart">
+          <c:extLst>
             <c:ext xmlns:c16="http://schemas.microsoft.com/office/drawing/2014/chart" uri="{C3380CC4-5D6E-409C-BE32-E72D297353CC}">
               <c16:uniqueId val="{00000003-E037-4CA3-BD16-2E0FC88ABE81}"/>
             </c:ext>
@@ -10012,21 +10180,21 @@
                   <c:v>0.68</c:v>
                 </c:pt>
                 <c:pt idx="4">
-                  <c:v>0.0976190476190476</c:v>
+                  <c:v>9.7619047619047605E-2</c:v>
                 </c:pt>
                 <c:pt idx="5">
-                  <c:v>0.902380952380952</c:v>
+                  <c:v>0.90238095238095195</c:v>
                 </c:pt>
                 <c:pt idx="6">
-                  <c:v>0.585714285714286</c:v>
+                  <c:v>0.58571428571428596</c:v>
                 </c:pt>
                 <c:pt idx="7">
-                  <c:v>0.414285714285714</c:v>
+                  <c:v>0.41428571428571398</c:v>
                 </c:pt>
               </c:numCache>
             </c:numRef>
           </c:val>
-          <c:extLst xmlns:c16r2="http://schemas.microsoft.com/office/drawing/2015/06/chart">
+          <c:extLst>
             <c:ext xmlns:c16="http://schemas.microsoft.com/office/drawing/2014/chart" uri="{C3380CC4-5D6E-409C-BE32-E72D297353CC}">
               <c16:uniqueId val="{00000004-E037-4CA3-BD16-2E0FC88ABE81}"/>
             </c:ext>
@@ -10100,7 +10268,7 @@
         <c:axId val="1280467376"/>
         <c:scaling>
           <c:orientation val="minMax"/>
-          <c:max val="1.0"/>
+          <c:max val="1"/>
         </c:scaling>
         <c:delete val="0"/>
         <c:axPos val="l"/>
@@ -10220,7 +10388,7 @@
 </file>
 
 <file path=ppt/charts/chart5.xml><?xml version="1.0" encoding="utf-8"?>
-<c:chartSpace xmlns:c="http://schemas.openxmlformats.org/drawingml/2006/chart" xmlns:a="http://schemas.openxmlformats.org/drawingml/2006/main" xmlns:r="http://schemas.openxmlformats.org/officeDocument/2006/relationships">
+<c:chartSpace xmlns:c="http://schemas.openxmlformats.org/drawingml/2006/chart" xmlns:a="http://schemas.openxmlformats.org/drawingml/2006/main" xmlns:r="http://schemas.openxmlformats.org/officeDocument/2006/relationships" xmlns:c16r2="http://schemas.microsoft.com/office/drawing/2015/06/chart">
   <c:date1904 val="0"/>
   <c:lang val="en-US"/>
   <c:roundedCorners val="0"/>
@@ -10259,7 +10427,6 @@
           </a:p>
         </c:rich>
       </c:tx>
-      <c:layout/>
       <c:overlay val="0"/>
       <c:spPr>
         <a:noFill/>
@@ -10491,76 +10658,76 @@
                 <c:formatCode>General</c:formatCode>
                 <c:ptCount val="30"/>
                 <c:pt idx="0">
-                  <c:v>0.941176470588235</c:v>
+                  <c:v>0.94117647058823495</c:v>
                 </c:pt>
                 <c:pt idx="1">
-                  <c:v>0.557422969187675</c:v>
+                  <c:v>0.55742296918767498</c:v>
                 </c:pt>
                 <c:pt idx="2">
-                  <c:v>0.952941176470588</c:v>
+                  <c:v>0.95294117647058796</c:v>
                 </c:pt>
                 <c:pt idx="3">
-                  <c:v>0.820728291316527</c:v>
+                  <c:v>0.82072829131652703</c:v>
                 </c:pt>
                 <c:pt idx="4">
-                  <c:v>0.576470588235294</c:v>
+                  <c:v>0.57647058823529396</c:v>
                 </c:pt>
                 <c:pt idx="5">
-                  <c:v>0.324929971988796</c:v>
+                  <c:v>0.32492997198879597</c:v>
                 </c:pt>
                 <c:pt idx="6">
-                  <c:v>0.968421052631579</c:v>
+                  <c:v>0.96842105263157896</c:v>
                 </c:pt>
                 <c:pt idx="7">
-                  <c:v>0.591478696741855</c:v>
+                  <c:v>0.59147869674185505</c:v>
                 </c:pt>
                 <c:pt idx="8">
-                  <c:v>0.905263157894737</c:v>
+                  <c:v>0.90526315789473699</c:v>
                 </c:pt>
                 <c:pt idx="9">
-                  <c:v>0.756892230576441</c:v>
+                  <c:v>0.75689223057644095</c:v>
                 </c:pt>
                 <c:pt idx="10">
-                  <c:v>0.694736842105263</c:v>
+                  <c:v>0.69473684210526299</c:v>
                 </c:pt>
                 <c:pt idx="11">
-                  <c:v>0.340852130325815</c:v>
+                  <c:v>0.34085213032581502</c:v>
                 </c:pt>
                 <c:pt idx="12">
-                  <c:v>0.958333333333333</c:v>
+                  <c:v>0.95833333333333304</c:v>
                 </c:pt>
                 <c:pt idx="13">
                   <c:v>0.567460317460317</c:v>
                 </c:pt>
                 <c:pt idx="14">
-                  <c:v>0.941666666666667</c:v>
+                  <c:v>0.94166666666666698</c:v>
                 </c:pt>
                 <c:pt idx="15">
-                  <c:v>0.873015873015873</c:v>
+                  <c:v>0.87301587301587302</c:v>
                 </c:pt>
                 <c:pt idx="16">
-                  <c:v>0.683333333333333</c:v>
+                  <c:v>0.68333333333333302</c:v>
                 </c:pt>
                 <c:pt idx="17">
-                  <c:v>0.400793650793651</c:v>
+                  <c:v>0.40079365079365098</c:v>
                 </c:pt>
                 <c:pt idx="18">
-                  <c:v>0.973913043478261</c:v>
+                  <c:v>0.97391304347826102</c:v>
                 </c:pt>
                 <c:pt idx="19">
-                  <c:v>0.701863354037267</c:v>
+                  <c:v>0.70186335403726696</c:v>
                 </c:pt>
                 <c:pt idx="20">
-                  <c:v>0.939130434782609</c:v>
+                  <c:v>0.93913043478260905</c:v>
                 </c:pt>
                 <c:pt idx="21">
-                  <c:v>0.826086956521739</c:v>
+                  <c:v>0.82608695652173902</c:v>
                 </c:pt>
                 <c:pt idx="22">
-                  <c:v>0.721739130434783</c:v>
+                  <c:v>0.72173913043478299</c:v>
                 </c:pt>
                 <c:pt idx="23">
-                  <c:v>0.527950310559006</c:v>
+                  <c:v>0.52795031055900599</c:v>
                 </c:pt>
                 <c:pt idx="24">
                   <c:v>0.99</c:v>
@@ -10572,18 +10739,18 @@
                   <c:v>0.99</c:v>
                 </c:pt>
                 <c:pt idx="27">
-                  <c:v>0.902380952380952</c:v>
+                  <c:v>0.90238095238095195</c:v>
                 </c:pt>
                 <c:pt idx="28">
                   <c:v>0.68</c:v>
                 </c:pt>
                 <c:pt idx="29">
-                  <c:v>0.414285714285714</c:v>
+                  <c:v>0.41428571428571398</c:v>
                 </c:pt>
               </c:numCache>
             </c:numRef>
           </c:val>
-          <c:extLst xmlns:c16r2="http://schemas.microsoft.com/office/drawing/2015/06/chart">
+          <c:extLst>
             <c:ext xmlns:c16="http://schemas.microsoft.com/office/drawing/2014/chart" uri="{C3380CC4-5D6E-409C-BE32-E72D297353CC}">
               <c16:uniqueId val="{00000000-D338-4B1C-B91B-3CF524E74FE4}"/>
             </c:ext>
@@ -10657,7 +10824,7 @@
         <c:axId val="1361534064"/>
         <c:scaling>
           <c:orientation val="minMax"/>
-          <c:max val="1.0"/>
+          <c:max val="1"/>
         </c:scaling>
         <c:delete val="0"/>
         <c:axPos val="l"/>
@@ -10720,14 +10887,14 @@
     </c:plotArea>
     <c:plotVisOnly val="1"/>
     <c:dispBlanksAs val="gap"/>
-    <c:showDLblsOverMax val="0"/>
-    <c:extLst xmlns:c16r2="http://schemas.microsoft.com/office/drawing/2015/06/chart">
+    <c:extLst>
       <c:ext xmlns:c16r3="http://schemas.microsoft.com/office/drawing/2017/03/chart" uri="{56B9EC1D-385E-4148-901F-78D8002777C0}">
         <c16r3:dataDisplayOptions16>
           <c16r3:dispNaAsBlank val="1"/>
         </c16r3:dataDisplayOptions16>
       </c:ext>
     </c:extLst>
+    <c:showDLblsOverMax val="0"/>
   </c:chart>
   <c:spPr>
     <a:noFill/>
@@ -10754,7 +10921,7 @@
 </file>
 
 <file path=ppt/charts/chart6.xml><?xml version="1.0" encoding="utf-8"?>
-<c:chartSpace xmlns:c="http://schemas.openxmlformats.org/drawingml/2006/chart" xmlns:a="http://schemas.openxmlformats.org/drawingml/2006/main" xmlns:r="http://schemas.openxmlformats.org/officeDocument/2006/relationships">
+<c:chartSpace xmlns:c="http://schemas.openxmlformats.org/drawingml/2006/chart" xmlns:a="http://schemas.openxmlformats.org/drawingml/2006/main" xmlns:r="http://schemas.openxmlformats.org/officeDocument/2006/relationships" xmlns:c16r2="http://schemas.microsoft.com/office/drawing/2015/06/chart">
   <c:date1904 val="0"/>
   <c:lang val="en-US"/>
   <c:roundedCorners val="0"/>
@@ -10794,7 +10961,6 @@
           </a:p>
         </c:rich>
       </c:tx>
-      <c:layout/>
       <c:overlay val="0"/>
       <c:spPr>
         <a:noFill/>
@@ -10996,58 +11162,58 @@
                 <c:formatCode>General</c:formatCode>
                 <c:ptCount val="24"/>
                 <c:pt idx="0">
-                  <c:v>0.955555555555556</c:v>
+                  <c:v>0.95555555555555605</c:v>
                 </c:pt>
                 <c:pt idx="1">
-                  <c:v>0.575396825396825</c:v>
+                  <c:v>0.57539682539682502</c:v>
                 </c:pt>
                 <c:pt idx="2">
-                  <c:v>0.927777777777778</c:v>
+                  <c:v>0.92777777777777803</c:v>
                 </c:pt>
                 <c:pt idx="3">
-                  <c:v>0.787037037037037</c:v>
+                  <c:v>0.78703703703703698</c:v>
                 </c:pt>
                 <c:pt idx="4">
-                  <c:v>0.638888888888889</c:v>
+                  <c:v>0.63888888888888895</c:v>
                 </c:pt>
                 <c:pt idx="5">
-                  <c:v>0.333333333333333</c:v>
+                  <c:v>0.33333333333333298</c:v>
                 </c:pt>
                 <c:pt idx="6">
-                  <c:v>0.958333333333333</c:v>
+                  <c:v>0.95833333333333304</c:v>
                 </c:pt>
                 <c:pt idx="7">
                   <c:v>0.567460317460317</c:v>
                 </c:pt>
                 <c:pt idx="8">
-                  <c:v>0.941666666666667</c:v>
+                  <c:v>0.94166666666666698</c:v>
                 </c:pt>
                 <c:pt idx="9">
-                  <c:v>0.873015873015873</c:v>
+                  <c:v>0.87301587301587302</c:v>
                 </c:pt>
                 <c:pt idx="10">
-                  <c:v>0.683333333333333</c:v>
+                  <c:v>0.68333333333333302</c:v>
                 </c:pt>
                 <c:pt idx="11">
-                  <c:v>0.400793650793651</c:v>
+                  <c:v>0.40079365079365098</c:v>
                 </c:pt>
                 <c:pt idx="12">
-                  <c:v>0.973913043478261</c:v>
+                  <c:v>0.97391304347826102</c:v>
                 </c:pt>
                 <c:pt idx="13">
-                  <c:v>0.701863354037267</c:v>
+                  <c:v>0.70186335403726696</c:v>
                 </c:pt>
                 <c:pt idx="14">
-                  <c:v>0.939130434782609</c:v>
+                  <c:v>0.93913043478260905</c:v>
                 </c:pt>
                 <c:pt idx="15">
-                  <c:v>0.826086956521739</c:v>
+                  <c:v>0.82608695652173902</c:v>
                 </c:pt>
                 <c:pt idx="16">
-                  <c:v>0.721739130434783</c:v>
+                  <c:v>0.72173913043478299</c:v>
                 </c:pt>
                 <c:pt idx="17">
-                  <c:v>0.527950310559006</c:v>
+                  <c:v>0.52795031055900599</c:v>
                 </c:pt>
                 <c:pt idx="18">
                   <c:v>0.99</c:v>
@@ -11059,18 +11225,18 @@
                   <c:v>0.99</c:v>
                 </c:pt>
                 <c:pt idx="21">
-                  <c:v>0.902380952380952</c:v>
+                  <c:v>0.90238095238095195</c:v>
                 </c:pt>
                 <c:pt idx="22">
                   <c:v>0.68</c:v>
                 </c:pt>
                 <c:pt idx="23">
-                  <c:v>0.414285714285714</c:v>
+                  <c:v>0.41428571428571398</c:v>
                 </c:pt>
               </c:numCache>
             </c:numRef>
           </c:val>
-          <c:extLst xmlns:c16r2="http://schemas.microsoft.com/office/drawing/2015/06/chart">
+          <c:extLst>
             <c:ext xmlns:c16="http://schemas.microsoft.com/office/drawing/2014/chart" uri="{C3380CC4-5D6E-409C-BE32-E72D297353CC}">
               <c16:uniqueId val="{00000001-D1F6-4FED-86DC-45F00172450B}"/>
             </c:ext>
@@ -11144,7 +11310,7 @@
         <c:axId val="1359604448"/>
         <c:scaling>
           <c:orientation val="minMax"/>
-          <c:max val="1.0"/>
+          <c:max val="1"/>
         </c:scaling>
         <c:delete val="0"/>
         <c:axPos val="l"/>
@@ -11207,14 +11373,14 @@
     </c:plotArea>
     <c:plotVisOnly val="1"/>
     <c:dispBlanksAs val="gap"/>
-    <c:showDLblsOverMax val="0"/>
-    <c:extLst xmlns:c16r2="http://schemas.microsoft.com/office/drawing/2015/06/chart">
+    <c:extLst>
       <c:ext xmlns:c16r3="http://schemas.microsoft.com/office/drawing/2017/03/chart" uri="{56B9EC1D-385E-4148-901F-78D8002777C0}">
         <c16r3:dataDisplayOptions16>
           <c16r3:dispNaAsBlank val="1"/>
         </c16r3:dataDisplayOptions16>
       </c:ext>
     </c:extLst>
+    <c:showDLblsOverMax val="0"/>
   </c:chart>
   <c:spPr>
     <a:noFill/>
@@ -11241,7 +11407,7 @@
 </file>
 
 <file path=ppt/charts/chart7.xml><?xml version="1.0" encoding="utf-8"?>
-<c:chartSpace xmlns:c="http://schemas.openxmlformats.org/drawingml/2006/chart" xmlns:a="http://schemas.openxmlformats.org/drawingml/2006/main" xmlns:r="http://schemas.openxmlformats.org/officeDocument/2006/relationships">
+<c:chartSpace xmlns:c="http://schemas.openxmlformats.org/drawingml/2006/chart" xmlns:a="http://schemas.openxmlformats.org/drawingml/2006/main" xmlns:r="http://schemas.openxmlformats.org/officeDocument/2006/relationships" xmlns:c16r2="http://schemas.microsoft.com/office/drawing/2015/06/chart">
   <c:date1904 val="0"/>
   <c:lang val="en-US"/>
   <c:roundedCorners val="0"/>
@@ -11274,22 +11440,17 @@
               </a:defRPr>
             </a:pPr>
             <a:r>
-              <a:rPr lang="en-US" dirty="0" smtClean="0"/>
+              <a:rPr lang="en-US" dirty="0"/>
               <a:t>Baseline</a:t>
             </a:r>
             <a:r>
-              <a:rPr lang="en-US" baseline="0" dirty="0" smtClean="0"/>
-              <a:t> </a:t>
-            </a:r>
-            <a:r>
               <a:rPr lang="en-US" baseline="0" dirty="0"/>
-              <a:t>and player proposed amount</a:t>
+              <a:t> and player proposed amount</a:t>
             </a:r>
             <a:endParaRPr lang="en-US" dirty="0"/>
           </a:p>
         </c:rich>
       </c:tx>
-      <c:layout/>
       <c:overlay val="0"/>
       <c:spPr>
         <a:noFill/>
@@ -11375,28 +11536,28 @@
                 <c:formatCode>General</c:formatCode>
                 <c:ptCount val="8"/>
                 <c:pt idx="0">
-                  <c:v>1.0</c:v>
+                  <c:v>1</c:v>
                 </c:pt>
                 <c:pt idx="1">
-                  <c:v>2.0</c:v>
+                  <c:v>2</c:v>
                 </c:pt>
                 <c:pt idx="2">
-                  <c:v>3.0</c:v>
+                  <c:v>3</c:v>
                 </c:pt>
                 <c:pt idx="3">
-                  <c:v>4.0</c:v>
+                  <c:v>4</c:v>
                 </c:pt>
                 <c:pt idx="4">
-                  <c:v>5.0</c:v>
+                  <c:v>5</c:v>
                 </c:pt>
                 <c:pt idx="5">
-                  <c:v>6.0</c:v>
+                  <c:v>6</c:v>
                 </c:pt>
                 <c:pt idx="6">
-                  <c:v>8.0</c:v>
+                  <c:v>8</c:v>
                 </c:pt>
                 <c:pt idx="7">
-                  <c:v>9.0</c:v>
+                  <c:v>9</c:v>
                 </c:pt>
               </c:numCache>
             </c:numRef>
@@ -11414,26 +11575,31 @@
                   <c:v>0.480392156862745</c:v>
                 </c:pt>
                 <c:pt idx="2">
-                  <c:v>0.63235294117647</c:v>
+                  <c:v>0.63235294117647001</c:v>
                 </c:pt>
                 <c:pt idx="3">
-                  <c:v>0.686274509803921</c:v>
+                  <c:v>0.68627450980392102</c:v>
                 </c:pt>
                 <c:pt idx="4">
-                  <c:v>0.852941176470588</c:v>
+                  <c:v>0.85294117647058798</c:v>
                 </c:pt>
                 <c:pt idx="5">
-                  <c:v>0.764705882352941</c:v>
+                  <c:v>0.76470588235294101</c:v>
                 </c:pt>
                 <c:pt idx="6">
-                  <c:v>1.0</c:v>
+                  <c:v>1</c:v>
                 </c:pt>
                 <c:pt idx="7">
-                  <c:v>1.0</c:v>
+                  <c:v>1</c:v>
                 </c:pt>
               </c:numCache>
             </c:numRef>
           </c:val>
+          <c:extLst>
+            <c:ext xmlns:c16="http://schemas.microsoft.com/office/drawing/2014/chart" uri="{C3380CC4-5D6E-409C-BE32-E72D297353CC}">
+              <c16:uniqueId val="{00000000-3F1E-45A6-B655-AFB3555A1D32}"/>
+            </c:ext>
+          </c:extLst>
         </c:ser>
         <c:ser>
           <c:idx val="1"/>
@@ -11484,28 +11650,28 @@
                 <c:formatCode>General</c:formatCode>
                 <c:ptCount val="8"/>
                 <c:pt idx="0">
-                  <c:v>1.0</c:v>
+                  <c:v>1</c:v>
                 </c:pt>
                 <c:pt idx="1">
-                  <c:v>2.0</c:v>
+                  <c:v>2</c:v>
                 </c:pt>
                 <c:pt idx="2">
-                  <c:v>3.0</c:v>
+                  <c:v>3</c:v>
                 </c:pt>
                 <c:pt idx="3">
-                  <c:v>4.0</c:v>
+                  <c:v>4</c:v>
                 </c:pt>
                 <c:pt idx="4">
-                  <c:v>5.0</c:v>
+                  <c:v>5</c:v>
                 </c:pt>
                 <c:pt idx="5">
-                  <c:v>6.0</c:v>
+                  <c:v>6</c:v>
                 </c:pt>
                 <c:pt idx="6">
-                  <c:v>8.0</c:v>
+                  <c:v>8</c:v>
                 </c:pt>
                 <c:pt idx="7">
-                  <c:v>9.0</c:v>
+                  <c:v>9</c:v>
                 </c:pt>
               </c:numCache>
             </c:numRef>
@@ -11517,32 +11683,37 @@
                 <c:formatCode>General</c:formatCode>
                 <c:ptCount val="8"/>
                 <c:pt idx="0">
-                  <c:v>0.552631578947368</c:v>
+                  <c:v>0.55263157894736803</c:v>
                 </c:pt>
                 <c:pt idx="1">
-                  <c:v>0.473684210526316</c:v>
+                  <c:v>0.47368421052631599</c:v>
                 </c:pt>
                 <c:pt idx="2">
-                  <c:v>0.697368421052631</c:v>
+                  <c:v>0.69736842105263097</c:v>
                 </c:pt>
                 <c:pt idx="3">
-                  <c:v>0.631578947368421</c:v>
+                  <c:v>0.63157894736842102</c:v>
                 </c:pt>
                 <c:pt idx="4">
-                  <c:v>0.894736842105263</c:v>
+                  <c:v>0.89473684210526305</c:v>
                 </c:pt>
                 <c:pt idx="5">
-                  <c:v>0.842105263157895</c:v>
+                  <c:v>0.84210526315789502</c:v>
                 </c:pt>
                 <c:pt idx="6">
-                  <c:v>1.0</c:v>
+                  <c:v>1</c:v>
                 </c:pt>
                 <c:pt idx="7">
-                  <c:v>1.0</c:v>
+                  <c:v>1</c:v>
                 </c:pt>
               </c:numCache>
             </c:numRef>
           </c:val>
+          <c:extLst>
+            <c:ext xmlns:c16="http://schemas.microsoft.com/office/drawing/2014/chart" uri="{C3380CC4-5D6E-409C-BE32-E72D297353CC}">
+              <c16:uniqueId val="{00000001-3F1E-45A6-B655-AFB3555A1D32}"/>
+            </c:ext>
+          </c:extLst>
         </c:ser>
         <c:ser>
           <c:idx val="2"/>
@@ -11593,28 +11764,28 @@
                 <c:formatCode>General</c:formatCode>
                 <c:ptCount val="8"/>
                 <c:pt idx="0">
-                  <c:v>1.0</c:v>
+                  <c:v>1</c:v>
                 </c:pt>
                 <c:pt idx="1">
-                  <c:v>2.0</c:v>
+                  <c:v>2</c:v>
                 </c:pt>
                 <c:pt idx="2">
-                  <c:v>3.0</c:v>
+                  <c:v>3</c:v>
                 </c:pt>
                 <c:pt idx="3">
-                  <c:v>4.0</c:v>
+                  <c:v>4</c:v>
                 </c:pt>
                 <c:pt idx="4">
-                  <c:v>5.0</c:v>
+                  <c:v>5</c:v>
                 </c:pt>
                 <c:pt idx="5">
-                  <c:v>6.0</c:v>
+                  <c:v>6</c:v>
                 </c:pt>
                 <c:pt idx="6">
-                  <c:v>8.0</c:v>
+                  <c:v>8</c:v>
                 </c:pt>
                 <c:pt idx="7">
-                  <c:v>9.0</c:v>
+                  <c:v>9</c:v>
                 </c:pt>
               </c:numCache>
             </c:numRef>
@@ -11626,7 +11797,7 @@
                 <c:formatCode>General</c:formatCode>
                 <c:ptCount val="8"/>
                 <c:pt idx="0">
-                  <c:v>0.534722222222222</c:v>
+                  <c:v>0.53472222222222199</c:v>
                 </c:pt>
                 <c:pt idx="1">
                   <c:v>0.4375</c:v>
@@ -11635,23 +11806,28 @@
                   <c:v>0.65625</c:v>
                 </c:pt>
                 <c:pt idx="3">
-                  <c:v>0.652777777777778</c:v>
+                  <c:v>0.65277777777777801</c:v>
                 </c:pt>
                 <c:pt idx="4">
                   <c:v>0.875</c:v>
                 </c:pt>
                 <c:pt idx="5">
-                  <c:v>0.833333333333333</c:v>
+                  <c:v>0.83333333333333304</c:v>
                 </c:pt>
                 <c:pt idx="6">
-                  <c:v>1.0</c:v>
+                  <c:v>1</c:v>
                 </c:pt>
                 <c:pt idx="7">
-                  <c:v>0.958333333333333</c:v>
+                  <c:v>0.95833333333333304</c:v>
                 </c:pt>
               </c:numCache>
             </c:numRef>
           </c:val>
+          <c:extLst>
+            <c:ext xmlns:c16="http://schemas.microsoft.com/office/drawing/2014/chart" uri="{C3380CC4-5D6E-409C-BE32-E72D297353CC}">
+              <c16:uniqueId val="{00000002-3F1E-45A6-B655-AFB3555A1D32}"/>
+            </c:ext>
+          </c:extLst>
         </c:ser>
         <c:ser>
           <c:idx val="3"/>
@@ -11702,28 +11878,28 @@
                 <c:formatCode>General</c:formatCode>
                 <c:ptCount val="8"/>
                 <c:pt idx="0">
-                  <c:v>1.0</c:v>
+                  <c:v>1</c:v>
                 </c:pt>
                 <c:pt idx="1">
-                  <c:v>2.0</c:v>
+                  <c:v>2</c:v>
                 </c:pt>
                 <c:pt idx="2">
-                  <c:v>3.0</c:v>
+                  <c:v>3</c:v>
                 </c:pt>
                 <c:pt idx="3">
-                  <c:v>4.0</c:v>
+                  <c:v>4</c:v>
                 </c:pt>
                 <c:pt idx="4">
-                  <c:v>5.0</c:v>
+                  <c:v>5</c:v>
                 </c:pt>
                 <c:pt idx="5">
-                  <c:v>6.0</c:v>
+                  <c:v>6</c:v>
                 </c:pt>
                 <c:pt idx="6">
-                  <c:v>8.0</c:v>
+                  <c:v>8</c:v>
                 </c:pt>
                 <c:pt idx="7">
-                  <c:v>9.0</c:v>
+                  <c:v>9</c:v>
                 </c:pt>
               </c:numCache>
             </c:numRef>
@@ -11735,32 +11911,37 @@
                 <c:formatCode>General</c:formatCode>
                 <c:ptCount val="8"/>
                 <c:pt idx="0">
-                  <c:v>0.652173913043478</c:v>
+                  <c:v>0.65217391304347805</c:v>
                 </c:pt>
                 <c:pt idx="1">
-                  <c:v>0.608695652173913</c:v>
+                  <c:v>0.60869565217391297</c:v>
                 </c:pt>
                 <c:pt idx="2">
-                  <c:v>0.793478260869565</c:v>
+                  <c:v>0.79347826086956497</c:v>
                 </c:pt>
                 <c:pt idx="3">
-                  <c:v>0.768115942028985</c:v>
+                  <c:v>0.76811594202898503</c:v>
                 </c:pt>
                 <c:pt idx="4">
-                  <c:v>0.923913043478261</c:v>
+                  <c:v>0.92391304347826098</c:v>
                 </c:pt>
                 <c:pt idx="5">
-                  <c:v>0.913043478260869</c:v>
+                  <c:v>0.91304347826086896</c:v>
                 </c:pt>
                 <c:pt idx="6">
-                  <c:v>0.956521739130435</c:v>
+                  <c:v>0.95652173913043503</c:v>
                 </c:pt>
                 <c:pt idx="7">
-                  <c:v>1.0</c:v>
+                  <c:v>1</c:v>
                 </c:pt>
               </c:numCache>
             </c:numRef>
           </c:val>
+          <c:extLst>
+            <c:ext xmlns:c16="http://schemas.microsoft.com/office/drawing/2014/chart" uri="{C3380CC4-5D6E-409C-BE32-E72D297353CC}">
+              <c16:uniqueId val="{00000003-3F1E-45A6-B655-AFB3555A1D32}"/>
+            </c:ext>
+          </c:extLst>
         </c:ser>
         <c:ser>
           <c:idx val="4"/>
@@ -11811,28 +11992,28 @@
                 <c:formatCode>General</c:formatCode>
                 <c:ptCount val="8"/>
                 <c:pt idx="0">
-                  <c:v>1.0</c:v>
+                  <c:v>1</c:v>
                 </c:pt>
                 <c:pt idx="1">
-                  <c:v>2.0</c:v>
+                  <c:v>2</c:v>
                 </c:pt>
                 <c:pt idx="2">
-                  <c:v>3.0</c:v>
+                  <c:v>3</c:v>
                 </c:pt>
                 <c:pt idx="3">
-                  <c:v>4.0</c:v>
+                  <c:v>4</c:v>
                 </c:pt>
                 <c:pt idx="4">
-                  <c:v>5.0</c:v>
+                  <c:v>5</c:v>
                 </c:pt>
                 <c:pt idx="5">
-                  <c:v>6.0</c:v>
+                  <c:v>6</c:v>
                 </c:pt>
                 <c:pt idx="6">
-                  <c:v>8.0</c:v>
+                  <c:v>8</c:v>
                 </c:pt>
                 <c:pt idx="7">
-                  <c:v>9.0</c:v>
+                  <c:v>9</c:v>
                 </c:pt>
               </c:numCache>
             </c:numRef>
@@ -11844,32 +12025,37 @@
                 <c:formatCode>General</c:formatCode>
                 <c:ptCount val="8"/>
                 <c:pt idx="0">
-                  <c:v>0.508333333333333</c:v>
+                  <c:v>0.50833333333333297</c:v>
                 </c:pt>
                 <c:pt idx="1">
-                  <c:v>0.441666666666667</c:v>
+                  <c:v>0.44166666666666698</c:v>
                 </c:pt>
                 <c:pt idx="2">
                   <c:v>0.7</c:v>
                 </c:pt>
                 <c:pt idx="3">
-                  <c:v>0.716666666666667</c:v>
+                  <c:v>0.71666666666666701</c:v>
                 </c:pt>
                 <c:pt idx="4">
-                  <c:v>0.9875</c:v>
+                  <c:v>0.98750000000000004</c:v>
                 </c:pt>
                 <c:pt idx="5">
                   <c:v>0.95</c:v>
                 </c:pt>
                 <c:pt idx="6">
-                  <c:v>1.0</c:v>
+                  <c:v>1</c:v>
                 </c:pt>
                 <c:pt idx="7">
-                  <c:v>1.0</c:v>
+                  <c:v>1</c:v>
                 </c:pt>
               </c:numCache>
             </c:numRef>
           </c:val>
+          <c:extLst>
+            <c:ext xmlns:c16="http://schemas.microsoft.com/office/drawing/2014/chart" uri="{C3380CC4-5D6E-409C-BE32-E72D297353CC}">
+              <c16:uniqueId val="{00000004-3F1E-45A6-B655-AFB3555A1D32}"/>
+            </c:ext>
+          </c:extLst>
         </c:ser>
         <c:dLbls>
           <c:showLegendKey val="0"/>
@@ -11922,7 +12108,6 @@
               </a:p>
             </c:rich>
           </c:tx>
-          <c:layout/>
           <c:overlay val="0"/>
           <c:spPr>
             <a:noFill/>
@@ -12000,7 +12185,7 @@
         <c:axId val="1359510688"/>
         <c:scaling>
           <c:orientation val="minMax"/>
-          <c:max val="1.0"/>
+          <c:max val="1"/>
         </c:scaling>
         <c:delete val="0"/>
         <c:axPos val="l"/>
@@ -12038,18 +12223,17 @@
                   </a:defRPr>
                 </a:pPr>
                 <a:r>
-                  <a:rPr lang="en-US" dirty="0" smtClean="0"/>
+                  <a:rPr lang="en-US" dirty="0"/>
                   <a:t>CCEPTANCE</a:t>
                 </a:r>
                 <a:r>
-                  <a:rPr lang="en-US" baseline="0" dirty="0" smtClean="0"/>
+                  <a:rPr lang="en-US" baseline="0" dirty="0"/>
                   <a:t> RATE</a:t>
                 </a:r>
                 <a:endParaRPr lang="en-US" dirty="0"/>
               </a:p>
             </c:rich>
           </c:tx>
-          <c:layout/>
           <c:overlay val="0"/>
           <c:spPr>
             <a:noFill/>
@@ -12079,6 +12263,7 @@
             </a:p>
           </c:txPr>
         </c:title>
+        <c:numFmt formatCode="General" sourceLinked="1"/>
         <c:majorTickMark val="none"/>
         <c:minorTickMark val="none"/>
         <c:tickLblPos val="nextTo"/>
@@ -12123,7 +12308,6 @@
     </c:plotArea>
     <c:legend>
       <c:legendPos val="b"/>
-      <c:layout/>
       <c:overlay val="0"/>
       <c:spPr>
         <a:noFill/>
@@ -12181,7 +12365,7 @@
 </file>
 
 <file path=ppt/charts/chart8.xml><?xml version="1.0" encoding="utf-8"?>
-<c:chartSpace xmlns:c="http://schemas.openxmlformats.org/drawingml/2006/chart" xmlns:a="http://schemas.openxmlformats.org/drawingml/2006/main" xmlns:r="http://schemas.openxmlformats.org/officeDocument/2006/relationships">
+<c:chartSpace xmlns:c="http://schemas.openxmlformats.org/drawingml/2006/chart" xmlns:a="http://schemas.openxmlformats.org/drawingml/2006/main" xmlns:r="http://schemas.openxmlformats.org/officeDocument/2006/relationships" xmlns:c16r2="http://schemas.microsoft.com/office/drawing/2015/06/chart">
   <c:date1904 val="0"/>
   <c:lang val="en-US"/>
   <c:roundedCorners val="0"/>
@@ -12229,7 +12413,6 @@
           </a:p>
         </c:rich>
       </c:tx>
-      <c:layout/>
       <c:overlay val="0"/>
       <c:spPr>
         <a:noFill/>
@@ -12315,31 +12498,31 @@
                 <c:formatCode>General</c:formatCode>
                 <c:ptCount val="9"/>
                 <c:pt idx="0">
-                  <c:v>1.0</c:v>
+                  <c:v>1</c:v>
                 </c:pt>
                 <c:pt idx="1">
-                  <c:v>2.0</c:v>
+                  <c:v>2</c:v>
                 </c:pt>
                 <c:pt idx="2">
-                  <c:v>3.0</c:v>
+                  <c:v>3</c:v>
                 </c:pt>
                 <c:pt idx="3">
-                  <c:v>4.0</c:v>
+                  <c:v>4</c:v>
                 </c:pt>
                 <c:pt idx="4">
-                  <c:v>5.0</c:v>
+                  <c:v>5</c:v>
                 </c:pt>
                 <c:pt idx="5">
-                  <c:v>6.0</c:v>
+                  <c:v>6</c:v>
                 </c:pt>
                 <c:pt idx="6">
-                  <c:v>7.0</c:v>
+                  <c:v>7</c:v>
                 </c:pt>
                 <c:pt idx="7">
-                  <c:v>8.0</c:v>
+                  <c:v>8</c:v>
                 </c:pt>
                 <c:pt idx="8">
-                  <c:v>10.0</c:v>
+                  <c:v>10</c:v>
                 </c:pt>
               </c:numCache>
             </c:numRef>
@@ -12351,35 +12534,40 @@
                 <c:formatCode>General</c:formatCode>
                 <c:ptCount val="9"/>
                 <c:pt idx="0">
-                  <c:v>0.789915966386555</c:v>
+                  <c:v>0.78991596638655504</c:v>
                 </c:pt>
                 <c:pt idx="1">
-                  <c:v>0.756302521008403</c:v>
+                  <c:v>0.75630252100840301</c:v>
                 </c:pt>
                 <c:pt idx="2">
-                  <c:v>0.897058823529412</c:v>
+                  <c:v>0.89705882352941202</c:v>
                 </c:pt>
                 <c:pt idx="3">
-                  <c:v>0.882352941176471</c:v>
+                  <c:v>0.88235294117647101</c:v>
                 </c:pt>
                 <c:pt idx="4">
-                  <c:v>0.823529411764706</c:v>
+                  <c:v>0.82352941176470595</c:v>
                 </c:pt>
                 <c:pt idx="5">
                   <c:v>0.96078431372549</c:v>
                 </c:pt>
                 <c:pt idx="6">
-                  <c:v>1.0</c:v>
+                  <c:v>1</c:v>
                 </c:pt>
                 <c:pt idx="7">
-                  <c:v>1.0</c:v>
+                  <c:v>1</c:v>
                 </c:pt>
                 <c:pt idx="8">
-                  <c:v>1.0</c:v>
+                  <c:v>1</c:v>
                 </c:pt>
               </c:numCache>
             </c:numRef>
           </c:val>
+          <c:extLst>
+            <c:ext xmlns:c16="http://schemas.microsoft.com/office/drawing/2014/chart" uri="{C3380CC4-5D6E-409C-BE32-E72D297353CC}">
+              <c16:uniqueId val="{00000000-F99B-477F-8DB1-E6EA8A32E041}"/>
+            </c:ext>
+          </c:extLst>
         </c:ser>
         <c:ser>
           <c:idx val="1"/>
@@ -12430,31 +12618,31 @@
                 <c:formatCode>General</c:formatCode>
                 <c:ptCount val="9"/>
                 <c:pt idx="0">
-                  <c:v>1.0</c:v>
+                  <c:v>1</c:v>
                 </c:pt>
                 <c:pt idx="1">
-                  <c:v>2.0</c:v>
+                  <c:v>2</c:v>
                 </c:pt>
                 <c:pt idx="2">
-                  <c:v>3.0</c:v>
+                  <c:v>3</c:v>
                 </c:pt>
                 <c:pt idx="3">
-                  <c:v>4.0</c:v>
+                  <c:v>4</c:v>
                 </c:pt>
                 <c:pt idx="4">
-                  <c:v>5.0</c:v>
+                  <c:v>5</c:v>
                 </c:pt>
                 <c:pt idx="5">
-                  <c:v>6.0</c:v>
+                  <c:v>6</c:v>
                 </c:pt>
                 <c:pt idx="6">
-                  <c:v>7.0</c:v>
+                  <c:v>7</c:v>
                 </c:pt>
                 <c:pt idx="7">
-                  <c:v>8.0</c:v>
+                  <c:v>8</c:v>
                 </c:pt>
                 <c:pt idx="8">
-                  <c:v>10.0</c:v>
+                  <c:v>10</c:v>
                 </c:pt>
               </c:numCache>
             </c:numRef>
@@ -12466,35 +12654,40 @@
                 <c:formatCode>General</c:formatCode>
                 <c:ptCount val="9"/>
                 <c:pt idx="0">
-                  <c:v>0.684210526315789</c:v>
+                  <c:v>0.68421052631578905</c:v>
                 </c:pt>
                 <c:pt idx="1">
-                  <c:v>0.789473684210526</c:v>
+                  <c:v>0.78947368421052599</c:v>
                 </c:pt>
                 <c:pt idx="2">
-                  <c:v>0.789473684210526</c:v>
+                  <c:v>0.78947368421052599</c:v>
                 </c:pt>
                 <c:pt idx="3">
-                  <c:v>0.789473684210526</c:v>
+                  <c:v>0.78947368421052599</c:v>
                 </c:pt>
                 <c:pt idx="4">
-                  <c:v>0.842105263157895</c:v>
+                  <c:v>0.84210526315789502</c:v>
                 </c:pt>
                 <c:pt idx="5">
-                  <c:v>0.842105263157895</c:v>
+                  <c:v>0.84210526315789502</c:v>
                 </c:pt>
                 <c:pt idx="6">
-                  <c:v>0.894736842105263</c:v>
+                  <c:v>0.89473684210526305</c:v>
                 </c:pt>
                 <c:pt idx="7">
-                  <c:v>0.947368421052631</c:v>
+                  <c:v>0.94736842105263097</c:v>
                 </c:pt>
                 <c:pt idx="8">
-                  <c:v>0.947368421052631</c:v>
+                  <c:v>0.94736842105263097</c:v>
                 </c:pt>
               </c:numCache>
             </c:numRef>
           </c:val>
+          <c:extLst>
+            <c:ext xmlns:c16="http://schemas.microsoft.com/office/drawing/2014/chart" uri="{C3380CC4-5D6E-409C-BE32-E72D297353CC}">
+              <c16:uniqueId val="{00000001-F99B-477F-8DB1-E6EA8A32E041}"/>
+            </c:ext>
+          </c:extLst>
         </c:ser>
         <c:ser>
           <c:idx val="2"/>
@@ -12545,31 +12738,31 @@
                 <c:formatCode>General</c:formatCode>
                 <c:ptCount val="9"/>
                 <c:pt idx="0">
-                  <c:v>1.0</c:v>
+                  <c:v>1</c:v>
                 </c:pt>
                 <c:pt idx="1">
-                  <c:v>2.0</c:v>
+                  <c:v>2</c:v>
                 </c:pt>
                 <c:pt idx="2">
-                  <c:v>3.0</c:v>
+                  <c:v>3</c:v>
                 </c:pt>
                 <c:pt idx="3">
-                  <c:v>4.0</c:v>
+                  <c:v>4</c:v>
                 </c:pt>
                 <c:pt idx="4">
-                  <c:v>5.0</c:v>
+                  <c:v>5</c:v>
                 </c:pt>
                 <c:pt idx="5">
-                  <c:v>6.0</c:v>
+                  <c:v>6</c:v>
                 </c:pt>
                 <c:pt idx="6">
-                  <c:v>7.0</c:v>
+                  <c:v>7</c:v>
                 </c:pt>
                 <c:pt idx="7">
-                  <c:v>8.0</c:v>
+                  <c:v>8</c:v>
                 </c:pt>
                 <c:pt idx="8">
-                  <c:v>10.0</c:v>
+                  <c:v>10</c:v>
                 </c:pt>
               </c:numCache>
             </c:numRef>
@@ -12581,35 +12774,40 @@
                 <c:formatCode>General</c:formatCode>
                 <c:ptCount val="9"/>
                 <c:pt idx="0">
-                  <c:v>0.821428571428571</c:v>
+                  <c:v>0.82142857142857095</c:v>
                 </c:pt>
                 <c:pt idx="1">
-                  <c:v>0.916666666666667</c:v>
+                  <c:v>0.91666666666666696</c:v>
                 </c:pt>
                 <c:pt idx="2">
                   <c:v>0.875</c:v>
                 </c:pt>
                 <c:pt idx="3">
-                  <c:v>0.916666666666667</c:v>
+                  <c:v>0.91666666666666696</c:v>
                 </c:pt>
                 <c:pt idx="4">
-                  <c:v>0.958333333333333</c:v>
+                  <c:v>0.95833333333333304</c:v>
                 </c:pt>
                 <c:pt idx="5">
-                  <c:v>0.902777777777778</c:v>
+                  <c:v>0.90277777777777801</c:v>
                 </c:pt>
                 <c:pt idx="6">
-                  <c:v>0.958333333333333</c:v>
+                  <c:v>0.95833333333333304</c:v>
                 </c:pt>
                 <c:pt idx="7">
-                  <c:v>0.833333333333333</c:v>
+                  <c:v>0.83333333333333304</c:v>
                 </c:pt>
                 <c:pt idx="8">
-                  <c:v>1.0</c:v>
+                  <c:v>1</c:v>
                 </c:pt>
               </c:numCache>
             </c:numRef>
           </c:val>
+          <c:extLst>
+            <c:ext xmlns:c16="http://schemas.microsoft.com/office/drawing/2014/chart" uri="{C3380CC4-5D6E-409C-BE32-E72D297353CC}">
+              <c16:uniqueId val="{00000002-F99B-477F-8DB1-E6EA8A32E041}"/>
+            </c:ext>
+          </c:extLst>
         </c:ser>
         <c:ser>
           <c:idx val="3"/>
@@ -12660,31 +12858,31 @@
                 <c:formatCode>General</c:formatCode>
                 <c:ptCount val="9"/>
                 <c:pt idx="0">
-                  <c:v>1.0</c:v>
+                  <c:v>1</c:v>
                 </c:pt>
                 <c:pt idx="1">
-                  <c:v>2.0</c:v>
+                  <c:v>2</c:v>
                 </c:pt>
                 <c:pt idx="2">
-                  <c:v>3.0</c:v>
+                  <c:v>3</c:v>
                 </c:pt>
                 <c:pt idx="3">
-                  <c:v>4.0</c:v>
+                  <c:v>4</c:v>
                 </c:pt>
                 <c:pt idx="4">
-                  <c:v>5.0</c:v>
+                  <c:v>5</c:v>
                 </c:pt>
                 <c:pt idx="5">
-                  <c:v>6.0</c:v>
+                  <c:v>6</c:v>
                 </c:pt>
                 <c:pt idx="6">
-                  <c:v>7.0</c:v>
+                  <c:v>7</c:v>
                 </c:pt>
                 <c:pt idx="7">
-                  <c:v>8.0</c:v>
+                  <c:v>8</c:v>
                 </c:pt>
                 <c:pt idx="8">
-                  <c:v>10.0</c:v>
+                  <c:v>10</c:v>
                 </c:pt>
               </c:numCache>
             </c:numRef>
@@ -12696,35 +12894,40 @@
                 <c:formatCode>General</c:formatCode>
                 <c:ptCount val="9"/>
                 <c:pt idx="0">
-                  <c:v>0.782608695652174</c:v>
+                  <c:v>0.78260869565217395</c:v>
                 </c:pt>
                 <c:pt idx="1">
-                  <c:v>0.850931677018634</c:v>
+                  <c:v>0.85093167701863404</c:v>
                 </c:pt>
                 <c:pt idx="2">
-                  <c:v>0.83695652173913</c:v>
+                  <c:v>0.83695652173913004</c:v>
                 </c:pt>
                 <c:pt idx="3">
-                  <c:v>0.739130434782609</c:v>
+                  <c:v>0.73913043478260898</c:v>
                 </c:pt>
                 <c:pt idx="4">
-                  <c:v>0.869565217391304</c:v>
+                  <c:v>0.86956521739130399</c:v>
                 </c:pt>
                 <c:pt idx="5">
-                  <c:v>0.942028985507246</c:v>
+                  <c:v>0.94202898550724601</c:v>
                 </c:pt>
                 <c:pt idx="6">
-                  <c:v>0.956521739130435</c:v>
+                  <c:v>0.95652173913043503</c:v>
                 </c:pt>
                 <c:pt idx="7">
-                  <c:v>0.956521739130435</c:v>
+                  <c:v>0.95652173913043503</c:v>
                 </c:pt>
                 <c:pt idx="8">
-                  <c:v>0.913043478260869</c:v>
+                  <c:v>0.91304347826086896</c:v>
                 </c:pt>
               </c:numCache>
             </c:numRef>
           </c:val>
+          <c:extLst>
+            <c:ext xmlns:c16="http://schemas.microsoft.com/office/drawing/2014/chart" uri="{C3380CC4-5D6E-409C-BE32-E72D297353CC}">
+              <c16:uniqueId val="{00000003-F99B-477F-8DB1-E6EA8A32E041}"/>
+            </c:ext>
+          </c:extLst>
         </c:ser>
         <c:ser>
           <c:idx val="4"/>
@@ -12775,31 +12978,31 @@
                 <c:formatCode>General</c:formatCode>
                 <c:ptCount val="9"/>
                 <c:pt idx="0">
-                  <c:v>1.0</c:v>
+                  <c:v>1</c:v>
                 </c:pt>
                 <c:pt idx="1">
-                  <c:v>2.0</c:v>
+                  <c:v>2</c:v>
                 </c:pt>
                 <c:pt idx="2">
-                  <c:v>3.0</c:v>
+                  <c:v>3</c:v>
                 </c:pt>
                 <c:pt idx="3">
-                  <c:v>4.0</c:v>
+                  <c:v>4</c:v>
                 </c:pt>
                 <c:pt idx="4">
-                  <c:v>5.0</c:v>
+                  <c:v>5</c:v>
                 </c:pt>
                 <c:pt idx="5">
-                  <c:v>6.0</c:v>
+                  <c:v>6</c:v>
                 </c:pt>
                 <c:pt idx="6">
-                  <c:v>7.0</c:v>
+                  <c:v>7</c:v>
                 </c:pt>
                 <c:pt idx="7">
-                  <c:v>8.0</c:v>
+                  <c:v>8</c:v>
                 </c:pt>
                 <c:pt idx="8">
-                  <c:v>10.0</c:v>
+                  <c:v>10</c:v>
                 </c:pt>
               </c:numCache>
             </c:numRef>
@@ -12811,10 +13014,10 @@
                 <c:formatCode>General</c:formatCode>
                 <c:ptCount val="9"/>
                 <c:pt idx="0">
-                  <c:v>0.857142857142857</c:v>
+                  <c:v>0.85714285714285698</c:v>
                 </c:pt>
                 <c:pt idx="1">
-                  <c:v>0.907142857142857</c:v>
+                  <c:v>0.90714285714285703</c:v>
                 </c:pt>
                 <c:pt idx="2">
                   <c:v>0.9375</c:v>
@@ -12823,16 +13026,16 @@
                   <c:v>0.85</c:v>
                 </c:pt>
                 <c:pt idx="4">
-                  <c:v>1.0</c:v>
+                  <c:v>1</c:v>
                 </c:pt>
                 <c:pt idx="5">
-                  <c:v>1.0</c:v>
+                  <c:v>1</c:v>
                 </c:pt>
                 <c:pt idx="6">
-                  <c:v>1.0</c:v>
+                  <c:v>1</c:v>
                 </c:pt>
                 <c:pt idx="7">
-                  <c:v>1.0</c:v>
+                  <c:v>1</c:v>
                 </c:pt>
                 <c:pt idx="8">
                   <c:v>0.95</c:v>
@@ -12840,6 +13043,11 @@
               </c:numCache>
             </c:numRef>
           </c:val>
+          <c:extLst>
+            <c:ext xmlns:c16="http://schemas.microsoft.com/office/drawing/2014/chart" uri="{C3380CC4-5D6E-409C-BE32-E72D297353CC}">
+              <c16:uniqueId val="{00000004-F99B-477F-8DB1-E6EA8A32E041}"/>
+            </c:ext>
+          </c:extLst>
         </c:ser>
         <c:dLbls>
           <c:showLegendKey val="0"/>
@@ -12892,7 +13100,6 @@
               </a:p>
             </c:rich>
           </c:tx>
-          <c:layout/>
           <c:overlay val="0"/>
           <c:spPr>
             <a:noFill/>
@@ -12970,7 +13177,7 @@
         <c:axId val="1359406848"/>
         <c:scaling>
           <c:orientation val="minMax"/>
-          <c:max val="1.0"/>
+          <c:max val="1"/>
         </c:scaling>
         <c:delete val="0"/>
         <c:axPos val="l"/>
@@ -13023,7 +13230,6 @@
               </a:p>
             </c:rich>
           </c:tx>
-          <c:layout/>
           <c:overlay val="0"/>
           <c:spPr>
             <a:noFill/>
@@ -13053,6 +13259,7 @@
             </a:p>
           </c:txPr>
         </c:title>
+        <c:numFmt formatCode="General" sourceLinked="1"/>
         <c:majorTickMark val="none"/>
         <c:minorTickMark val="none"/>
         <c:tickLblPos val="nextTo"/>
@@ -13097,7 +13304,6 @@
     </c:plotArea>
     <c:legend>
       <c:legendPos val="b"/>
-      <c:layout/>
       <c:overlay val="0"/>
       <c:spPr>
         <a:noFill/>
@@ -13155,7 +13361,7 @@
 </file>
 
 <file path=ppt/charts/chart9.xml><?xml version="1.0" encoding="utf-8"?>
-<c:chartSpace xmlns:c="http://schemas.openxmlformats.org/drawingml/2006/chart" xmlns:a="http://schemas.openxmlformats.org/drawingml/2006/main" xmlns:r="http://schemas.openxmlformats.org/officeDocument/2006/relationships">
+<c:chartSpace xmlns:c="http://schemas.openxmlformats.org/drawingml/2006/chart" xmlns:a="http://schemas.openxmlformats.org/drawingml/2006/main" xmlns:r="http://schemas.openxmlformats.org/officeDocument/2006/relationships" xmlns:c16r2="http://schemas.microsoft.com/office/drawing/2015/06/chart">
   <c:date1904 val="0"/>
   <c:lang val="en-US"/>
   <c:roundedCorners val="0"/>
@@ -13231,7 +13437,6 @@
           </a:p>
         </c:rich>
       </c:tx>
-      <c:layout/>
       <c:overlay val="0"/>
       <c:spPr>
         <a:noFill/>
@@ -13317,32 +13522,37 @@
                 <c:formatCode>General</c:formatCode>
                 <c:ptCount val="8"/>
                 <c:pt idx="0">
-                  <c:v>0.176470588235294</c:v>
+                  <c:v>0.17647058823529399</c:v>
                 </c:pt>
                 <c:pt idx="1">
-                  <c:v>0.264705882352941</c:v>
+                  <c:v>0.26470588235294101</c:v>
                 </c:pt>
                 <c:pt idx="2">
                   <c:v>0.4</c:v>
                 </c:pt>
                 <c:pt idx="3">
-                  <c:v>0.482352941176471</c:v>
+                  <c:v>0.48235294117647098</c:v>
                 </c:pt>
                 <c:pt idx="4">
-                  <c:v>0.617647058823529</c:v>
+                  <c:v>0.61764705882352899</c:v>
                 </c:pt>
                 <c:pt idx="5">
-                  <c:v>0.470588235294118</c:v>
+                  <c:v>0.47058823529411797</c:v>
                 </c:pt>
                 <c:pt idx="6">
-                  <c:v>0.588235294117647</c:v>
+                  <c:v>0.58823529411764697</c:v>
                 </c:pt>
                 <c:pt idx="7">
-                  <c:v>0.529411764705882</c:v>
+                  <c:v>0.52941176470588203</c:v>
                 </c:pt>
               </c:numCache>
             </c:numRef>
           </c:val>
+          <c:extLst>
+            <c:ext xmlns:c16="http://schemas.microsoft.com/office/drawing/2014/chart" uri="{C3380CC4-5D6E-409C-BE32-E72D297353CC}">
+              <c16:uniqueId val="{00000000-6A7C-4642-A449-C128D367629B}"/>
+            </c:ext>
+          </c:extLst>
         </c:ser>
         <c:ser>
           <c:idx val="1"/>
@@ -13396,29 +13606,34 @@
                   <c:v>0.231578947368421</c:v>
                 </c:pt>
                 <c:pt idx="1">
-                  <c:v>0.289473684210526</c:v>
+                  <c:v>0.28947368421052599</c:v>
                 </c:pt>
                 <c:pt idx="2">
                   <c:v>0.452631578947368</c:v>
                 </c:pt>
                 <c:pt idx="3">
-                  <c:v>0.431578947368421</c:v>
+                  <c:v>0.43157894736842101</c:v>
                 </c:pt>
                 <c:pt idx="4">
-                  <c:v>0.736842105263158</c:v>
+                  <c:v>0.73684210526315796</c:v>
                 </c:pt>
                 <c:pt idx="5">
-                  <c:v>0.473684210526316</c:v>
+                  <c:v>0.47368421052631599</c:v>
                 </c:pt>
                 <c:pt idx="6">
-                  <c:v>0.684210526315789</c:v>
+                  <c:v>0.68421052631578905</c:v>
                 </c:pt>
                 <c:pt idx="7">
-                  <c:v>0.684210526315789</c:v>
+                  <c:v>0.68421052631578905</c:v>
                 </c:pt>
               </c:numCache>
             </c:numRef>
           </c:val>
+          <c:extLst>
+            <c:ext xmlns:c16="http://schemas.microsoft.com/office/drawing/2014/chart" uri="{C3380CC4-5D6E-409C-BE32-E72D297353CC}">
+              <c16:uniqueId val="{00000001-6A7C-4642-A449-C128D367629B}"/>
+            </c:ext>
+          </c:extLst>
         </c:ser>
         <c:ser>
           <c:idx val="2"/>
@@ -13469,25 +13684,25 @@
                 <c:formatCode>General</c:formatCode>
                 <c:ptCount val="8"/>
                 <c:pt idx="0">
-                  <c:v>0.291666666666667</c:v>
+                  <c:v>0.29166666666666702</c:v>
                 </c:pt>
                 <c:pt idx="1">
-                  <c:v>0.326388888888889</c:v>
+                  <c:v>0.32638888888888901</c:v>
                 </c:pt>
                 <c:pt idx="2">
-                  <c:v>0.575</c:v>
+                  <c:v>0.57499999999999996</c:v>
                 </c:pt>
                 <c:pt idx="3">
-                  <c:v>0.458333333333333</c:v>
+                  <c:v>0.45833333333333298</c:v>
                 </c:pt>
                 <c:pt idx="4">
-                  <c:v>0.666666666666667</c:v>
+                  <c:v>0.66666666666666696</c:v>
                 </c:pt>
                 <c:pt idx="5">
                   <c:v>0.625</c:v>
                 </c:pt>
                 <c:pt idx="6">
-                  <c:v>0.666666666666667</c:v>
+                  <c:v>0.66666666666666696</c:v>
                 </c:pt>
                 <c:pt idx="7">
                   <c:v>0.625</c:v>
@@ -13495,6 +13710,11 @@
               </c:numCache>
             </c:numRef>
           </c:val>
+          <c:extLst>
+            <c:ext xmlns:c16="http://schemas.microsoft.com/office/drawing/2014/chart" uri="{C3380CC4-5D6E-409C-BE32-E72D297353CC}">
+              <c16:uniqueId val="{00000002-6A7C-4642-A449-C128D367629B}"/>
+            </c:ext>
+          </c:extLst>
         </c:ser>
         <c:ser>
           <c:idx val="3"/>
@@ -13545,7 +13765,7 @@
                 <c:formatCode>General</c:formatCode>
                 <c:ptCount val="8"/>
                 <c:pt idx="0">
-                  <c:v>0.460869565217391</c:v>
+                  <c:v>0.46086956521739098</c:v>
                 </c:pt>
                 <c:pt idx="1">
                   <c:v>0.471014492753623</c:v>
@@ -13554,23 +13774,28 @@
                   <c:v>0.6</c:v>
                 </c:pt>
                 <c:pt idx="3">
-                  <c:v>0.582608695652174</c:v>
+                  <c:v>0.58260869565217399</c:v>
                 </c:pt>
                 <c:pt idx="4">
-                  <c:v>0.760869565217391</c:v>
+                  <c:v>0.76086956521739102</c:v>
                 </c:pt>
                 <c:pt idx="5">
                   <c:v>0.565217391304348</c:v>
                 </c:pt>
                 <c:pt idx="6">
-                  <c:v>0.695652173913043</c:v>
+                  <c:v>0.69565217391304301</c:v>
                 </c:pt>
                 <c:pt idx="7">
-                  <c:v>0.869565217391304</c:v>
+                  <c:v>0.86956521739130399</c:v>
                 </c:pt>
               </c:numCache>
             </c:numRef>
           </c:val>
+          <c:extLst>
+            <c:ext xmlns:c16="http://schemas.microsoft.com/office/drawing/2014/chart" uri="{C3380CC4-5D6E-409C-BE32-E72D297353CC}">
+              <c16:uniqueId val="{00000003-6A7C-4642-A449-C128D367629B}"/>
+            </c:ext>
+          </c:extLst>
         </c:ser>
         <c:ser>
           <c:idx val="4"/>
@@ -13633,7 +13858,7 @@
                   <c:v>0.51</c:v>
                 </c:pt>
                 <c:pt idx="4">
-                  <c:v>0.675</c:v>
+                  <c:v>0.67500000000000004</c:v>
                 </c:pt>
                 <c:pt idx="5">
                   <c:v>0.5</c:v>
@@ -13642,11 +13867,16 @@
                   <c:v>0.8</c:v>
                 </c:pt>
                 <c:pt idx="7">
-                  <c:v>0.55</c:v>
+                  <c:v>0.55000000000000004</c:v>
                 </c:pt>
               </c:numCache>
             </c:numRef>
           </c:val>
+          <c:extLst>
+            <c:ext xmlns:c16="http://schemas.microsoft.com/office/drawing/2014/chart" uri="{C3380CC4-5D6E-409C-BE32-E72D297353CC}">
+              <c16:uniqueId val="{00000004-6A7C-4642-A449-C128D367629B}"/>
+            </c:ext>
+          </c:extLst>
         </c:ser>
         <c:dLbls>
           <c:showLegendKey val="0"/>
@@ -13711,7 +13941,6 @@
               </a:p>
             </c:rich>
           </c:tx>
-          <c:layout/>
           <c:overlay val="0"/>
           <c:spPr>
             <a:noFill/>
@@ -13840,7 +14069,6 @@
               </a:p>
             </c:rich>
           </c:tx>
-          <c:layout/>
           <c:overlay val="0"/>
           <c:spPr>
             <a:noFill/>
@@ -13870,6 +14098,7 @@
             </a:p>
           </c:txPr>
         </c:title>
+        <c:numFmt formatCode="General" sourceLinked="1"/>
         <c:majorTickMark val="none"/>
         <c:minorTickMark val="none"/>
         <c:tickLblPos val="nextTo"/>
@@ -13914,7 +14143,6 @@
     </c:plotArea>
     <c:legend>
       <c:legendPos val="b"/>
-      <c:layout/>
       <c:overlay val="0"/>
       <c:spPr>
         <a:noFill/>
@@ -23761,7 +23989,7 @@
         <cdr:cNvPr id="3" name="Straight Connector 2">
           <a:extLst xmlns:a="http://schemas.openxmlformats.org/drawingml/2006/main">
             <a:ext uri="{FF2B5EF4-FFF2-40B4-BE49-F238E27FC236}">
-              <a16:creationId xmlns="" xmlns:a16="http://schemas.microsoft.com/office/drawing/2014/main" id="{F9788135-A0C2-44BA-9AB5-F364FDEB0915}"/>
+              <a16:creationId xmlns:a16="http://schemas.microsoft.com/office/drawing/2014/main" id="{F9788135-A0C2-44BA-9AB5-F364FDEB0915}"/>
             </a:ext>
           </a:extLst>
         </cdr:cNvPr>
@@ -23808,7 +24036,13 @@
     </cdr:to>
     <cdr:cxnSp macro="">
       <cdr:nvCxnSpPr>
-        <cdr:cNvPr id="3" name="Straight Connector 2"/>
+        <cdr:cNvPr id="3" name="Straight Connector 2">
+          <a:extLst xmlns:a="http://schemas.openxmlformats.org/drawingml/2006/main">
+            <a:ext uri="{FF2B5EF4-FFF2-40B4-BE49-F238E27FC236}">
+              <a16:creationId xmlns:a16="http://schemas.microsoft.com/office/drawing/2014/main" id="{BE693022-DFA2-4B9F-AEE4-3D433E5B49BA}"/>
+            </a:ext>
+          </a:extLst>
+        </cdr:cNvPr>
         <cdr:cNvCxnSpPr/>
       </cdr:nvCxnSpPr>
       <cdr:spPr>
@@ -23921,7 +24155,7 @@
           <a:p>
             <a:fld id="{DDB2C63F-F1EF-D148-8DAC-B2E032798CF4}" type="datetimeFigureOut">
               <a:rPr lang="en-US" smtClean="0"/>
-              <a:t>10/28/17</a:t>
+              <a:t>11/1/2017</a:t>
             </a:fld>
             <a:endParaRPr lang="en-US"/>
           </a:p>
@@ -24341,7 +24575,7 @@
           <p:cNvPr id="2" name="Title 1">
             <a:extLst>
               <a:ext uri="{FF2B5EF4-FFF2-40B4-BE49-F238E27FC236}">
-                <a16:creationId xmlns="" xmlns:a16="http://schemas.microsoft.com/office/drawing/2014/main" id="{A770637A-7F70-4788-A8DB-6F8A001AE731}"/>
+                <a16:creationId xmlns:a16="http://schemas.microsoft.com/office/drawing/2014/main" id="{A770637A-7F70-4788-A8DB-6F8A001AE731}"/>
               </a:ext>
             </a:extLst>
           </p:cNvPr>
@@ -24379,7 +24613,7 @@
           <p:cNvPr id="3" name="Subtitle 2">
             <a:extLst>
               <a:ext uri="{FF2B5EF4-FFF2-40B4-BE49-F238E27FC236}">
-                <a16:creationId xmlns="" xmlns:a16="http://schemas.microsoft.com/office/drawing/2014/main" id="{F9D5404F-EB55-4B5E-B9CE-AC2A0B6C47CB}"/>
+                <a16:creationId xmlns:a16="http://schemas.microsoft.com/office/drawing/2014/main" id="{F9D5404F-EB55-4B5E-B9CE-AC2A0B6C47CB}"/>
               </a:ext>
             </a:extLst>
           </p:cNvPr>
@@ -24450,7 +24684,7 @@
           <p:cNvPr id="4" name="Date Placeholder 3">
             <a:extLst>
               <a:ext uri="{FF2B5EF4-FFF2-40B4-BE49-F238E27FC236}">
-                <a16:creationId xmlns="" xmlns:a16="http://schemas.microsoft.com/office/drawing/2014/main" id="{7808CDBC-CAE1-487B-A4E5-3CB70D4EAEEB}"/>
+                <a16:creationId xmlns:a16="http://schemas.microsoft.com/office/drawing/2014/main" id="{7808CDBC-CAE1-487B-A4E5-3CB70D4EAEEB}"/>
               </a:ext>
             </a:extLst>
           </p:cNvPr>
@@ -24468,7 +24702,7 @@
           <a:p>
             <a:fld id="{96B0AB5A-E802-48CF-A5B9-FE8704AC6519}" type="datetimeFigureOut">
               <a:rPr lang="en-CA" smtClean="0"/>
-              <a:t>2017-10-28</a:t>
+              <a:t>01/11/2017</a:t>
             </a:fld>
             <a:endParaRPr lang="en-CA"/>
           </a:p>
@@ -24479,7 +24713,7 @@
           <p:cNvPr id="5" name="Footer Placeholder 4">
             <a:extLst>
               <a:ext uri="{FF2B5EF4-FFF2-40B4-BE49-F238E27FC236}">
-                <a16:creationId xmlns="" xmlns:a16="http://schemas.microsoft.com/office/drawing/2014/main" id="{50D5A8BB-D166-4343-997B-EF673CB40FAD}"/>
+                <a16:creationId xmlns:a16="http://schemas.microsoft.com/office/drawing/2014/main" id="{50D5A8BB-D166-4343-997B-EF673CB40FAD}"/>
               </a:ext>
             </a:extLst>
           </p:cNvPr>
@@ -24504,7 +24738,7 @@
           <p:cNvPr id="6" name="Slide Number Placeholder 5">
             <a:extLst>
               <a:ext uri="{FF2B5EF4-FFF2-40B4-BE49-F238E27FC236}">
-                <a16:creationId xmlns="" xmlns:a16="http://schemas.microsoft.com/office/drawing/2014/main" id="{6BC260DA-D757-4992-B138-BBE00B22D846}"/>
+                <a16:creationId xmlns:a16="http://schemas.microsoft.com/office/drawing/2014/main" id="{6BC260DA-D757-4992-B138-BBE00B22D846}"/>
               </a:ext>
             </a:extLst>
           </p:cNvPr>
@@ -24563,7 +24797,7 @@
           <p:cNvPr id="2" name="Title 1">
             <a:extLst>
               <a:ext uri="{FF2B5EF4-FFF2-40B4-BE49-F238E27FC236}">
-                <a16:creationId xmlns="" xmlns:a16="http://schemas.microsoft.com/office/drawing/2014/main" id="{68951A57-6E16-4A71-98CB-2307E282C3C2}"/>
+                <a16:creationId xmlns:a16="http://schemas.microsoft.com/office/drawing/2014/main" id="{68951A57-6E16-4A71-98CB-2307E282C3C2}"/>
               </a:ext>
             </a:extLst>
           </p:cNvPr>
@@ -24592,7 +24826,7 @@
           <p:cNvPr id="3" name="Vertical Text Placeholder 2">
             <a:extLst>
               <a:ext uri="{FF2B5EF4-FFF2-40B4-BE49-F238E27FC236}">
-                <a16:creationId xmlns="" xmlns:a16="http://schemas.microsoft.com/office/drawing/2014/main" id="{7F111875-20D3-450B-8A7D-100D7AD10DA2}"/>
+                <a16:creationId xmlns:a16="http://schemas.microsoft.com/office/drawing/2014/main" id="{7F111875-20D3-450B-8A7D-100D7AD10DA2}"/>
               </a:ext>
             </a:extLst>
           </p:cNvPr>
@@ -24650,7 +24884,7 @@
           <p:cNvPr id="4" name="Date Placeholder 3">
             <a:extLst>
               <a:ext uri="{FF2B5EF4-FFF2-40B4-BE49-F238E27FC236}">
-                <a16:creationId xmlns="" xmlns:a16="http://schemas.microsoft.com/office/drawing/2014/main" id="{98F3875F-0C83-48C3-8881-97B38467BFC0}"/>
+                <a16:creationId xmlns:a16="http://schemas.microsoft.com/office/drawing/2014/main" id="{98F3875F-0C83-48C3-8881-97B38467BFC0}"/>
               </a:ext>
             </a:extLst>
           </p:cNvPr>
@@ -24668,7 +24902,7 @@
           <a:p>
             <a:fld id="{96B0AB5A-E802-48CF-A5B9-FE8704AC6519}" type="datetimeFigureOut">
               <a:rPr lang="en-CA" smtClean="0"/>
-              <a:t>2017-10-28</a:t>
+              <a:t>01/11/2017</a:t>
             </a:fld>
             <a:endParaRPr lang="en-CA"/>
           </a:p>
@@ -24679,7 +24913,7 @@
           <p:cNvPr id="5" name="Footer Placeholder 4">
             <a:extLst>
               <a:ext uri="{FF2B5EF4-FFF2-40B4-BE49-F238E27FC236}">
-                <a16:creationId xmlns="" xmlns:a16="http://schemas.microsoft.com/office/drawing/2014/main" id="{F2640ABB-0B39-4E48-B67F-13EB2E5E88B0}"/>
+                <a16:creationId xmlns:a16="http://schemas.microsoft.com/office/drawing/2014/main" id="{F2640ABB-0B39-4E48-B67F-13EB2E5E88B0}"/>
               </a:ext>
             </a:extLst>
           </p:cNvPr>
@@ -24704,7 +24938,7 @@
           <p:cNvPr id="6" name="Slide Number Placeholder 5">
             <a:extLst>
               <a:ext uri="{FF2B5EF4-FFF2-40B4-BE49-F238E27FC236}">
-                <a16:creationId xmlns="" xmlns:a16="http://schemas.microsoft.com/office/drawing/2014/main" id="{D54C0341-9536-4979-9F6E-429B5834248C}"/>
+                <a16:creationId xmlns:a16="http://schemas.microsoft.com/office/drawing/2014/main" id="{D54C0341-9536-4979-9F6E-429B5834248C}"/>
               </a:ext>
             </a:extLst>
           </p:cNvPr>
@@ -24763,7 +24997,7 @@
           <p:cNvPr id="2" name="Vertical Title 1">
             <a:extLst>
               <a:ext uri="{FF2B5EF4-FFF2-40B4-BE49-F238E27FC236}">
-                <a16:creationId xmlns="" xmlns:a16="http://schemas.microsoft.com/office/drawing/2014/main" id="{20D0E6FE-C5AB-4578-BB2A-E718F0F3D4BA}"/>
+                <a16:creationId xmlns:a16="http://schemas.microsoft.com/office/drawing/2014/main" id="{20D0E6FE-C5AB-4578-BB2A-E718F0F3D4BA}"/>
               </a:ext>
             </a:extLst>
           </p:cNvPr>
@@ -24797,7 +25031,7 @@
           <p:cNvPr id="3" name="Vertical Text Placeholder 2">
             <a:extLst>
               <a:ext uri="{FF2B5EF4-FFF2-40B4-BE49-F238E27FC236}">
-                <a16:creationId xmlns="" xmlns:a16="http://schemas.microsoft.com/office/drawing/2014/main" id="{4D9442B6-6798-4E3F-BC43-D487421D33ED}"/>
+                <a16:creationId xmlns:a16="http://schemas.microsoft.com/office/drawing/2014/main" id="{4D9442B6-6798-4E3F-BC43-D487421D33ED}"/>
               </a:ext>
             </a:extLst>
           </p:cNvPr>
@@ -24860,7 +25094,7 @@
           <p:cNvPr id="4" name="Date Placeholder 3">
             <a:extLst>
               <a:ext uri="{FF2B5EF4-FFF2-40B4-BE49-F238E27FC236}">
-                <a16:creationId xmlns="" xmlns:a16="http://schemas.microsoft.com/office/drawing/2014/main" id="{D8E8FDF4-0673-47D2-AEF1-4ECE10E40BDA}"/>
+                <a16:creationId xmlns:a16="http://schemas.microsoft.com/office/drawing/2014/main" id="{D8E8FDF4-0673-47D2-AEF1-4ECE10E40BDA}"/>
               </a:ext>
             </a:extLst>
           </p:cNvPr>
@@ -24878,7 +25112,7 @@
           <a:p>
             <a:fld id="{96B0AB5A-E802-48CF-A5B9-FE8704AC6519}" type="datetimeFigureOut">
               <a:rPr lang="en-CA" smtClean="0"/>
-              <a:t>2017-10-28</a:t>
+              <a:t>01/11/2017</a:t>
             </a:fld>
             <a:endParaRPr lang="en-CA"/>
           </a:p>
@@ -24889,7 +25123,7 @@
           <p:cNvPr id="5" name="Footer Placeholder 4">
             <a:extLst>
               <a:ext uri="{FF2B5EF4-FFF2-40B4-BE49-F238E27FC236}">
-                <a16:creationId xmlns="" xmlns:a16="http://schemas.microsoft.com/office/drawing/2014/main" id="{E953779D-E55D-4C51-B09C-5B7930947D6C}"/>
+                <a16:creationId xmlns:a16="http://schemas.microsoft.com/office/drawing/2014/main" id="{E953779D-E55D-4C51-B09C-5B7930947D6C}"/>
               </a:ext>
             </a:extLst>
           </p:cNvPr>
@@ -24914,7 +25148,7 @@
           <p:cNvPr id="6" name="Slide Number Placeholder 5">
             <a:extLst>
               <a:ext uri="{FF2B5EF4-FFF2-40B4-BE49-F238E27FC236}">
-                <a16:creationId xmlns="" xmlns:a16="http://schemas.microsoft.com/office/drawing/2014/main" id="{28E9A841-3B09-42DC-8684-FE1A19B9552A}"/>
+                <a16:creationId xmlns:a16="http://schemas.microsoft.com/office/drawing/2014/main" id="{28E9A841-3B09-42DC-8684-FE1A19B9552A}"/>
               </a:ext>
             </a:extLst>
           </p:cNvPr>
@@ -24973,7 +25207,7 @@
           <p:cNvPr id="2" name="Title 1">
             <a:extLst>
               <a:ext uri="{FF2B5EF4-FFF2-40B4-BE49-F238E27FC236}">
-                <a16:creationId xmlns="" xmlns:a16="http://schemas.microsoft.com/office/drawing/2014/main" id="{1C2B00DB-F0DF-4138-ABCE-C402834F38C7}"/>
+                <a16:creationId xmlns:a16="http://schemas.microsoft.com/office/drawing/2014/main" id="{1C2B00DB-F0DF-4138-ABCE-C402834F38C7}"/>
               </a:ext>
             </a:extLst>
           </p:cNvPr>
@@ -25002,7 +25236,7 @@
           <p:cNvPr id="3" name="Content Placeholder 2">
             <a:extLst>
               <a:ext uri="{FF2B5EF4-FFF2-40B4-BE49-F238E27FC236}">
-                <a16:creationId xmlns="" xmlns:a16="http://schemas.microsoft.com/office/drawing/2014/main" id="{C393E18F-528D-46DF-8DCA-5674757975BF}"/>
+                <a16:creationId xmlns:a16="http://schemas.microsoft.com/office/drawing/2014/main" id="{C393E18F-528D-46DF-8DCA-5674757975BF}"/>
               </a:ext>
             </a:extLst>
           </p:cNvPr>
@@ -25060,7 +25294,7 @@
           <p:cNvPr id="4" name="Date Placeholder 3">
             <a:extLst>
               <a:ext uri="{FF2B5EF4-FFF2-40B4-BE49-F238E27FC236}">
-                <a16:creationId xmlns="" xmlns:a16="http://schemas.microsoft.com/office/drawing/2014/main" id="{AE5FACCA-E424-4C6C-B376-B62146CE191B}"/>
+                <a16:creationId xmlns:a16="http://schemas.microsoft.com/office/drawing/2014/main" id="{AE5FACCA-E424-4C6C-B376-B62146CE191B}"/>
               </a:ext>
             </a:extLst>
           </p:cNvPr>
@@ -25078,7 +25312,7 @@
           <a:p>
             <a:fld id="{96B0AB5A-E802-48CF-A5B9-FE8704AC6519}" type="datetimeFigureOut">
               <a:rPr lang="en-CA" smtClean="0"/>
-              <a:t>2017-10-28</a:t>
+              <a:t>01/11/2017</a:t>
             </a:fld>
             <a:endParaRPr lang="en-CA"/>
           </a:p>
@@ -25089,7 +25323,7 @@
           <p:cNvPr id="5" name="Footer Placeholder 4">
             <a:extLst>
               <a:ext uri="{FF2B5EF4-FFF2-40B4-BE49-F238E27FC236}">
-                <a16:creationId xmlns="" xmlns:a16="http://schemas.microsoft.com/office/drawing/2014/main" id="{E88A8849-1252-418B-86C9-3FB1D770E4C1}"/>
+                <a16:creationId xmlns:a16="http://schemas.microsoft.com/office/drawing/2014/main" id="{E88A8849-1252-418B-86C9-3FB1D770E4C1}"/>
               </a:ext>
             </a:extLst>
           </p:cNvPr>
@@ -25114,7 +25348,7 @@
           <p:cNvPr id="6" name="Slide Number Placeholder 5">
             <a:extLst>
               <a:ext uri="{FF2B5EF4-FFF2-40B4-BE49-F238E27FC236}">
-                <a16:creationId xmlns="" xmlns:a16="http://schemas.microsoft.com/office/drawing/2014/main" id="{2213DBDE-BBC2-4EE9-AA49-CBE1CA9AF8E1}"/>
+                <a16:creationId xmlns:a16="http://schemas.microsoft.com/office/drawing/2014/main" id="{2213DBDE-BBC2-4EE9-AA49-CBE1CA9AF8E1}"/>
               </a:ext>
             </a:extLst>
           </p:cNvPr>
@@ -25173,7 +25407,7 @@
           <p:cNvPr id="2" name="Title 1">
             <a:extLst>
               <a:ext uri="{FF2B5EF4-FFF2-40B4-BE49-F238E27FC236}">
-                <a16:creationId xmlns="" xmlns:a16="http://schemas.microsoft.com/office/drawing/2014/main" id="{32D6B6B8-2C76-441A-90C7-2648223BB744}"/>
+                <a16:creationId xmlns:a16="http://schemas.microsoft.com/office/drawing/2014/main" id="{32D6B6B8-2C76-441A-90C7-2648223BB744}"/>
               </a:ext>
             </a:extLst>
           </p:cNvPr>
@@ -25211,7 +25445,7 @@
           <p:cNvPr id="3" name="Text Placeholder 2">
             <a:extLst>
               <a:ext uri="{FF2B5EF4-FFF2-40B4-BE49-F238E27FC236}">
-                <a16:creationId xmlns="" xmlns:a16="http://schemas.microsoft.com/office/drawing/2014/main" id="{B4FD13C0-2671-4F5B-BC76-3285DF8F0D0A}"/>
+                <a16:creationId xmlns:a16="http://schemas.microsoft.com/office/drawing/2014/main" id="{B4FD13C0-2671-4F5B-BC76-3285DF8F0D0A}"/>
               </a:ext>
             </a:extLst>
           </p:cNvPr>
@@ -25336,7 +25570,7 @@
           <p:cNvPr id="4" name="Date Placeholder 3">
             <a:extLst>
               <a:ext uri="{FF2B5EF4-FFF2-40B4-BE49-F238E27FC236}">
-                <a16:creationId xmlns="" xmlns:a16="http://schemas.microsoft.com/office/drawing/2014/main" id="{15FAF587-BBF7-4795-A539-160E1CBB4D0C}"/>
+                <a16:creationId xmlns:a16="http://schemas.microsoft.com/office/drawing/2014/main" id="{15FAF587-BBF7-4795-A539-160E1CBB4D0C}"/>
               </a:ext>
             </a:extLst>
           </p:cNvPr>
@@ -25354,7 +25588,7 @@
           <a:p>
             <a:fld id="{96B0AB5A-E802-48CF-A5B9-FE8704AC6519}" type="datetimeFigureOut">
               <a:rPr lang="en-CA" smtClean="0"/>
-              <a:t>2017-10-28</a:t>
+              <a:t>01/11/2017</a:t>
             </a:fld>
             <a:endParaRPr lang="en-CA"/>
           </a:p>
@@ -25365,7 +25599,7 @@
           <p:cNvPr id="5" name="Footer Placeholder 4">
             <a:extLst>
               <a:ext uri="{FF2B5EF4-FFF2-40B4-BE49-F238E27FC236}">
-                <a16:creationId xmlns="" xmlns:a16="http://schemas.microsoft.com/office/drawing/2014/main" id="{A43711F6-2BA4-43F7-ADE4-F55606E83807}"/>
+                <a16:creationId xmlns:a16="http://schemas.microsoft.com/office/drawing/2014/main" id="{A43711F6-2BA4-43F7-ADE4-F55606E83807}"/>
               </a:ext>
             </a:extLst>
           </p:cNvPr>
@@ -25390,7 +25624,7 @@
           <p:cNvPr id="6" name="Slide Number Placeholder 5">
             <a:extLst>
               <a:ext uri="{FF2B5EF4-FFF2-40B4-BE49-F238E27FC236}">
-                <a16:creationId xmlns="" xmlns:a16="http://schemas.microsoft.com/office/drawing/2014/main" id="{A0814A98-C0EE-4830-9E95-AB51A3D46328}"/>
+                <a16:creationId xmlns:a16="http://schemas.microsoft.com/office/drawing/2014/main" id="{A0814A98-C0EE-4830-9E95-AB51A3D46328}"/>
               </a:ext>
             </a:extLst>
           </p:cNvPr>
@@ -25449,7 +25683,7 @@
           <p:cNvPr id="2" name="Title 1">
             <a:extLst>
               <a:ext uri="{FF2B5EF4-FFF2-40B4-BE49-F238E27FC236}">
-                <a16:creationId xmlns="" xmlns:a16="http://schemas.microsoft.com/office/drawing/2014/main" id="{0F190E3E-504C-44BD-9375-90382E6A4B2D}"/>
+                <a16:creationId xmlns:a16="http://schemas.microsoft.com/office/drawing/2014/main" id="{0F190E3E-504C-44BD-9375-90382E6A4B2D}"/>
               </a:ext>
             </a:extLst>
           </p:cNvPr>
@@ -25478,7 +25712,7 @@
           <p:cNvPr id="3" name="Content Placeholder 2">
             <a:extLst>
               <a:ext uri="{FF2B5EF4-FFF2-40B4-BE49-F238E27FC236}">
-                <a16:creationId xmlns="" xmlns:a16="http://schemas.microsoft.com/office/drawing/2014/main" id="{F6CAE47C-1CB8-4A76-9E77-960D3E128C25}"/>
+                <a16:creationId xmlns:a16="http://schemas.microsoft.com/office/drawing/2014/main" id="{F6CAE47C-1CB8-4A76-9E77-960D3E128C25}"/>
               </a:ext>
             </a:extLst>
           </p:cNvPr>
@@ -25541,7 +25775,7 @@
           <p:cNvPr id="4" name="Content Placeholder 3">
             <a:extLst>
               <a:ext uri="{FF2B5EF4-FFF2-40B4-BE49-F238E27FC236}">
-                <a16:creationId xmlns="" xmlns:a16="http://schemas.microsoft.com/office/drawing/2014/main" id="{7020F4A4-A6BF-47E5-92FC-8201B6593F83}"/>
+                <a16:creationId xmlns:a16="http://schemas.microsoft.com/office/drawing/2014/main" id="{7020F4A4-A6BF-47E5-92FC-8201B6593F83}"/>
               </a:ext>
             </a:extLst>
           </p:cNvPr>
@@ -25604,7 +25838,7 @@
           <p:cNvPr id="5" name="Date Placeholder 4">
             <a:extLst>
               <a:ext uri="{FF2B5EF4-FFF2-40B4-BE49-F238E27FC236}">
-                <a16:creationId xmlns="" xmlns:a16="http://schemas.microsoft.com/office/drawing/2014/main" id="{1AA361B5-9AA3-4229-8D44-CEB57C12ED73}"/>
+                <a16:creationId xmlns:a16="http://schemas.microsoft.com/office/drawing/2014/main" id="{1AA361B5-9AA3-4229-8D44-CEB57C12ED73}"/>
               </a:ext>
             </a:extLst>
           </p:cNvPr>
@@ -25622,7 +25856,7 @@
           <a:p>
             <a:fld id="{96B0AB5A-E802-48CF-A5B9-FE8704AC6519}" type="datetimeFigureOut">
               <a:rPr lang="en-CA" smtClean="0"/>
-              <a:t>2017-10-28</a:t>
+              <a:t>01/11/2017</a:t>
             </a:fld>
             <a:endParaRPr lang="en-CA"/>
           </a:p>
@@ -25633,7 +25867,7 @@
           <p:cNvPr id="6" name="Footer Placeholder 5">
             <a:extLst>
               <a:ext uri="{FF2B5EF4-FFF2-40B4-BE49-F238E27FC236}">
-                <a16:creationId xmlns="" xmlns:a16="http://schemas.microsoft.com/office/drawing/2014/main" id="{8AAA7D8C-2AFC-4C12-92A2-9D98EF3FC76A}"/>
+                <a16:creationId xmlns:a16="http://schemas.microsoft.com/office/drawing/2014/main" id="{8AAA7D8C-2AFC-4C12-92A2-9D98EF3FC76A}"/>
               </a:ext>
             </a:extLst>
           </p:cNvPr>
@@ -25658,7 +25892,7 @@
           <p:cNvPr id="7" name="Slide Number Placeholder 6">
             <a:extLst>
               <a:ext uri="{FF2B5EF4-FFF2-40B4-BE49-F238E27FC236}">
-                <a16:creationId xmlns="" xmlns:a16="http://schemas.microsoft.com/office/drawing/2014/main" id="{33FD714B-B89C-43C1-A417-A6A05C50FDD6}"/>
+                <a16:creationId xmlns:a16="http://schemas.microsoft.com/office/drawing/2014/main" id="{33FD714B-B89C-43C1-A417-A6A05C50FDD6}"/>
               </a:ext>
             </a:extLst>
           </p:cNvPr>
@@ -25717,7 +25951,7 @@
           <p:cNvPr id="2" name="Title 1">
             <a:extLst>
               <a:ext uri="{FF2B5EF4-FFF2-40B4-BE49-F238E27FC236}">
-                <a16:creationId xmlns="" xmlns:a16="http://schemas.microsoft.com/office/drawing/2014/main" id="{B0D13C32-3583-406D-BB55-24C24E430751}"/>
+                <a16:creationId xmlns:a16="http://schemas.microsoft.com/office/drawing/2014/main" id="{B0D13C32-3583-406D-BB55-24C24E430751}"/>
               </a:ext>
             </a:extLst>
           </p:cNvPr>
@@ -25751,7 +25985,7 @@
           <p:cNvPr id="3" name="Text Placeholder 2">
             <a:extLst>
               <a:ext uri="{FF2B5EF4-FFF2-40B4-BE49-F238E27FC236}">
-                <a16:creationId xmlns="" xmlns:a16="http://schemas.microsoft.com/office/drawing/2014/main" id="{B918888A-2B6D-46A5-AE6E-A1FF449737AB}"/>
+                <a16:creationId xmlns:a16="http://schemas.microsoft.com/office/drawing/2014/main" id="{B918888A-2B6D-46A5-AE6E-A1FF449737AB}"/>
               </a:ext>
             </a:extLst>
           </p:cNvPr>
@@ -25822,7 +26056,7 @@
           <p:cNvPr id="4" name="Content Placeholder 3">
             <a:extLst>
               <a:ext uri="{FF2B5EF4-FFF2-40B4-BE49-F238E27FC236}">
-                <a16:creationId xmlns="" xmlns:a16="http://schemas.microsoft.com/office/drawing/2014/main" id="{8376B253-61D6-4CF9-B63B-20481633C4B7}"/>
+                <a16:creationId xmlns:a16="http://schemas.microsoft.com/office/drawing/2014/main" id="{8376B253-61D6-4CF9-B63B-20481633C4B7}"/>
               </a:ext>
             </a:extLst>
           </p:cNvPr>
@@ -25885,7 +26119,7 @@
           <p:cNvPr id="5" name="Text Placeholder 4">
             <a:extLst>
               <a:ext uri="{FF2B5EF4-FFF2-40B4-BE49-F238E27FC236}">
-                <a16:creationId xmlns="" xmlns:a16="http://schemas.microsoft.com/office/drawing/2014/main" id="{382753D1-7E4F-4976-AE02-B8CA399556CE}"/>
+                <a16:creationId xmlns:a16="http://schemas.microsoft.com/office/drawing/2014/main" id="{382753D1-7E4F-4976-AE02-B8CA399556CE}"/>
               </a:ext>
             </a:extLst>
           </p:cNvPr>
@@ -25956,7 +26190,7 @@
           <p:cNvPr id="6" name="Content Placeholder 5">
             <a:extLst>
               <a:ext uri="{FF2B5EF4-FFF2-40B4-BE49-F238E27FC236}">
-                <a16:creationId xmlns="" xmlns:a16="http://schemas.microsoft.com/office/drawing/2014/main" id="{4C468A93-F5B5-49E9-B836-9872129CC484}"/>
+                <a16:creationId xmlns:a16="http://schemas.microsoft.com/office/drawing/2014/main" id="{4C468A93-F5B5-49E9-B836-9872129CC484}"/>
               </a:ext>
             </a:extLst>
           </p:cNvPr>
@@ -26019,7 +26253,7 @@
           <p:cNvPr id="7" name="Date Placeholder 6">
             <a:extLst>
               <a:ext uri="{FF2B5EF4-FFF2-40B4-BE49-F238E27FC236}">
-                <a16:creationId xmlns="" xmlns:a16="http://schemas.microsoft.com/office/drawing/2014/main" id="{695DD8CB-5889-49EA-9BAD-528818612ABE}"/>
+                <a16:creationId xmlns:a16="http://schemas.microsoft.com/office/drawing/2014/main" id="{695DD8CB-5889-49EA-9BAD-528818612ABE}"/>
               </a:ext>
             </a:extLst>
           </p:cNvPr>
@@ -26037,7 +26271,7 @@
           <a:p>
             <a:fld id="{96B0AB5A-E802-48CF-A5B9-FE8704AC6519}" type="datetimeFigureOut">
               <a:rPr lang="en-CA" smtClean="0"/>
-              <a:t>2017-10-28</a:t>
+              <a:t>01/11/2017</a:t>
             </a:fld>
             <a:endParaRPr lang="en-CA"/>
           </a:p>
@@ -26048,7 +26282,7 @@
           <p:cNvPr id="8" name="Footer Placeholder 7">
             <a:extLst>
               <a:ext uri="{FF2B5EF4-FFF2-40B4-BE49-F238E27FC236}">
-                <a16:creationId xmlns="" xmlns:a16="http://schemas.microsoft.com/office/drawing/2014/main" id="{8501B846-1316-4807-8A54-DA3AC47AD72F}"/>
+                <a16:creationId xmlns:a16="http://schemas.microsoft.com/office/drawing/2014/main" id="{8501B846-1316-4807-8A54-DA3AC47AD72F}"/>
               </a:ext>
             </a:extLst>
           </p:cNvPr>
@@ -26073,7 +26307,7 @@
           <p:cNvPr id="9" name="Slide Number Placeholder 8">
             <a:extLst>
               <a:ext uri="{FF2B5EF4-FFF2-40B4-BE49-F238E27FC236}">
-                <a16:creationId xmlns="" xmlns:a16="http://schemas.microsoft.com/office/drawing/2014/main" id="{689B354F-D580-4F3A-AB73-5BC965F2B569}"/>
+                <a16:creationId xmlns:a16="http://schemas.microsoft.com/office/drawing/2014/main" id="{689B354F-D580-4F3A-AB73-5BC965F2B569}"/>
               </a:ext>
             </a:extLst>
           </p:cNvPr>
@@ -26132,7 +26366,7 @@
           <p:cNvPr id="2" name="Title 1">
             <a:extLst>
               <a:ext uri="{FF2B5EF4-FFF2-40B4-BE49-F238E27FC236}">
-                <a16:creationId xmlns="" xmlns:a16="http://schemas.microsoft.com/office/drawing/2014/main" id="{79DDE365-D52A-428F-AB9F-8CF9AC3D43A2}"/>
+                <a16:creationId xmlns:a16="http://schemas.microsoft.com/office/drawing/2014/main" id="{79DDE365-D52A-428F-AB9F-8CF9AC3D43A2}"/>
               </a:ext>
             </a:extLst>
           </p:cNvPr>
@@ -26161,7 +26395,7 @@
           <p:cNvPr id="3" name="Date Placeholder 2">
             <a:extLst>
               <a:ext uri="{FF2B5EF4-FFF2-40B4-BE49-F238E27FC236}">
-                <a16:creationId xmlns="" xmlns:a16="http://schemas.microsoft.com/office/drawing/2014/main" id="{1B902405-9BC8-4DCF-89BD-1C3021158836}"/>
+                <a16:creationId xmlns:a16="http://schemas.microsoft.com/office/drawing/2014/main" id="{1B902405-9BC8-4DCF-89BD-1C3021158836}"/>
               </a:ext>
             </a:extLst>
           </p:cNvPr>
@@ -26179,7 +26413,7 @@
           <a:p>
             <a:fld id="{96B0AB5A-E802-48CF-A5B9-FE8704AC6519}" type="datetimeFigureOut">
               <a:rPr lang="en-CA" smtClean="0"/>
-              <a:t>2017-10-28</a:t>
+              <a:t>01/11/2017</a:t>
             </a:fld>
             <a:endParaRPr lang="en-CA"/>
           </a:p>
@@ -26190,7 +26424,7 @@
           <p:cNvPr id="4" name="Footer Placeholder 3">
             <a:extLst>
               <a:ext uri="{FF2B5EF4-FFF2-40B4-BE49-F238E27FC236}">
-                <a16:creationId xmlns="" xmlns:a16="http://schemas.microsoft.com/office/drawing/2014/main" id="{5741E3B3-AB1D-4FEA-A844-6DD4E7C45709}"/>
+                <a16:creationId xmlns:a16="http://schemas.microsoft.com/office/drawing/2014/main" id="{5741E3B3-AB1D-4FEA-A844-6DD4E7C45709}"/>
               </a:ext>
             </a:extLst>
           </p:cNvPr>
@@ -26215,7 +26449,7 @@
           <p:cNvPr id="5" name="Slide Number Placeholder 4">
             <a:extLst>
               <a:ext uri="{FF2B5EF4-FFF2-40B4-BE49-F238E27FC236}">
-                <a16:creationId xmlns="" xmlns:a16="http://schemas.microsoft.com/office/drawing/2014/main" id="{449737C3-89A9-4077-A0AE-16155EBF7C96}"/>
+                <a16:creationId xmlns:a16="http://schemas.microsoft.com/office/drawing/2014/main" id="{449737C3-89A9-4077-A0AE-16155EBF7C96}"/>
               </a:ext>
             </a:extLst>
           </p:cNvPr>
@@ -26274,7 +26508,7 @@
           <p:cNvPr id="2" name="Date Placeholder 1">
             <a:extLst>
               <a:ext uri="{FF2B5EF4-FFF2-40B4-BE49-F238E27FC236}">
-                <a16:creationId xmlns="" xmlns:a16="http://schemas.microsoft.com/office/drawing/2014/main" id="{67E2FC56-905E-4427-BB9F-0599D987CF0A}"/>
+                <a16:creationId xmlns:a16="http://schemas.microsoft.com/office/drawing/2014/main" id="{67E2FC56-905E-4427-BB9F-0599D987CF0A}"/>
               </a:ext>
             </a:extLst>
           </p:cNvPr>
@@ -26292,7 +26526,7 @@
           <a:p>
             <a:fld id="{96B0AB5A-E802-48CF-A5B9-FE8704AC6519}" type="datetimeFigureOut">
               <a:rPr lang="en-CA" smtClean="0"/>
-              <a:t>2017-10-28</a:t>
+              <a:t>01/11/2017</a:t>
             </a:fld>
             <a:endParaRPr lang="en-CA"/>
           </a:p>
@@ -26303,7 +26537,7 @@
           <p:cNvPr id="3" name="Footer Placeholder 2">
             <a:extLst>
               <a:ext uri="{FF2B5EF4-FFF2-40B4-BE49-F238E27FC236}">
-                <a16:creationId xmlns="" xmlns:a16="http://schemas.microsoft.com/office/drawing/2014/main" id="{487C4D51-B9C6-4DF9-B99D-02567E8C682D}"/>
+                <a16:creationId xmlns:a16="http://schemas.microsoft.com/office/drawing/2014/main" id="{487C4D51-B9C6-4DF9-B99D-02567E8C682D}"/>
               </a:ext>
             </a:extLst>
           </p:cNvPr>
@@ -26328,7 +26562,7 @@
           <p:cNvPr id="4" name="Slide Number Placeholder 3">
             <a:extLst>
               <a:ext uri="{FF2B5EF4-FFF2-40B4-BE49-F238E27FC236}">
-                <a16:creationId xmlns="" xmlns:a16="http://schemas.microsoft.com/office/drawing/2014/main" id="{0190AAD4-0860-4BD5-8057-18876B454949}"/>
+                <a16:creationId xmlns:a16="http://schemas.microsoft.com/office/drawing/2014/main" id="{0190AAD4-0860-4BD5-8057-18876B454949}"/>
               </a:ext>
             </a:extLst>
           </p:cNvPr>
@@ -26387,7 +26621,7 @@
           <p:cNvPr id="2" name="Title 1">
             <a:extLst>
               <a:ext uri="{FF2B5EF4-FFF2-40B4-BE49-F238E27FC236}">
-                <a16:creationId xmlns="" xmlns:a16="http://schemas.microsoft.com/office/drawing/2014/main" id="{38D0AC77-2DD6-4F80-AED8-5F2DEAFE47A5}"/>
+                <a16:creationId xmlns:a16="http://schemas.microsoft.com/office/drawing/2014/main" id="{38D0AC77-2DD6-4F80-AED8-5F2DEAFE47A5}"/>
               </a:ext>
             </a:extLst>
           </p:cNvPr>
@@ -26425,7 +26659,7 @@
           <p:cNvPr id="3" name="Content Placeholder 2">
             <a:extLst>
               <a:ext uri="{FF2B5EF4-FFF2-40B4-BE49-F238E27FC236}">
-                <a16:creationId xmlns="" xmlns:a16="http://schemas.microsoft.com/office/drawing/2014/main" id="{8A50F9F6-EF62-405A-BD73-A4D257EA25C1}"/>
+                <a16:creationId xmlns:a16="http://schemas.microsoft.com/office/drawing/2014/main" id="{8A50F9F6-EF62-405A-BD73-A4D257EA25C1}"/>
               </a:ext>
             </a:extLst>
           </p:cNvPr>
@@ -26516,7 +26750,7 @@
           <p:cNvPr id="4" name="Text Placeholder 3">
             <a:extLst>
               <a:ext uri="{FF2B5EF4-FFF2-40B4-BE49-F238E27FC236}">
-                <a16:creationId xmlns="" xmlns:a16="http://schemas.microsoft.com/office/drawing/2014/main" id="{C2D29C1A-CCB3-4892-8341-4E47EA725C2E}"/>
+                <a16:creationId xmlns:a16="http://schemas.microsoft.com/office/drawing/2014/main" id="{C2D29C1A-CCB3-4892-8341-4E47EA725C2E}"/>
               </a:ext>
             </a:extLst>
           </p:cNvPr>
@@ -26587,7 +26821,7 @@
           <p:cNvPr id="5" name="Date Placeholder 4">
             <a:extLst>
               <a:ext uri="{FF2B5EF4-FFF2-40B4-BE49-F238E27FC236}">
-                <a16:creationId xmlns="" xmlns:a16="http://schemas.microsoft.com/office/drawing/2014/main" id="{4A49B093-3DB2-42E5-90E6-7961FD1DEF69}"/>
+                <a16:creationId xmlns:a16="http://schemas.microsoft.com/office/drawing/2014/main" id="{4A49B093-3DB2-42E5-90E6-7961FD1DEF69}"/>
               </a:ext>
             </a:extLst>
           </p:cNvPr>
@@ -26605,7 +26839,7 @@
           <a:p>
             <a:fld id="{96B0AB5A-E802-48CF-A5B9-FE8704AC6519}" type="datetimeFigureOut">
               <a:rPr lang="en-CA" smtClean="0"/>
-              <a:t>2017-10-28</a:t>
+              <a:t>01/11/2017</a:t>
             </a:fld>
             <a:endParaRPr lang="en-CA"/>
           </a:p>
@@ -26616,7 +26850,7 @@
           <p:cNvPr id="6" name="Footer Placeholder 5">
             <a:extLst>
               <a:ext uri="{FF2B5EF4-FFF2-40B4-BE49-F238E27FC236}">
-                <a16:creationId xmlns="" xmlns:a16="http://schemas.microsoft.com/office/drawing/2014/main" id="{DF18E932-8D4E-4B86-ADE7-DAF5963F6D69}"/>
+                <a16:creationId xmlns:a16="http://schemas.microsoft.com/office/drawing/2014/main" id="{DF18E932-8D4E-4B86-ADE7-DAF5963F6D69}"/>
               </a:ext>
             </a:extLst>
           </p:cNvPr>
@@ -26641,7 +26875,7 @@
           <p:cNvPr id="7" name="Slide Number Placeholder 6">
             <a:extLst>
               <a:ext uri="{FF2B5EF4-FFF2-40B4-BE49-F238E27FC236}">
-                <a16:creationId xmlns="" xmlns:a16="http://schemas.microsoft.com/office/drawing/2014/main" id="{2A6BCD62-2E53-46BB-8674-8A6BC93614B3}"/>
+                <a16:creationId xmlns:a16="http://schemas.microsoft.com/office/drawing/2014/main" id="{2A6BCD62-2E53-46BB-8674-8A6BC93614B3}"/>
               </a:ext>
             </a:extLst>
           </p:cNvPr>
@@ -26700,7 +26934,7 @@
           <p:cNvPr id="2" name="Title 1">
             <a:extLst>
               <a:ext uri="{FF2B5EF4-FFF2-40B4-BE49-F238E27FC236}">
-                <a16:creationId xmlns="" xmlns:a16="http://schemas.microsoft.com/office/drawing/2014/main" id="{BE66942B-4AEE-47BA-A130-8FE3D07A2517}"/>
+                <a16:creationId xmlns:a16="http://schemas.microsoft.com/office/drawing/2014/main" id="{BE66942B-4AEE-47BA-A130-8FE3D07A2517}"/>
               </a:ext>
             </a:extLst>
           </p:cNvPr>
@@ -26738,7 +26972,7 @@
           <p:cNvPr id="3" name="Picture Placeholder 2">
             <a:extLst>
               <a:ext uri="{FF2B5EF4-FFF2-40B4-BE49-F238E27FC236}">
-                <a16:creationId xmlns="" xmlns:a16="http://schemas.microsoft.com/office/drawing/2014/main" id="{A24C110B-5666-4CAC-9935-17BA900407EB}"/>
+                <a16:creationId xmlns:a16="http://schemas.microsoft.com/office/drawing/2014/main" id="{A24C110B-5666-4CAC-9935-17BA900407EB}"/>
               </a:ext>
             </a:extLst>
           </p:cNvPr>
@@ -26805,7 +27039,7 @@
           <p:cNvPr id="4" name="Text Placeholder 3">
             <a:extLst>
               <a:ext uri="{FF2B5EF4-FFF2-40B4-BE49-F238E27FC236}">
-                <a16:creationId xmlns="" xmlns:a16="http://schemas.microsoft.com/office/drawing/2014/main" id="{1A5EEBFA-7C3F-40BC-A736-89E2871AB916}"/>
+                <a16:creationId xmlns:a16="http://schemas.microsoft.com/office/drawing/2014/main" id="{1A5EEBFA-7C3F-40BC-A736-89E2871AB916}"/>
               </a:ext>
             </a:extLst>
           </p:cNvPr>
@@ -26876,7 +27110,7 @@
           <p:cNvPr id="5" name="Date Placeholder 4">
             <a:extLst>
               <a:ext uri="{FF2B5EF4-FFF2-40B4-BE49-F238E27FC236}">
-                <a16:creationId xmlns="" xmlns:a16="http://schemas.microsoft.com/office/drawing/2014/main" id="{0F9791BC-52F7-4098-BD77-EB52CAD311D7}"/>
+                <a16:creationId xmlns:a16="http://schemas.microsoft.com/office/drawing/2014/main" id="{0F9791BC-52F7-4098-BD77-EB52CAD311D7}"/>
               </a:ext>
             </a:extLst>
           </p:cNvPr>
@@ -26894,7 +27128,7 @@
           <a:p>
             <a:fld id="{96B0AB5A-E802-48CF-A5B9-FE8704AC6519}" type="datetimeFigureOut">
               <a:rPr lang="en-CA" smtClean="0"/>
-              <a:t>2017-10-28</a:t>
+              <a:t>01/11/2017</a:t>
             </a:fld>
             <a:endParaRPr lang="en-CA"/>
           </a:p>
@@ -26905,7 +27139,7 @@
           <p:cNvPr id="6" name="Footer Placeholder 5">
             <a:extLst>
               <a:ext uri="{FF2B5EF4-FFF2-40B4-BE49-F238E27FC236}">
-                <a16:creationId xmlns="" xmlns:a16="http://schemas.microsoft.com/office/drawing/2014/main" id="{E2F409E7-1C98-4E39-B7A6-5F89DA98469F}"/>
+                <a16:creationId xmlns:a16="http://schemas.microsoft.com/office/drawing/2014/main" id="{E2F409E7-1C98-4E39-B7A6-5F89DA98469F}"/>
               </a:ext>
             </a:extLst>
           </p:cNvPr>
@@ -26930,7 +27164,7 @@
           <p:cNvPr id="7" name="Slide Number Placeholder 6">
             <a:extLst>
               <a:ext uri="{FF2B5EF4-FFF2-40B4-BE49-F238E27FC236}">
-                <a16:creationId xmlns="" xmlns:a16="http://schemas.microsoft.com/office/drawing/2014/main" id="{BDC7D36C-18CF-4995-B3BF-440113BC7738}"/>
+                <a16:creationId xmlns:a16="http://schemas.microsoft.com/office/drawing/2014/main" id="{BDC7D36C-18CF-4995-B3BF-440113BC7738}"/>
               </a:ext>
             </a:extLst>
           </p:cNvPr>
@@ -26994,7 +27228,7 @@
           <p:cNvPr id="2" name="Title Placeholder 1">
             <a:extLst>
               <a:ext uri="{FF2B5EF4-FFF2-40B4-BE49-F238E27FC236}">
-                <a16:creationId xmlns="" xmlns:a16="http://schemas.microsoft.com/office/drawing/2014/main" id="{E5B4AD75-DD9C-4FBC-861B-1923DAD4C653}"/>
+                <a16:creationId xmlns:a16="http://schemas.microsoft.com/office/drawing/2014/main" id="{E5B4AD75-DD9C-4FBC-861B-1923DAD4C653}"/>
               </a:ext>
             </a:extLst>
           </p:cNvPr>
@@ -27033,7 +27267,7 @@
           <p:cNvPr id="3" name="Text Placeholder 2">
             <a:extLst>
               <a:ext uri="{FF2B5EF4-FFF2-40B4-BE49-F238E27FC236}">
-                <a16:creationId xmlns="" xmlns:a16="http://schemas.microsoft.com/office/drawing/2014/main" id="{4D568E8A-8FC5-429A-BBC2-86B33A87A88A}"/>
+                <a16:creationId xmlns:a16="http://schemas.microsoft.com/office/drawing/2014/main" id="{4D568E8A-8FC5-429A-BBC2-86B33A87A88A}"/>
               </a:ext>
             </a:extLst>
           </p:cNvPr>
@@ -27101,7 +27335,7 @@
           <p:cNvPr id="4" name="Date Placeholder 3">
             <a:extLst>
               <a:ext uri="{FF2B5EF4-FFF2-40B4-BE49-F238E27FC236}">
-                <a16:creationId xmlns="" xmlns:a16="http://schemas.microsoft.com/office/drawing/2014/main" id="{29A9B9B8-7E0D-4EC3-A0F8-0CFBC57A3D7E}"/>
+                <a16:creationId xmlns:a16="http://schemas.microsoft.com/office/drawing/2014/main" id="{29A9B9B8-7E0D-4EC3-A0F8-0CFBC57A3D7E}"/>
               </a:ext>
             </a:extLst>
           </p:cNvPr>
@@ -27137,7 +27371,7 @@
           <a:p>
             <a:fld id="{96B0AB5A-E802-48CF-A5B9-FE8704AC6519}" type="datetimeFigureOut">
               <a:rPr lang="en-CA" smtClean="0"/>
-              <a:t>2017-10-28</a:t>
+              <a:t>01/11/2017</a:t>
             </a:fld>
             <a:endParaRPr lang="en-CA"/>
           </a:p>
@@ -27148,7 +27382,7 @@
           <p:cNvPr id="5" name="Footer Placeholder 4">
             <a:extLst>
               <a:ext uri="{FF2B5EF4-FFF2-40B4-BE49-F238E27FC236}">
-                <a16:creationId xmlns="" xmlns:a16="http://schemas.microsoft.com/office/drawing/2014/main" id="{5701BCBF-10E5-4F5A-AFDC-06F55B5CAA8F}"/>
+                <a16:creationId xmlns:a16="http://schemas.microsoft.com/office/drawing/2014/main" id="{5701BCBF-10E5-4F5A-AFDC-06F55B5CAA8F}"/>
               </a:ext>
             </a:extLst>
           </p:cNvPr>
@@ -27191,7 +27425,7 @@
           <p:cNvPr id="6" name="Slide Number Placeholder 5">
             <a:extLst>
               <a:ext uri="{FF2B5EF4-FFF2-40B4-BE49-F238E27FC236}">
-                <a16:creationId xmlns="" xmlns:a16="http://schemas.microsoft.com/office/drawing/2014/main" id="{68C4BCD5-C523-4222-8576-785E1DE19235}"/>
+                <a16:creationId xmlns:a16="http://schemas.microsoft.com/office/drawing/2014/main" id="{68C4BCD5-C523-4222-8576-785E1DE19235}"/>
               </a:ext>
             </a:extLst>
           </p:cNvPr>
@@ -27559,7 +27793,7 @@
           <p:cNvPr id="2" name="Title 1">
             <a:extLst>
               <a:ext uri="{FF2B5EF4-FFF2-40B4-BE49-F238E27FC236}">
-                <a16:creationId xmlns="" xmlns:a16="http://schemas.microsoft.com/office/drawing/2014/main" id="{FA47EB2B-4331-4E3D-9575-372974FA84E1}"/>
+                <a16:creationId xmlns:a16="http://schemas.microsoft.com/office/drawing/2014/main" id="{FA47EB2B-4331-4E3D-9575-372974FA84E1}"/>
               </a:ext>
             </a:extLst>
           </p:cNvPr>
@@ -27584,7 +27818,7 @@
           <p:cNvPr id="3" name="Subtitle 2">
             <a:extLst>
               <a:ext uri="{FF2B5EF4-FFF2-40B4-BE49-F238E27FC236}">
-                <a16:creationId xmlns="" xmlns:a16="http://schemas.microsoft.com/office/drawing/2014/main" id="{A4D09F98-919E-4EAE-8FE4-8DF28106A8A4}"/>
+                <a16:creationId xmlns:a16="http://schemas.microsoft.com/office/drawing/2014/main" id="{A4D09F98-919E-4EAE-8FE4-8DF28106A8A4}"/>
               </a:ext>
             </a:extLst>
           </p:cNvPr>
@@ -27956,7 +28190,7 @@
           <p:cNvPr id="2" name="Title 1">
             <a:extLst>
               <a:ext uri="{FF2B5EF4-FFF2-40B4-BE49-F238E27FC236}">
-                <a16:creationId xmlns="" xmlns:a16="http://schemas.microsoft.com/office/drawing/2014/main" id="{F88480CC-95B7-44B5-8595-50BB9107EA28}"/>
+                <a16:creationId xmlns:a16="http://schemas.microsoft.com/office/drawing/2014/main" id="{F88480CC-95B7-44B5-8595-50BB9107EA28}"/>
               </a:ext>
             </a:extLst>
           </p:cNvPr>
@@ -27985,7 +28219,7 @@
           <p:cNvPr id="3" name="Content Placeholder 2">
             <a:extLst>
               <a:ext uri="{FF2B5EF4-FFF2-40B4-BE49-F238E27FC236}">
-                <a16:creationId xmlns="" xmlns:a16="http://schemas.microsoft.com/office/drawing/2014/main" id="{52049869-60E6-4A46-87A4-494EC470CA10}"/>
+                <a16:creationId xmlns:a16="http://schemas.microsoft.com/office/drawing/2014/main" id="{52049869-60E6-4A46-87A4-494EC470CA10}"/>
               </a:ext>
             </a:extLst>
           </p:cNvPr>
@@ -28022,7 +28256,7 @@
           <p:cNvPr id="7" name="Picture 6">
             <a:extLst>
               <a:ext uri="{FF2B5EF4-FFF2-40B4-BE49-F238E27FC236}">
-                <a16:creationId xmlns="" xmlns:a16="http://schemas.microsoft.com/office/drawing/2014/main" id="{8D531DE4-F542-40B1-BC6B-BDF4366F0CB8}"/>
+                <a16:creationId xmlns:a16="http://schemas.microsoft.com/office/drawing/2014/main" id="{8D531DE4-F542-40B1-BC6B-BDF4366F0CB8}"/>
               </a:ext>
             </a:extLst>
           </p:cNvPr>
@@ -28058,7 +28292,7 @@
           <p:cNvPr id="8" name="Picture 7">
             <a:extLst>
               <a:ext uri="{FF2B5EF4-FFF2-40B4-BE49-F238E27FC236}">
-                <a16:creationId xmlns="" xmlns:a16="http://schemas.microsoft.com/office/drawing/2014/main" id="{B2B6335A-A462-4125-9593-B2BBFB05446D}"/>
+                <a16:creationId xmlns:a16="http://schemas.microsoft.com/office/drawing/2014/main" id="{B2B6335A-A462-4125-9593-B2BBFB05446D}"/>
               </a:ext>
             </a:extLst>
           </p:cNvPr>
@@ -28462,15 +28696,15 @@
           <a:lstStyle/>
           <a:p>
             <a:r>
-              <a:rPr lang="en-US" altLang="zh-CN" dirty="0" smtClean="0"/>
+              <a:rPr lang="en-US" altLang="zh-CN" dirty="0"/>
               <a:t>New</a:t>
             </a:r>
             <a:r>
-              <a:rPr lang="zh-CN" altLang="en-US" dirty="0" smtClean="0"/>
+              <a:rPr lang="zh-CN" altLang="en-US" dirty="0"/>
               <a:t> </a:t>
             </a:r>
             <a:r>
-              <a:rPr lang="en-US" altLang="zh-CN" dirty="0" smtClean="0"/>
+              <a:rPr lang="en-US" altLang="zh-CN" dirty="0"/>
               <a:t>graphs</a:t>
             </a:r>
             <a:endParaRPr lang="en-US" dirty="0"/>
@@ -28531,7 +28765,7 @@
           <p:cNvPr id="2" name="Title 1">
             <a:extLst>
               <a:ext uri="{FF2B5EF4-FFF2-40B4-BE49-F238E27FC236}">
-                <a16:creationId xmlns="" xmlns:a16="http://schemas.microsoft.com/office/drawing/2014/main" id="{9E72733B-3ADC-4709-8C8B-A6CBD9E2C805}"/>
+                <a16:creationId xmlns:a16="http://schemas.microsoft.com/office/drawing/2014/main" id="{9E72733B-3ADC-4709-8C8B-A6CBD9E2C805}"/>
               </a:ext>
             </a:extLst>
           </p:cNvPr>
@@ -28560,7 +28794,7 @@
           <p:cNvPr id="4" name="Content Placeholder 3">
             <a:extLst>
               <a:ext uri="{FF2B5EF4-FFF2-40B4-BE49-F238E27FC236}">
-                <a16:creationId xmlns="" xmlns:a16="http://schemas.microsoft.com/office/drawing/2014/main" id="{85AFC881-2077-45C1-B5BB-B740550E0611}"/>
+                <a16:creationId xmlns:a16="http://schemas.microsoft.com/office/drawing/2014/main" id="{85AFC881-2077-45C1-B5BB-B740550E0611}"/>
               </a:ext>
             </a:extLst>
           </p:cNvPr>
@@ -28585,7 +28819,7 @@
           <p:cNvPr id="7" name="Chart 6">
             <a:extLst>
               <a:ext uri="{FF2B5EF4-FFF2-40B4-BE49-F238E27FC236}">
-                <a16:creationId xmlns="" xmlns:a16="http://schemas.microsoft.com/office/drawing/2014/main" id="{FBE87CE3-BBDF-4804-A7B0-0371F4AC7394}"/>
+                <a16:creationId xmlns:a16="http://schemas.microsoft.com/office/drawing/2014/main" id="{FBE87CE3-BBDF-4804-A7B0-0371F4AC7394}"/>
               </a:ext>
             </a:extLst>
           </p:cNvPr>
@@ -28697,7 +28931,7 @@
           <p:cNvPr id="8" name="Content Placeholder 7">
             <a:extLst>
               <a:ext uri="{FF2B5EF4-FFF2-40B4-BE49-F238E27FC236}">
-                <a16:creationId xmlns:lc="http://schemas.openxmlformats.org/drawingml/2006/lockedCanvas" xmlns:a16="http://schemas.microsoft.com/office/drawing/2014/main" xmlns:xdr="http://schemas.openxmlformats.org/drawingml/2006/spreadsheetDrawing" xmlns="" id="{C00C8559-FC29-48FF-AC1F-859F3EB85551}"/>
+                <a16:creationId xmlns:a16="http://schemas.microsoft.com/office/drawing/2014/main" id="{C00C8559-FC29-48FF-AC1F-859F3EB85551}"/>
               </a:ext>
             </a:extLst>
           </p:cNvPr>
@@ -28769,7 +29003,7 @@
           <a:lstStyle/>
           <a:p>
             <a:r>
-              <a:rPr lang="en-US" altLang="zh-CN" dirty="0" smtClean="0"/>
+              <a:rPr lang="en-US" altLang="zh-CN" dirty="0"/>
               <a:t>Player proposed amount</a:t>
             </a:r>
             <a:endParaRPr lang="en-US" dirty="0"/>
@@ -28895,10 +29129,9 @@
           <a:lstStyle/>
           <a:p>
             <a:r>
-              <a:rPr lang="en-US" dirty="0" smtClean="0"/>
+              <a:rPr lang="en-US" dirty="0"/>
               <a:t>Fairness score</a:t>
             </a:r>
-            <a:endParaRPr lang="en-US" dirty="0"/>
           </a:p>
         </p:txBody>
       </p:sp>
@@ -29020,7 +29253,10 @@
           <a:bodyPr/>
           <a:lstStyle/>
           <a:p>
-            <a:endParaRPr lang="en-US"/>
+            <a:r>
+              <a:rPr lang="en-US" dirty="0"/>
+              <a:t>Opponent proposed amount</a:t>
+            </a:r>
           </a:p>
         </p:txBody>
       </p:sp>
@@ -29132,7 +29368,7 @@
           <p:cNvPr id="2" name="Title 1">
             <a:extLst>
               <a:ext uri="{FF2B5EF4-FFF2-40B4-BE49-F238E27FC236}">
-                <a16:creationId xmlns="" xmlns:a16="http://schemas.microsoft.com/office/drawing/2014/main" id="{5506469E-1244-4642-907B-B1433F60711B}"/>
+                <a16:creationId xmlns:a16="http://schemas.microsoft.com/office/drawing/2014/main" id="{5506469E-1244-4642-907B-B1433F60711B}"/>
               </a:ext>
             </a:extLst>
           </p:cNvPr>
@@ -29160,7 +29396,7 @@
           <p:cNvPr id="4" name="Content Placeholder 3">
             <a:extLst>
               <a:ext uri="{FF2B5EF4-FFF2-40B4-BE49-F238E27FC236}">
-                <a16:creationId xmlns="" xmlns:a16="http://schemas.microsoft.com/office/drawing/2014/main" id="{14837406-5535-4D53-B38D-5FA66CF97038}"/>
+                <a16:creationId xmlns:a16="http://schemas.microsoft.com/office/drawing/2014/main" id="{14837406-5535-4D53-B38D-5FA66CF97038}"/>
               </a:ext>
             </a:extLst>
           </p:cNvPr>
@@ -29262,31 +29498,31 @@
           <a:lstStyle/>
           <a:p>
             <a:r>
-              <a:rPr lang="en-US" altLang="zh-CN" dirty="0" smtClean="0"/>
+              <a:rPr lang="en-US" altLang="zh-CN" dirty="0"/>
               <a:t>HC</a:t>
             </a:r>
             <a:r>
-              <a:rPr lang="zh-CN" altLang="en-US" dirty="0" smtClean="0"/>
+              <a:rPr lang="zh-CN" altLang="en-US" dirty="0"/>
               <a:t> </a:t>
             </a:r>
             <a:r>
-              <a:rPr lang="en-US" altLang="zh-CN" dirty="0" smtClean="0"/>
+              <a:rPr lang="en-US" altLang="zh-CN" dirty="0"/>
               <a:t>and</a:t>
             </a:r>
             <a:r>
-              <a:rPr lang="zh-CN" altLang="en-US" dirty="0" smtClean="0"/>
+              <a:rPr lang="zh-CN" altLang="en-US" dirty="0"/>
               <a:t> </a:t>
             </a:r>
             <a:r>
-              <a:rPr lang="en-US" altLang="zh-CN" dirty="0" smtClean="0"/>
+              <a:rPr lang="en-US" altLang="zh-CN" dirty="0"/>
               <a:t>stake</a:t>
             </a:r>
             <a:r>
-              <a:rPr lang="zh-CN" altLang="en-US" dirty="0" smtClean="0"/>
+              <a:rPr lang="zh-CN" altLang="en-US" dirty="0"/>
               <a:t> </a:t>
             </a:r>
             <a:r>
-              <a:rPr lang="en-US" altLang="zh-CN" dirty="0" smtClean="0"/>
+              <a:rPr lang="en-US" altLang="zh-CN" dirty="0"/>
               <a:t>size/fairness</a:t>
             </a:r>
             <a:endParaRPr lang="en-US" dirty="0"/>
@@ -29411,29 +29647,986 @@
           <a:bodyPr/>
           <a:lstStyle/>
           <a:p>
-            <a:endParaRPr lang="en-US"/>
+            <a:r>
+              <a:rPr lang="en-US" dirty="0"/>
+              <a:t>Fairness ration and stake size correlation</a:t>
+            </a:r>
           </a:p>
         </p:txBody>
       </p:sp>
-      <p:sp>
-        <p:nvSpPr>
-          <p:cNvPr id="3" name="Content Placeholder 2"/>
-          <p:cNvSpPr>
-            <a:spLocks noGrp="1"/>
-          </p:cNvSpPr>
+      <p:graphicFrame>
+        <p:nvGraphicFramePr>
+          <p:cNvPr id="4" name="Content Placeholder 3">
+            <a:extLst>
+              <a:ext uri="{FF2B5EF4-FFF2-40B4-BE49-F238E27FC236}">
+                <a16:creationId xmlns:a16="http://schemas.microsoft.com/office/drawing/2014/main" id="{1BD1B85E-8B8B-49ED-9CF8-3A7F9509E5BE}"/>
+              </a:ext>
+            </a:extLst>
+          </p:cNvPr>
+          <p:cNvGraphicFramePr>
+            <a:graphicFrameLocks noGrp="1"/>
+          </p:cNvGraphicFramePr>
           <p:nvPr>
             <p:ph idx="1"/>
+            <p:extLst>
+              <p:ext uri="{D42A27DB-BD31-4B8C-83A1-F6EECF244321}">
+                <p14:modId xmlns:p14="http://schemas.microsoft.com/office/powerpoint/2010/main" val="3300445568"/>
+              </p:ext>
+            </p:extLst>
           </p:nvPr>
-        </p:nvSpPr>
-        <p:spPr/>
-        <p:txBody>
-          <a:bodyPr/>
-          <a:lstStyle/>
-          <a:p>
-            <a:endParaRPr lang="en-US"/>
-          </a:p>
-        </p:txBody>
-      </p:sp>
+        </p:nvGraphicFramePr>
+        <p:xfrm>
+          <a:off x="838200" y="2162216"/>
+          <a:ext cx="5626768" cy="2570204"/>
+        </p:xfrm>
+        <a:graphic>
+          <a:graphicData uri="http://schemas.openxmlformats.org/drawingml/2006/table">
+            <a:tbl>
+              <a:tblPr>
+                <a:tableStyleId>{5C22544A-7EE6-4342-B048-85BDC9FD1C3A}</a:tableStyleId>
+              </a:tblPr>
+              <a:tblGrid>
+                <a:gridCol w="1578918">
+                  <a:extLst>
+                    <a:ext uri="{9D8B030D-6E8A-4147-A177-3AD203B41FA5}">
+                      <a16:colId xmlns:a16="http://schemas.microsoft.com/office/drawing/2014/main" val="3581575751"/>
+                    </a:ext>
+                  </a:extLst>
+                </a:gridCol>
+                <a:gridCol w="1523292">
+                  <a:extLst>
+                    <a:ext uri="{9D8B030D-6E8A-4147-A177-3AD203B41FA5}">
+                      <a16:colId xmlns:a16="http://schemas.microsoft.com/office/drawing/2014/main" val="4216690528"/>
+                    </a:ext>
+                  </a:extLst>
+                </a:gridCol>
+                <a:gridCol w="808714">
+                  <a:extLst>
+                    <a:ext uri="{9D8B030D-6E8A-4147-A177-3AD203B41FA5}">
+                      <a16:colId xmlns:a16="http://schemas.microsoft.com/office/drawing/2014/main" val="2668504640"/>
+                    </a:ext>
+                  </a:extLst>
+                </a:gridCol>
+                <a:gridCol w="650395">
+                  <a:extLst>
+                    <a:ext uri="{9D8B030D-6E8A-4147-A177-3AD203B41FA5}">
+                      <a16:colId xmlns:a16="http://schemas.microsoft.com/office/drawing/2014/main" val="1220188208"/>
+                    </a:ext>
+                  </a:extLst>
+                </a:gridCol>
+                <a:gridCol w="1065449">
+                  <a:extLst>
+                    <a:ext uri="{9D8B030D-6E8A-4147-A177-3AD203B41FA5}">
+                      <a16:colId xmlns:a16="http://schemas.microsoft.com/office/drawing/2014/main" val="2803919472"/>
+                    </a:ext>
+                  </a:extLst>
+                </a:gridCol>
+              </a:tblGrid>
+              <a:tr h="367172">
+                <a:tc>
+                  <a:txBody>
+                    <a:bodyPr/>
+                    <a:lstStyle/>
+                    <a:p>
+                      <a:pPr algn="l" fontAlgn="b"/>
+                      <a:r>
+                        <a:rPr lang="en-CA" sz="1200" u="none" strike="noStrike">
+                          <a:effectLst/>
+                        </a:rPr>
+                        <a:t>Fairness ratio</a:t>
+                      </a:r>
+                      <a:endParaRPr lang="en-CA" sz="1200" b="0" i="0" u="none" strike="noStrike">
+                        <a:solidFill>
+                          <a:srgbClr val="FFFFFF"/>
+                        </a:solidFill>
+                        <a:effectLst/>
+                        <a:latin typeface="Calibri" panose="020F0502020204030204" pitchFamily="34" charset="0"/>
+                      </a:endParaRPr>
+                    </a:p>
+                  </a:txBody>
+                  <a:tcPr marL="9525" marR="9525" marT="9525" marB="0" anchor="b"/>
+                </a:tc>
+                <a:tc>
+                  <a:txBody>
+                    <a:bodyPr/>
+                    <a:lstStyle/>
+                    <a:p>
+                      <a:pPr algn="l" fontAlgn="b"/>
+                      <a:r>
+                        <a:rPr lang="en-CA" sz="1200" u="none" strike="noStrike">
+                          <a:effectLst/>
+                        </a:rPr>
+                        <a:t>baseline</a:t>
+                      </a:r>
+                      <a:endParaRPr lang="en-CA" sz="1200" b="0" i="0" u="none" strike="noStrike">
+                        <a:solidFill>
+                          <a:srgbClr val="FFFFFF"/>
+                        </a:solidFill>
+                        <a:effectLst/>
+                        <a:latin typeface="Calibri" panose="020F0502020204030204" pitchFamily="34" charset="0"/>
+                      </a:endParaRPr>
+                    </a:p>
+                  </a:txBody>
+                  <a:tcPr marL="9525" marR="9525" marT="9525" marB="0" anchor="b"/>
+                </a:tc>
+                <a:tc>
+                  <a:txBody>
+                    <a:bodyPr/>
+                    <a:lstStyle/>
+                    <a:p>
+                      <a:pPr algn="l" fontAlgn="b"/>
+                      <a:r>
+                        <a:rPr lang="en-CA" sz="1200" u="none" strike="noStrike">
+                          <a:effectLst/>
+                        </a:rPr>
+                        <a:t>empathy</a:t>
+                      </a:r>
+                      <a:endParaRPr lang="en-CA" sz="1200" b="0" i="0" u="none" strike="noStrike">
+                        <a:solidFill>
+                          <a:srgbClr val="FFFFFF"/>
+                        </a:solidFill>
+                        <a:effectLst/>
+                        <a:latin typeface="Calibri" panose="020F0502020204030204" pitchFamily="34" charset="0"/>
+                      </a:endParaRPr>
+                    </a:p>
+                  </a:txBody>
+                  <a:tcPr marL="9525" marR="9525" marT="9525" marB="0" anchor="b"/>
+                </a:tc>
+                <a:tc>
+                  <a:txBody>
+                    <a:bodyPr/>
+                    <a:lstStyle/>
+                    <a:p>
+                      <a:pPr algn="l" fontAlgn="b"/>
+                      <a:r>
+                        <a:rPr lang="en-CA" sz="1200" u="none" strike="noStrike">
+                          <a:effectLst/>
+                        </a:rPr>
+                        <a:t>punish</a:t>
+                      </a:r>
+                      <a:endParaRPr lang="en-CA" sz="1200" b="0" i="0" u="none" strike="noStrike">
+                        <a:solidFill>
+                          <a:srgbClr val="FFFFFF"/>
+                        </a:solidFill>
+                        <a:effectLst/>
+                        <a:latin typeface="Calibri" panose="020F0502020204030204" pitchFamily="34" charset="0"/>
+                      </a:endParaRPr>
+                    </a:p>
+                  </a:txBody>
+                  <a:tcPr marL="9525" marR="9525" marT="9525" marB="0" anchor="b"/>
+                </a:tc>
+                <a:tc>
+                  <a:txBody>
+                    <a:bodyPr/>
+                    <a:lstStyle/>
+                    <a:p>
+                      <a:pPr algn="l" fontAlgn="b"/>
+                      <a:r>
+                        <a:rPr lang="en-CA" sz="1200" u="none" strike="noStrike">
+                          <a:effectLst/>
+                        </a:rPr>
+                        <a:t>Grand Total</a:t>
+                      </a:r>
+                      <a:endParaRPr lang="en-CA" sz="1200" b="0" i="0" u="none" strike="noStrike">
+                        <a:solidFill>
+                          <a:srgbClr val="FFFFFF"/>
+                        </a:solidFill>
+                        <a:effectLst/>
+                        <a:latin typeface="Calibri" panose="020F0502020204030204" pitchFamily="34" charset="0"/>
+                      </a:endParaRPr>
+                    </a:p>
+                  </a:txBody>
+                  <a:tcPr marL="9525" marR="9525" marT="9525" marB="0" anchor="b"/>
+                </a:tc>
+                <a:extLst>
+                  <a:ext uri="{0D108BD9-81ED-4DB2-BD59-A6C34878D82A}">
+                    <a16:rowId xmlns:a16="http://schemas.microsoft.com/office/drawing/2014/main" val="2504557973"/>
+                  </a:ext>
+                </a:extLst>
+              </a:tr>
+              <a:tr h="367172">
+                <a:tc>
+                  <a:txBody>
+                    <a:bodyPr/>
+                    <a:lstStyle/>
+                    <a:p>
+                      <a:pPr algn="l" fontAlgn="b"/>
+                      <a:r>
+                        <a:rPr lang="en-CA" sz="1200" u="none" strike="noStrike">
+                          <a:effectLst/>
+                        </a:rPr>
+                        <a:t>1</a:t>
+                      </a:r>
+                      <a:endParaRPr lang="en-CA" sz="1200" b="0" i="0" u="none" strike="noStrike">
+                        <a:solidFill>
+                          <a:srgbClr val="000000"/>
+                        </a:solidFill>
+                        <a:effectLst/>
+                        <a:latin typeface="Calibri" panose="020F0502020204030204" pitchFamily="34" charset="0"/>
+                      </a:endParaRPr>
+                    </a:p>
+                  </a:txBody>
+                  <a:tcPr marL="9525" marR="9525" marT="9525" marB="0" anchor="b"/>
+                </a:tc>
+                <a:tc>
+                  <a:txBody>
+                    <a:bodyPr/>
+                    <a:lstStyle/>
+                    <a:p>
+                      <a:pPr algn="r" fontAlgn="b"/>
+                      <a:r>
+                        <a:rPr lang="en-CA" sz="1200" u="none" strike="noStrike">
+                          <a:effectLst/>
+                        </a:rPr>
+                        <a:t>206</a:t>
+                      </a:r>
+                      <a:endParaRPr lang="en-CA" sz="1200" b="0" i="0" u="none" strike="noStrike">
+                        <a:solidFill>
+                          <a:srgbClr val="000000"/>
+                        </a:solidFill>
+                        <a:effectLst/>
+                        <a:latin typeface="Calibri" panose="020F0502020204030204" pitchFamily="34" charset="0"/>
+                      </a:endParaRPr>
+                    </a:p>
+                  </a:txBody>
+                  <a:tcPr marL="9525" marR="9525" marT="9525" marB="0" anchor="b"/>
+                </a:tc>
+                <a:tc>
+                  <a:txBody>
+                    <a:bodyPr/>
+                    <a:lstStyle/>
+                    <a:p>
+                      <a:pPr algn="r" fontAlgn="b"/>
+                      <a:r>
+                        <a:rPr lang="en-CA" sz="1200" u="none" strike="noStrike">
+                          <a:effectLst/>
+                        </a:rPr>
+                        <a:t>206</a:t>
+                      </a:r>
+                      <a:endParaRPr lang="en-CA" sz="1200" b="0" i="0" u="none" strike="noStrike">
+                        <a:solidFill>
+                          <a:srgbClr val="000000"/>
+                        </a:solidFill>
+                        <a:effectLst/>
+                        <a:latin typeface="Calibri" panose="020F0502020204030204" pitchFamily="34" charset="0"/>
+                      </a:endParaRPr>
+                    </a:p>
+                  </a:txBody>
+                  <a:tcPr marL="9525" marR="9525" marT="9525" marB="0" anchor="b"/>
+                </a:tc>
+                <a:tc>
+                  <a:txBody>
+                    <a:bodyPr/>
+                    <a:lstStyle/>
+                    <a:p>
+                      <a:pPr algn="r" fontAlgn="b"/>
+                      <a:r>
+                        <a:rPr lang="en-CA" sz="1200" u="none" strike="noStrike">
+                          <a:effectLst/>
+                        </a:rPr>
+                        <a:t>206</a:t>
+                      </a:r>
+                      <a:endParaRPr lang="en-CA" sz="1200" b="0" i="0" u="none" strike="noStrike">
+                        <a:solidFill>
+                          <a:srgbClr val="000000"/>
+                        </a:solidFill>
+                        <a:effectLst/>
+                        <a:latin typeface="Calibri" panose="020F0502020204030204" pitchFamily="34" charset="0"/>
+                      </a:endParaRPr>
+                    </a:p>
+                  </a:txBody>
+                  <a:tcPr marL="9525" marR="9525" marT="9525" marB="0" anchor="b"/>
+                </a:tc>
+                <a:tc>
+                  <a:txBody>
+                    <a:bodyPr/>
+                    <a:lstStyle/>
+                    <a:p>
+                      <a:pPr algn="r" fontAlgn="b"/>
+                      <a:r>
+                        <a:rPr lang="en-CA" sz="1200" u="none" strike="noStrike">
+                          <a:effectLst/>
+                        </a:rPr>
+                        <a:t>618</a:t>
+                      </a:r>
+                      <a:endParaRPr lang="en-CA" sz="1200" b="0" i="0" u="none" strike="noStrike">
+                        <a:solidFill>
+                          <a:srgbClr val="000000"/>
+                        </a:solidFill>
+                        <a:effectLst/>
+                        <a:latin typeface="Calibri" panose="020F0502020204030204" pitchFamily="34" charset="0"/>
+                      </a:endParaRPr>
+                    </a:p>
+                  </a:txBody>
+                  <a:tcPr marL="9525" marR="9525" marT="9525" marB="0" anchor="b"/>
+                </a:tc>
+                <a:extLst>
+                  <a:ext uri="{0D108BD9-81ED-4DB2-BD59-A6C34878D82A}">
+                    <a16:rowId xmlns:a16="http://schemas.microsoft.com/office/drawing/2014/main" val="2029039089"/>
+                  </a:ext>
+                </a:extLst>
+              </a:tr>
+              <a:tr h="367172">
+                <a:tc>
+                  <a:txBody>
+                    <a:bodyPr/>
+                    <a:lstStyle/>
+                    <a:p>
+                      <a:pPr algn="l" fontAlgn="b"/>
+                      <a:r>
+                        <a:rPr lang="en-CA" sz="1200" u="none" strike="noStrike">
+                          <a:effectLst/>
+                        </a:rPr>
+                        <a:t>2</a:t>
+                      </a:r>
+                      <a:endParaRPr lang="en-CA" sz="1200" b="0" i="0" u="none" strike="noStrike">
+                        <a:solidFill>
+                          <a:srgbClr val="000000"/>
+                        </a:solidFill>
+                        <a:effectLst/>
+                        <a:latin typeface="Calibri" panose="020F0502020204030204" pitchFamily="34" charset="0"/>
+                      </a:endParaRPr>
+                    </a:p>
+                  </a:txBody>
+                  <a:tcPr marL="9525" marR="9525" marT="9525" marB="0" anchor="b"/>
+                </a:tc>
+                <a:tc>
+                  <a:txBody>
+                    <a:bodyPr/>
+                    <a:lstStyle/>
+                    <a:p>
+                      <a:pPr algn="r" fontAlgn="b"/>
+                      <a:r>
+                        <a:rPr lang="en-CA" sz="1200" u="none" strike="noStrike">
+                          <a:effectLst/>
+                        </a:rPr>
+                        <a:t>309</a:t>
+                      </a:r>
+                      <a:endParaRPr lang="en-CA" sz="1200" b="0" i="0" u="none" strike="noStrike">
+                        <a:solidFill>
+                          <a:srgbClr val="000000"/>
+                        </a:solidFill>
+                        <a:effectLst/>
+                        <a:latin typeface="Calibri" panose="020F0502020204030204" pitchFamily="34" charset="0"/>
+                      </a:endParaRPr>
+                    </a:p>
+                  </a:txBody>
+                  <a:tcPr marL="9525" marR="9525" marT="9525" marB="0" anchor="b"/>
+                </a:tc>
+                <a:tc>
+                  <a:txBody>
+                    <a:bodyPr/>
+                    <a:lstStyle/>
+                    <a:p>
+                      <a:pPr algn="r" fontAlgn="b"/>
+                      <a:r>
+                        <a:rPr lang="en-CA" sz="1200" u="none" strike="noStrike">
+                          <a:effectLst/>
+                        </a:rPr>
+                        <a:t>309</a:t>
+                      </a:r>
+                      <a:endParaRPr lang="en-CA" sz="1200" b="0" i="0" u="none" strike="noStrike">
+                        <a:solidFill>
+                          <a:srgbClr val="000000"/>
+                        </a:solidFill>
+                        <a:effectLst/>
+                        <a:latin typeface="Calibri" panose="020F0502020204030204" pitchFamily="34" charset="0"/>
+                      </a:endParaRPr>
+                    </a:p>
+                  </a:txBody>
+                  <a:tcPr marL="9525" marR="9525" marT="9525" marB="0" anchor="b"/>
+                </a:tc>
+                <a:tc>
+                  <a:txBody>
+                    <a:bodyPr/>
+                    <a:lstStyle/>
+                    <a:p>
+                      <a:pPr algn="r" fontAlgn="b"/>
+                      <a:r>
+                        <a:rPr lang="en-CA" sz="1200" u="none" strike="noStrike">
+                          <a:effectLst/>
+                        </a:rPr>
+                        <a:t>309</a:t>
+                      </a:r>
+                      <a:endParaRPr lang="en-CA" sz="1200" b="0" i="0" u="none" strike="noStrike">
+                        <a:solidFill>
+                          <a:srgbClr val="000000"/>
+                        </a:solidFill>
+                        <a:effectLst/>
+                        <a:latin typeface="Calibri" panose="020F0502020204030204" pitchFamily="34" charset="0"/>
+                      </a:endParaRPr>
+                    </a:p>
+                  </a:txBody>
+                  <a:tcPr marL="9525" marR="9525" marT="9525" marB="0" anchor="b"/>
+                </a:tc>
+                <a:tc>
+                  <a:txBody>
+                    <a:bodyPr/>
+                    <a:lstStyle/>
+                    <a:p>
+                      <a:pPr algn="r" fontAlgn="b"/>
+                      <a:r>
+                        <a:rPr lang="en-CA" sz="1200" u="none" strike="noStrike">
+                          <a:effectLst/>
+                        </a:rPr>
+                        <a:t>927</a:t>
+                      </a:r>
+                      <a:endParaRPr lang="en-CA" sz="1200" b="0" i="0" u="none" strike="noStrike">
+                        <a:solidFill>
+                          <a:srgbClr val="000000"/>
+                        </a:solidFill>
+                        <a:effectLst/>
+                        <a:latin typeface="Calibri" panose="020F0502020204030204" pitchFamily="34" charset="0"/>
+                      </a:endParaRPr>
+                    </a:p>
+                  </a:txBody>
+                  <a:tcPr marL="9525" marR="9525" marT="9525" marB="0" anchor="b"/>
+                </a:tc>
+                <a:extLst>
+                  <a:ext uri="{0D108BD9-81ED-4DB2-BD59-A6C34878D82A}">
+                    <a16:rowId xmlns:a16="http://schemas.microsoft.com/office/drawing/2014/main" val="453889211"/>
+                  </a:ext>
+                </a:extLst>
+              </a:tr>
+              <a:tr h="367172">
+                <a:tc>
+                  <a:txBody>
+                    <a:bodyPr/>
+                    <a:lstStyle/>
+                    <a:p>
+                      <a:pPr algn="l" fontAlgn="b"/>
+                      <a:r>
+                        <a:rPr lang="en-CA" sz="1200" u="none" strike="noStrike">
+                          <a:effectLst/>
+                        </a:rPr>
+                        <a:t>3</a:t>
+                      </a:r>
+                      <a:endParaRPr lang="en-CA" sz="1200" b="0" i="0" u="none" strike="noStrike">
+                        <a:solidFill>
+                          <a:srgbClr val="000000"/>
+                        </a:solidFill>
+                        <a:effectLst/>
+                        <a:latin typeface="Calibri" panose="020F0502020204030204" pitchFamily="34" charset="0"/>
+                      </a:endParaRPr>
+                    </a:p>
+                  </a:txBody>
+                  <a:tcPr marL="9525" marR="9525" marT="9525" marB="0" anchor="b"/>
+                </a:tc>
+                <a:tc>
+                  <a:txBody>
+                    <a:bodyPr/>
+                    <a:lstStyle/>
+                    <a:p>
+                      <a:pPr algn="r" fontAlgn="b"/>
+                      <a:r>
+                        <a:rPr lang="en-CA" sz="1200" u="none" strike="noStrike">
+                          <a:effectLst/>
+                        </a:rPr>
+                        <a:t>721</a:t>
+                      </a:r>
+                      <a:endParaRPr lang="en-CA" sz="1200" b="0" i="0" u="none" strike="noStrike">
+                        <a:solidFill>
+                          <a:srgbClr val="000000"/>
+                        </a:solidFill>
+                        <a:effectLst/>
+                        <a:latin typeface="Calibri" panose="020F0502020204030204" pitchFamily="34" charset="0"/>
+                      </a:endParaRPr>
+                    </a:p>
+                  </a:txBody>
+                  <a:tcPr marL="9525" marR="9525" marT="9525" marB="0" anchor="b"/>
+                </a:tc>
+                <a:tc>
+                  <a:txBody>
+                    <a:bodyPr/>
+                    <a:lstStyle/>
+                    <a:p>
+                      <a:pPr algn="r" fontAlgn="b"/>
+                      <a:r>
+                        <a:rPr lang="en-CA" sz="1200" u="none" strike="noStrike">
+                          <a:effectLst/>
+                        </a:rPr>
+                        <a:t>721</a:t>
+                      </a:r>
+                      <a:endParaRPr lang="en-CA" sz="1200" b="0" i="0" u="none" strike="noStrike">
+                        <a:solidFill>
+                          <a:srgbClr val="000000"/>
+                        </a:solidFill>
+                        <a:effectLst/>
+                        <a:latin typeface="Calibri" panose="020F0502020204030204" pitchFamily="34" charset="0"/>
+                      </a:endParaRPr>
+                    </a:p>
+                  </a:txBody>
+                  <a:tcPr marL="9525" marR="9525" marT="9525" marB="0" anchor="b"/>
+                </a:tc>
+                <a:tc>
+                  <a:txBody>
+                    <a:bodyPr/>
+                    <a:lstStyle/>
+                    <a:p>
+                      <a:pPr algn="r" fontAlgn="b"/>
+                      <a:r>
+                        <a:rPr lang="en-CA" sz="1200" u="none" strike="noStrike">
+                          <a:effectLst/>
+                        </a:rPr>
+                        <a:t>721</a:t>
+                      </a:r>
+                      <a:endParaRPr lang="en-CA" sz="1200" b="0" i="0" u="none" strike="noStrike">
+                        <a:solidFill>
+                          <a:srgbClr val="000000"/>
+                        </a:solidFill>
+                        <a:effectLst/>
+                        <a:latin typeface="Calibri" panose="020F0502020204030204" pitchFamily="34" charset="0"/>
+                      </a:endParaRPr>
+                    </a:p>
+                  </a:txBody>
+                  <a:tcPr marL="9525" marR="9525" marT="9525" marB="0" anchor="b"/>
+                </a:tc>
+                <a:tc>
+                  <a:txBody>
+                    <a:bodyPr/>
+                    <a:lstStyle/>
+                    <a:p>
+                      <a:pPr algn="r" fontAlgn="b"/>
+                      <a:r>
+                        <a:rPr lang="en-CA" sz="1200" u="none" strike="noStrike">
+                          <a:effectLst/>
+                        </a:rPr>
+                        <a:t>2163</a:t>
+                      </a:r>
+                      <a:endParaRPr lang="en-CA" sz="1200" b="0" i="0" u="none" strike="noStrike">
+                        <a:solidFill>
+                          <a:srgbClr val="000000"/>
+                        </a:solidFill>
+                        <a:effectLst/>
+                        <a:latin typeface="Calibri" panose="020F0502020204030204" pitchFamily="34" charset="0"/>
+                      </a:endParaRPr>
+                    </a:p>
+                  </a:txBody>
+                  <a:tcPr marL="9525" marR="9525" marT="9525" marB="0" anchor="b"/>
+                </a:tc>
+                <a:extLst>
+                  <a:ext uri="{0D108BD9-81ED-4DB2-BD59-A6C34878D82A}">
+                    <a16:rowId xmlns:a16="http://schemas.microsoft.com/office/drawing/2014/main" val="2077640258"/>
+                  </a:ext>
+                </a:extLst>
+              </a:tr>
+              <a:tr h="367172">
+                <a:tc>
+                  <a:txBody>
+                    <a:bodyPr/>
+                    <a:lstStyle/>
+                    <a:p>
+                      <a:pPr algn="l" fontAlgn="b"/>
+                      <a:r>
+                        <a:rPr lang="en-CA" sz="1200" u="none" strike="noStrike">
+                          <a:effectLst/>
+                        </a:rPr>
+                        <a:t>4</a:t>
+                      </a:r>
+                      <a:endParaRPr lang="en-CA" sz="1200" b="0" i="0" u="none" strike="noStrike">
+                        <a:solidFill>
+                          <a:srgbClr val="000000"/>
+                        </a:solidFill>
+                        <a:effectLst/>
+                        <a:latin typeface="Calibri" panose="020F0502020204030204" pitchFamily="34" charset="0"/>
+                      </a:endParaRPr>
+                    </a:p>
+                  </a:txBody>
+                  <a:tcPr marL="9525" marR="9525" marT="9525" marB="0" anchor="b"/>
+                </a:tc>
+                <a:tc>
+                  <a:txBody>
+                    <a:bodyPr/>
+                    <a:lstStyle/>
+                    <a:p>
+                      <a:pPr algn="r" fontAlgn="b"/>
+                      <a:r>
+                        <a:rPr lang="en-CA" sz="1200" u="none" strike="noStrike">
+                          <a:effectLst/>
+                        </a:rPr>
+                        <a:t>721</a:t>
+                      </a:r>
+                      <a:endParaRPr lang="en-CA" sz="1200" b="0" i="0" u="none" strike="noStrike">
+                        <a:solidFill>
+                          <a:srgbClr val="000000"/>
+                        </a:solidFill>
+                        <a:effectLst/>
+                        <a:latin typeface="Calibri" panose="020F0502020204030204" pitchFamily="34" charset="0"/>
+                      </a:endParaRPr>
+                    </a:p>
+                  </a:txBody>
+                  <a:tcPr marL="9525" marR="9525" marT="9525" marB="0" anchor="b"/>
+                </a:tc>
+                <a:tc>
+                  <a:txBody>
+                    <a:bodyPr/>
+                    <a:lstStyle/>
+                    <a:p>
+                      <a:pPr algn="r" fontAlgn="b"/>
+                      <a:r>
+                        <a:rPr lang="en-CA" sz="1200" u="none" strike="noStrike">
+                          <a:effectLst/>
+                        </a:rPr>
+                        <a:t>721</a:t>
+                      </a:r>
+                      <a:endParaRPr lang="en-CA" sz="1200" b="0" i="0" u="none" strike="noStrike">
+                        <a:solidFill>
+                          <a:srgbClr val="000000"/>
+                        </a:solidFill>
+                        <a:effectLst/>
+                        <a:latin typeface="Calibri" panose="020F0502020204030204" pitchFamily="34" charset="0"/>
+                      </a:endParaRPr>
+                    </a:p>
+                  </a:txBody>
+                  <a:tcPr marL="9525" marR="9525" marT="9525" marB="0" anchor="b"/>
+                </a:tc>
+                <a:tc>
+                  <a:txBody>
+                    <a:bodyPr/>
+                    <a:lstStyle/>
+                    <a:p>
+                      <a:pPr algn="r" fontAlgn="b"/>
+                      <a:r>
+                        <a:rPr lang="en-CA" sz="1200" u="none" strike="noStrike">
+                          <a:effectLst/>
+                        </a:rPr>
+                        <a:t>721</a:t>
+                      </a:r>
+                      <a:endParaRPr lang="en-CA" sz="1200" b="0" i="0" u="none" strike="noStrike">
+                        <a:solidFill>
+                          <a:srgbClr val="000000"/>
+                        </a:solidFill>
+                        <a:effectLst/>
+                        <a:latin typeface="Calibri" panose="020F0502020204030204" pitchFamily="34" charset="0"/>
+                      </a:endParaRPr>
+                    </a:p>
+                  </a:txBody>
+                  <a:tcPr marL="9525" marR="9525" marT="9525" marB="0" anchor="b"/>
+                </a:tc>
+                <a:tc>
+                  <a:txBody>
+                    <a:bodyPr/>
+                    <a:lstStyle/>
+                    <a:p>
+                      <a:pPr algn="r" fontAlgn="b"/>
+                      <a:r>
+                        <a:rPr lang="en-CA" sz="1200" u="none" strike="noStrike">
+                          <a:effectLst/>
+                        </a:rPr>
+                        <a:t>2163</a:t>
+                      </a:r>
+                      <a:endParaRPr lang="en-CA" sz="1200" b="0" i="0" u="none" strike="noStrike">
+                        <a:solidFill>
+                          <a:srgbClr val="000000"/>
+                        </a:solidFill>
+                        <a:effectLst/>
+                        <a:latin typeface="Calibri" panose="020F0502020204030204" pitchFamily="34" charset="0"/>
+                      </a:endParaRPr>
+                    </a:p>
+                  </a:txBody>
+                  <a:tcPr marL="9525" marR="9525" marT="9525" marB="0" anchor="b"/>
+                </a:tc>
+                <a:extLst>
+                  <a:ext uri="{0D108BD9-81ED-4DB2-BD59-A6C34878D82A}">
+                    <a16:rowId xmlns:a16="http://schemas.microsoft.com/office/drawing/2014/main" val="2098119117"/>
+                  </a:ext>
+                </a:extLst>
+              </a:tr>
+              <a:tr h="367172">
+                <a:tc>
+                  <a:txBody>
+                    <a:bodyPr/>
+                    <a:lstStyle/>
+                    <a:p>
+                      <a:pPr algn="l" fontAlgn="b"/>
+                      <a:r>
+                        <a:rPr lang="en-CA" sz="1200" u="none" strike="noStrike">
+                          <a:effectLst/>
+                        </a:rPr>
+                        <a:t>5</a:t>
+                      </a:r>
+                      <a:endParaRPr lang="en-CA" sz="1200" b="0" i="0" u="none" strike="noStrike">
+                        <a:solidFill>
+                          <a:srgbClr val="000000"/>
+                        </a:solidFill>
+                        <a:effectLst/>
+                        <a:latin typeface="Calibri" panose="020F0502020204030204" pitchFamily="34" charset="0"/>
+                      </a:endParaRPr>
+                    </a:p>
+                  </a:txBody>
+                  <a:tcPr marL="9525" marR="9525" marT="9525" marB="0" anchor="b"/>
+                </a:tc>
+                <a:tc>
+                  <a:txBody>
+                    <a:bodyPr/>
+                    <a:lstStyle/>
+                    <a:p>
+                      <a:pPr algn="r" fontAlgn="b"/>
+                      <a:r>
+                        <a:rPr lang="en-CA" sz="1200" u="none" strike="noStrike">
+                          <a:effectLst/>
+                        </a:rPr>
+                        <a:t>721</a:t>
+                      </a:r>
+                      <a:endParaRPr lang="en-CA" sz="1200" b="0" i="0" u="none" strike="noStrike">
+                        <a:solidFill>
+                          <a:srgbClr val="000000"/>
+                        </a:solidFill>
+                        <a:effectLst/>
+                        <a:latin typeface="Calibri" panose="020F0502020204030204" pitchFamily="34" charset="0"/>
+                      </a:endParaRPr>
+                    </a:p>
+                  </a:txBody>
+                  <a:tcPr marL="9525" marR="9525" marT="9525" marB="0" anchor="b"/>
+                </a:tc>
+                <a:tc>
+                  <a:txBody>
+                    <a:bodyPr/>
+                    <a:lstStyle/>
+                    <a:p>
+                      <a:pPr algn="r" fontAlgn="b"/>
+                      <a:r>
+                        <a:rPr lang="en-CA" sz="1200" u="none" strike="noStrike">
+                          <a:effectLst/>
+                        </a:rPr>
+                        <a:t>721</a:t>
+                      </a:r>
+                      <a:endParaRPr lang="en-CA" sz="1200" b="0" i="0" u="none" strike="noStrike">
+                        <a:solidFill>
+                          <a:srgbClr val="000000"/>
+                        </a:solidFill>
+                        <a:effectLst/>
+                        <a:latin typeface="Calibri" panose="020F0502020204030204" pitchFamily="34" charset="0"/>
+                      </a:endParaRPr>
+                    </a:p>
+                  </a:txBody>
+                  <a:tcPr marL="9525" marR="9525" marT="9525" marB="0" anchor="b"/>
+                </a:tc>
+                <a:tc>
+                  <a:txBody>
+                    <a:bodyPr/>
+                    <a:lstStyle/>
+                    <a:p>
+                      <a:pPr algn="r" fontAlgn="b"/>
+                      <a:r>
+                        <a:rPr lang="en-CA" sz="1200" u="none" strike="noStrike">
+                          <a:effectLst/>
+                        </a:rPr>
+                        <a:t>721</a:t>
+                      </a:r>
+                      <a:endParaRPr lang="en-CA" sz="1200" b="0" i="0" u="none" strike="noStrike">
+                        <a:solidFill>
+                          <a:srgbClr val="000000"/>
+                        </a:solidFill>
+                        <a:effectLst/>
+                        <a:latin typeface="Calibri" panose="020F0502020204030204" pitchFamily="34" charset="0"/>
+                      </a:endParaRPr>
+                    </a:p>
+                  </a:txBody>
+                  <a:tcPr marL="9525" marR="9525" marT="9525" marB="0" anchor="b"/>
+                </a:tc>
+                <a:tc>
+                  <a:txBody>
+                    <a:bodyPr/>
+                    <a:lstStyle/>
+                    <a:p>
+                      <a:pPr algn="r" fontAlgn="b"/>
+                      <a:r>
+                        <a:rPr lang="en-CA" sz="1200" u="none" strike="noStrike" dirty="0">
+                          <a:effectLst/>
+                        </a:rPr>
+                        <a:t>2163</a:t>
+                      </a:r>
+                      <a:endParaRPr lang="en-CA" sz="1200" b="0" i="0" u="none" strike="noStrike" dirty="0">
+                        <a:solidFill>
+                          <a:srgbClr val="000000"/>
+                        </a:solidFill>
+                        <a:effectLst/>
+                        <a:latin typeface="Calibri" panose="020F0502020204030204" pitchFamily="34" charset="0"/>
+                      </a:endParaRPr>
+                    </a:p>
+                  </a:txBody>
+                  <a:tcPr marL="9525" marR="9525" marT="9525" marB="0" anchor="b"/>
+                </a:tc>
+                <a:extLst>
+                  <a:ext uri="{0D108BD9-81ED-4DB2-BD59-A6C34878D82A}">
+                    <a16:rowId xmlns:a16="http://schemas.microsoft.com/office/drawing/2014/main" val="898963381"/>
+                  </a:ext>
+                </a:extLst>
+              </a:tr>
+              <a:tr h="367172">
+                <a:tc>
+                  <a:txBody>
+                    <a:bodyPr/>
+                    <a:lstStyle/>
+                    <a:p>
+                      <a:pPr algn="l" fontAlgn="b"/>
+                      <a:r>
+                        <a:rPr lang="en-CA" sz="1200" u="none" strike="noStrike">
+                          <a:effectLst/>
+                        </a:rPr>
+                        <a:t>Grand Total</a:t>
+                      </a:r>
+                      <a:endParaRPr lang="en-CA" sz="1200" b="1" i="0" u="none" strike="noStrike">
+                        <a:solidFill>
+                          <a:srgbClr val="000000"/>
+                        </a:solidFill>
+                        <a:effectLst/>
+                        <a:latin typeface="Calibri" panose="020F0502020204030204" pitchFamily="34" charset="0"/>
+                      </a:endParaRPr>
+                    </a:p>
+                  </a:txBody>
+                  <a:tcPr marL="9525" marR="9525" marT="9525" marB="0" anchor="b"/>
+                </a:tc>
+                <a:tc>
+                  <a:txBody>
+                    <a:bodyPr/>
+                    <a:lstStyle/>
+                    <a:p>
+                      <a:pPr algn="r" fontAlgn="b"/>
+                      <a:r>
+                        <a:rPr lang="en-CA" sz="1200" u="none" strike="noStrike">
+                          <a:effectLst/>
+                        </a:rPr>
+                        <a:t>2678</a:t>
+                      </a:r>
+                      <a:endParaRPr lang="en-CA" sz="1200" b="1" i="0" u="none" strike="noStrike">
+                        <a:solidFill>
+                          <a:srgbClr val="000000"/>
+                        </a:solidFill>
+                        <a:effectLst/>
+                        <a:latin typeface="Calibri" panose="020F0502020204030204" pitchFamily="34" charset="0"/>
+                      </a:endParaRPr>
+                    </a:p>
+                  </a:txBody>
+                  <a:tcPr marL="9525" marR="9525" marT="9525" marB="0" anchor="b"/>
+                </a:tc>
+                <a:tc>
+                  <a:txBody>
+                    <a:bodyPr/>
+                    <a:lstStyle/>
+                    <a:p>
+                      <a:pPr algn="r" fontAlgn="b"/>
+                      <a:r>
+                        <a:rPr lang="en-CA" sz="1200" u="none" strike="noStrike">
+                          <a:effectLst/>
+                        </a:rPr>
+                        <a:t>2678</a:t>
+                      </a:r>
+                      <a:endParaRPr lang="en-CA" sz="1200" b="1" i="0" u="none" strike="noStrike">
+                        <a:solidFill>
+                          <a:srgbClr val="000000"/>
+                        </a:solidFill>
+                        <a:effectLst/>
+                        <a:latin typeface="Calibri" panose="020F0502020204030204" pitchFamily="34" charset="0"/>
+                      </a:endParaRPr>
+                    </a:p>
+                  </a:txBody>
+                  <a:tcPr marL="9525" marR="9525" marT="9525" marB="0" anchor="b"/>
+                </a:tc>
+                <a:tc>
+                  <a:txBody>
+                    <a:bodyPr/>
+                    <a:lstStyle/>
+                    <a:p>
+                      <a:pPr algn="r" fontAlgn="b"/>
+                      <a:r>
+                        <a:rPr lang="en-CA" sz="1200" u="none" strike="noStrike">
+                          <a:effectLst/>
+                        </a:rPr>
+                        <a:t>2678</a:t>
+                      </a:r>
+                      <a:endParaRPr lang="en-CA" sz="1200" b="1" i="0" u="none" strike="noStrike">
+                        <a:solidFill>
+                          <a:srgbClr val="000000"/>
+                        </a:solidFill>
+                        <a:effectLst/>
+                        <a:latin typeface="Calibri" panose="020F0502020204030204" pitchFamily="34" charset="0"/>
+                      </a:endParaRPr>
+                    </a:p>
+                  </a:txBody>
+                  <a:tcPr marL="9525" marR="9525" marT="9525" marB="0" anchor="b"/>
+                </a:tc>
+                <a:tc>
+                  <a:txBody>
+                    <a:bodyPr/>
+                    <a:lstStyle/>
+                    <a:p>
+                      <a:pPr algn="r" fontAlgn="b"/>
+                      <a:r>
+                        <a:rPr lang="en-CA" sz="1200" u="none" strike="noStrike" dirty="0">
+                          <a:effectLst/>
+                        </a:rPr>
+                        <a:t>8034</a:t>
+                      </a:r>
+                      <a:endParaRPr lang="en-CA" sz="1200" b="1" i="0" u="none" strike="noStrike" dirty="0">
+                        <a:solidFill>
+                          <a:srgbClr val="000000"/>
+                        </a:solidFill>
+                        <a:effectLst/>
+                        <a:latin typeface="Calibri" panose="020F0502020204030204" pitchFamily="34" charset="0"/>
+                      </a:endParaRPr>
+                    </a:p>
+                  </a:txBody>
+                  <a:tcPr marL="9525" marR="9525" marT="9525" marB="0" anchor="b"/>
+                </a:tc>
+                <a:extLst>
+                  <a:ext uri="{0D108BD9-81ED-4DB2-BD59-A6C34878D82A}">
+                    <a16:rowId xmlns:a16="http://schemas.microsoft.com/office/drawing/2014/main" val="1548340947"/>
+                  </a:ext>
+                </a:extLst>
+              </a:tr>
+            </a:tbl>
+          </a:graphicData>
+        </a:graphic>
+      </p:graphicFrame>
+      <p:pic>
+        <p:nvPicPr>
+          <p:cNvPr id="6" name="Picture 5">
+            <a:extLst>
+              <a:ext uri="{FF2B5EF4-FFF2-40B4-BE49-F238E27FC236}">
+                <a16:creationId xmlns:a16="http://schemas.microsoft.com/office/drawing/2014/main" id="{14B7DE81-54A8-4C89-876A-8BD426711E02}"/>
+              </a:ext>
+            </a:extLst>
+          </p:cNvPr>
+          <p:cNvPicPr>
+            <a:picLocks noChangeAspect="1" noChangeArrowheads="1"/>
+          </p:cNvPicPr>
+          <p:nvPr/>
+        </p:nvPicPr>
+        <p:blipFill>
+          <a:blip r:embed="rId2">
+            <a:extLst>
+              <a:ext uri="{28A0092B-C50C-407E-A947-70E740481C1C}">
+                <a14:useLocalDpi xmlns:a14="http://schemas.microsoft.com/office/drawing/2010/main" val="0"/>
+              </a:ext>
+            </a:extLst>
+          </a:blip>
+          <a:srcRect/>
+          <a:stretch>
+            <a:fillRect/>
+          </a:stretch>
+        </p:blipFill>
+        <p:spPr bwMode="auto">
+          <a:xfrm>
+            <a:off x="6742697" y="2162216"/>
+            <a:ext cx="5322692" cy="2570204"/>
+          </a:xfrm>
+          <a:prstGeom prst="rect">
+            <a:avLst/>
+          </a:prstGeom>
+          <a:noFill/>
+          <a:extLst>
+            <a:ext uri="{909E8E84-426E-40DD-AFC4-6F175D3DCCD1}">
+              <a14:hiddenFill xmlns:a14="http://schemas.microsoft.com/office/drawing/2010/main">
+                <a:solidFill>
+                  <a:srgbClr val="FFFFFF"/>
+                </a:solidFill>
+              </a14:hiddenFill>
+            </a:ext>
+          </a:extLst>
+        </p:spPr>
+      </p:pic>
     </p:spTree>
     <p:extLst>
       <p:ext uri="{BB962C8B-B14F-4D97-AF65-F5344CB8AC3E}">
@@ -29469,7 +30662,7 @@
           <p:cNvPr id="2" name="Title 1">
             <a:extLst>
               <a:ext uri="{FF2B5EF4-FFF2-40B4-BE49-F238E27FC236}">
-                <a16:creationId xmlns="" xmlns:a16="http://schemas.microsoft.com/office/drawing/2014/main" id="{C3F5CDFC-1D41-42B8-9223-6129DEC6C293}"/>
+                <a16:creationId xmlns:a16="http://schemas.microsoft.com/office/drawing/2014/main" id="{C3F5CDFC-1D41-42B8-9223-6129DEC6C293}"/>
               </a:ext>
             </a:extLst>
           </p:cNvPr>
@@ -29497,7 +30690,7 @@
           <p:cNvPr id="4" name="Content Placeholder 3">
             <a:extLst>
               <a:ext uri="{FF2B5EF4-FFF2-40B4-BE49-F238E27FC236}">
-                <a16:creationId xmlns="" xmlns:a16="http://schemas.microsoft.com/office/drawing/2014/main" id="{63ECDBED-7E6C-40D5-AC3A-4B4B35A132F9}"/>
+                <a16:creationId xmlns:a16="http://schemas.microsoft.com/office/drawing/2014/main" id="{63ECDBED-7E6C-40D5-AC3A-4B4B35A132F9}"/>
               </a:ext>
             </a:extLst>
           </p:cNvPr>
@@ -29588,7 +30781,7 @@
           <p:cNvPr id="2" name="Title 1">
             <a:extLst>
               <a:ext uri="{FF2B5EF4-FFF2-40B4-BE49-F238E27FC236}">
-                <a16:creationId xmlns="" xmlns:a16="http://schemas.microsoft.com/office/drawing/2014/main" id="{99B70518-582A-46A1-8C6C-709B5B3C47F4}"/>
+                <a16:creationId xmlns:a16="http://schemas.microsoft.com/office/drawing/2014/main" id="{99B70518-582A-46A1-8C6C-709B5B3C47F4}"/>
               </a:ext>
             </a:extLst>
           </p:cNvPr>
@@ -29808,7 +31001,7 @@
           <p:cNvPr id="2" name="Title 1">
             <a:extLst>
               <a:ext uri="{FF2B5EF4-FFF2-40B4-BE49-F238E27FC236}">
-                <a16:creationId xmlns="" xmlns:a16="http://schemas.microsoft.com/office/drawing/2014/main" id="{C0DC2B9B-FCB5-4621-ABB4-77B660602A25}"/>
+                <a16:creationId xmlns:a16="http://schemas.microsoft.com/office/drawing/2014/main" id="{C0DC2B9B-FCB5-4621-ABB4-77B660602A25}"/>
               </a:ext>
             </a:extLst>
           </p:cNvPr>
@@ -29836,7 +31029,7 @@
           <p:cNvPr id="4" name="Content Placeholder 3" descr="C:\Users\ke\Desktop\Figure_1.png">
             <a:extLst>
               <a:ext uri="{FF2B5EF4-FFF2-40B4-BE49-F238E27FC236}">
-                <a16:creationId xmlns="" xmlns:a16="http://schemas.microsoft.com/office/drawing/2014/main" id="{4D21BC85-7DF2-4CAA-BD03-EE4871E463F2}"/>
+                <a16:creationId xmlns:a16="http://schemas.microsoft.com/office/drawing/2014/main" id="{4D21BC85-7DF2-4CAA-BD03-EE4871E463F2}"/>
               </a:ext>
             </a:extLst>
           </p:cNvPr>
@@ -29879,7 +31072,7 @@
           <p:cNvPr id="6" name="TextBox 5">
             <a:extLst>
               <a:ext uri="{FF2B5EF4-FFF2-40B4-BE49-F238E27FC236}">
-                <a16:creationId xmlns="" xmlns:a16="http://schemas.microsoft.com/office/drawing/2014/main" id="{FF07B87F-C8DD-4F75-AF75-8EE671EF4690}"/>
+                <a16:creationId xmlns:a16="http://schemas.microsoft.com/office/drawing/2014/main" id="{FF07B87F-C8DD-4F75-AF75-8EE671EF4690}"/>
               </a:ext>
             </a:extLst>
           </p:cNvPr>
@@ -29938,7 +31131,7 @@
           <p:cNvPr id="5" name="Table 4">
             <a:extLst>
               <a:ext uri="{FF2B5EF4-FFF2-40B4-BE49-F238E27FC236}">
-                <a16:creationId xmlns="" xmlns:a16="http://schemas.microsoft.com/office/drawing/2014/main" id="{7229B7B9-B18A-4703-9B4E-3C8CBCE0D5D8}"/>
+                <a16:creationId xmlns:a16="http://schemas.microsoft.com/office/drawing/2014/main" id="{7229B7B9-B18A-4703-9B4E-3C8CBCE0D5D8}"/>
               </a:ext>
             </a:extLst>
           </p:cNvPr>
@@ -29967,21 +31160,21 @@
                 <a:gridCol w="983916">
                   <a:extLst>
                     <a:ext uri="{9D8B030D-6E8A-4147-A177-3AD203B41FA5}">
-                      <a16:colId xmlns="" xmlns:a16="http://schemas.microsoft.com/office/drawing/2014/main" val="3735259432"/>
+                      <a16:colId xmlns:a16="http://schemas.microsoft.com/office/drawing/2014/main" val="3735259432"/>
                     </a:ext>
                   </a:extLst>
                 </a:gridCol>
                 <a:gridCol w="983916">
                   <a:extLst>
                     <a:ext uri="{9D8B030D-6E8A-4147-A177-3AD203B41FA5}">
-                      <a16:colId xmlns="" xmlns:a16="http://schemas.microsoft.com/office/drawing/2014/main" val="1134382208"/>
+                      <a16:colId xmlns:a16="http://schemas.microsoft.com/office/drawing/2014/main" val="1134382208"/>
                     </a:ext>
                   </a:extLst>
                 </a:gridCol>
                 <a:gridCol w="983916">
                   <a:extLst>
                     <a:ext uri="{9D8B030D-6E8A-4147-A177-3AD203B41FA5}">
-                      <a16:colId xmlns="" xmlns:a16="http://schemas.microsoft.com/office/drawing/2014/main" val="1257578719"/>
+                      <a16:colId xmlns:a16="http://schemas.microsoft.com/office/drawing/2014/main" val="1257578719"/>
                     </a:ext>
                   </a:extLst>
                 </a:gridCol>
@@ -30058,7 +31251,7 @@
                 </a:tc>
                 <a:extLst>
                   <a:ext uri="{0D108BD9-81ED-4DB2-BD59-A6C34878D82A}">
-                    <a16:rowId xmlns="" xmlns:a16="http://schemas.microsoft.com/office/drawing/2014/main" val="1625375486"/>
+                    <a16:rowId xmlns:a16="http://schemas.microsoft.com/office/drawing/2014/main" val="1625375486"/>
                   </a:ext>
                 </a:extLst>
               </a:tr>
@@ -30134,7 +31327,7 @@
                 </a:tc>
                 <a:extLst>
                   <a:ext uri="{0D108BD9-81ED-4DB2-BD59-A6C34878D82A}">
-                    <a16:rowId xmlns="" xmlns:a16="http://schemas.microsoft.com/office/drawing/2014/main" val="1346036712"/>
+                    <a16:rowId xmlns:a16="http://schemas.microsoft.com/office/drawing/2014/main" val="1346036712"/>
                   </a:ext>
                 </a:extLst>
               </a:tr>
@@ -30210,7 +31403,7 @@
                 </a:tc>
                 <a:extLst>
                   <a:ext uri="{0D108BD9-81ED-4DB2-BD59-A6C34878D82A}">
-                    <a16:rowId xmlns="" xmlns:a16="http://schemas.microsoft.com/office/drawing/2014/main" val="2275640152"/>
+                    <a16:rowId xmlns:a16="http://schemas.microsoft.com/office/drawing/2014/main" val="2275640152"/>
                   </a:ext>
                 </a:extLst>
               </a:tr>
